--- a/doc/dis/SemanticStreamingDA/img/drawings.pptx
+++ b/doc/dis/SemanticStreamingDA/img/drawings.pptx
@@ -5,7 +5,7 @@
     <p:sldMasterId id="2147483660" r:id="rId1"/>
   </p:sldMasterIdLst>
   <p:notesMasterIdLst>
-    <p:notesMasterId r:id="rId25"/>
+    <p:notesMasterId r:id="rId26"/>
   </p:notesMasterIdLst>
   <p:sldIdLst>
     <p:sldId id="256" r:id="rId2"/>
@@ -17,20 +17,21 @@
     <p:sldId id="279" r:id="rId8"/>
     <p:sldId id="273" r:id="rId9"/>
     <p:sldId id="263" r:id="rId10"/>
-    <p:sldId id="280" r:id="rId11"/>
-    <p:sldId id="264" r:id="rId12"/>
-    <p:sldId id="260" r:id="rId13"/>
-    <p:sldId id="261" r:id="rId14"/>
-    <p:sldId id="262" r:id="rId15"/>
-    <p:sldId id="259" r:id="rId16"/>
-    <p:sldId id="258" r:id="rId17"/>
-    <p:sldId id="274" r:id="rId18"/>
-    <p:sldId id="275" r:id="rId19"/>
-    <p:sldId id="276" r:id="rId20"/>
-    <p:sldId id="265" r:id="rId21"/>
-    <p:sldId id="266" r:id="rId22"/>
-    <p:sldId id="267" r:id="rId23"/>
-    <p:sldId id="268" r:id="rId24"/>
+    <p:sldId id="281" r:id="rId11"/>
+    <p:sldId id="280" r:id="rId12"/>
+    <p:sldId id="264" r:id="rId13"/>
+    <p:sldId id="260" r:id="rId14"/>
+    <p:sldId id="261" r:id="rId15"/>
+    <p:sldId id="262" r:id="rId16"/>
+    <p:sldId id="259" r:id="rId17"/>
+    <p:sldId id="258" r:id="rId18"/>
+    <p:sldId id="274" r:id="rId19"/>
+    <p:sldId id="275" r:id="rId20"/>
+    <p:sldId id="276" r:id="rId21"/>
+    <p:sldId id="265" r:id="rId22"/>
+    <p:sldId id="266" r:id="rId23"/>
+    <p:sldId id="267" r:id="rId24"/>
+    <p:sldId id="268" r:id="rId25"/>
   </p:sldIdLst>
   <p:sldSz cx="9144000" cy="6858000" type="screen4x3"/>
   <p:notesSz cx="6858000" cy="9144000"/>
@@ -215,7 +216,7 @@
             <a:fld id="{A1464AF7-FEFC-4ADE-916E-7E5D14F32736}" type="datetimeFigureOut">
               <a:rPr lang="es-ES" smtClean="0"/>
               <a:pPr/>
-              <a:t>03/03/2010</a:t>
+              <a:t>24/06/2010</a:t>
             </a:fld>
             <a:endParaRPr lang="en-GB"/>
           </a:p>
@@ -377,7 +378,7 @@
             <a:fld id="{7F3BB12C-A3E2-4BD2-A30D-86AC37465091}" type="slidenum">
               <a:rPr lang="en-GB" smtClean="0"/>
               <a:pPr/>
-              <a:t>‹Nº›</a:t>
+              <a:t>‹#›</a:t>
             </a:fld>
             <a:endParaRPr lang="en-GB"/>
           </a:p>
@@ -589,7 +590,7 @@
           <p:nvPr/>
         </p:nvPicPr>
         <p:blipFill>
-          <a:blip r:embed="rId2"/>
+          <a:blip r:embed="rId2" cstate="print"/>
           <a:srcRect/>
           <a:stretch>
             <a:fillRect/>
@@ -615,7 +616,7 @@
           <p:nvPr/>
         </p:nvPicPr>
         <p:blipFill>
-          <a:blip r:embed="rId3"/>
+          <a:blip r:embed="rId3" cstate="print"/>
           <a:srcRect/>
           <a:stretch>
             <a:fillRect/>
@@ -741,7 +742,7 @@
             <a:fld id="{05B9368B-1C4C-404E-B6EE-0A8D709749A4}" type="datetimeFigureOut">
               <a:rPr lang="en-US" smtClean="0"/>
               <a:pPr/>
-              <a:t>3/3/2010</a:t>
+              <a:t>6/24/2010</a:t>
             </a:fld>
             <a:endParaRPr lang="en-US"/>
           </a:p>
@@ -756,7 +757,7 @@
           <p:nvPr/>
         </p:nvPicPr>
         <p:blipFill>
-          <a:blip r:embed="rId4"/>
+          <a:blip r:embed="rId4" cstate="print"/>
           <a:srcRect/>
           <a:stretch>
             <a:fillRect/>
@@ -966,7 +967,7 @@
             <a:fld id="{9791820E-998B-43B0-9041-FB91AA8B17D8}" type="slidenum">
               <a:rPr lang="en-US" smtClean="0"/>
               <a:pPr/>
-              <a:t>‹Nº›</a:t>
+              <a:t>‹#›</a:t>
             </a:fld>
             <a:endParaRPr lang="en-US"/>
           </a:p>
@@ -1127,7 +1128,7 @@
             <a:fld id="{9791820E-998B-43B0-9041-FB91AA8B17D8}" type="slidenum">
               <a:rPr lang="en-US" smtClean="0"/>
               <a:pPr/>
-              <a:t>‹Nº›</a:t>
+              <a:t>‹#›</a:t>
             </a:fld>
             <a:endParaRPr lang="en-US"/>
           </a:p>
@@ -1278,7 +1279,7 @@
             <a:fld id="{9791820E-998B-43B0-9041-FB91AA8B17D8}" type="slidenum">
               <a:rPr lang="en-US" smtClean="0"/>
               <a:pPr/>
-              <a:t>‹Nº›</a:t>
+              <a:t>‹#›</a:t>
             </a:fld>
             <a:endParaRPr lang="en-US"/>
           </a:p>
@@ -1451,7 +1452,7 @@
             <a:fld id="{9791820E-998B-43B0-9041-FB91AA8B17D8}" type="slidenum">
               <a:rPr lang="en-US" smtClean="0"/>
               <a:pPr/>
-              <a:t>‹Nº›</a:t>
+              <a:t>‹#›</a:t>
             </a:fld>
             <a:endParaRPr lang="en-US"/>
           </a:p>
@@ -1720,7 +1721,7 @@
             <a:fld id="{9791820E-998B-43B0-9041-FB91AA8B17D8}" type="slidenum">
               <a:rPr lang="en-US" smtClean="0"/>
               <a:pPr/>
-              <a:t>‹Nº›</a:t>
+              <a:t>‹#›</a:t>
             </a:fld>
             <a:endParaRPr lang="en-US"/>
           </a:p>
@@ -2128,7 +2129,7 @@
             <a:fld id="{9791820E-998B-43B0-9041-FB91AA8B17D8}" type="slidenum">
               <a:rPr lang="en-US" smtClean="0"/>
               <a:pPr/>
-              <a:t>‹Nº›</a:t>
+              <a:t>‹#›</a:t>
             </a:fld>
             <a:endParaRPr lang="en-US"/>
           </a:p>
@@ -2227,7 +2228,7 @@
             <a:fld id="{9791820E-998B-43B0-9041-FB91AA8B17D8}" type="slidenum">
               <a:rPr lang="en-US" smtClean="0"/>
               <a:pPr/>
-              <a:t>‹Nº›</a:t>
+              <a:t>‹#›</a:t>
             </a:fld>
             <a:endParaRPr lang="en-US"/>
           </a:p>
@@ -2303,7 +2304,7 @@
             <a:fld id="{9791820E-998B-43B0-9041-FB91AA8B17D8}" type="slidenum">
               <a:rPr lang="en-US" smtClean="0"/>
               <a:pPr/>
-              <a:t>‹Nº›</a:t>
+              <a:t>‹#›</a:t>
             </a:fld>
             <a:endParaRPr lang="en-US"/>
           </a:p>
@@ -2561,7 +2562,7 @@
             <a:fld id="{9791820E-998B-43B0-9041-FB91AA8B17D8}" type="slidenum">
               <a:rPr lang="en-US" smtClean="0"/>
               <a:pPr/>
-              <a:t>‹Nº›</a:t>
+              <a:t>‹#›</a:t>
             </a:fld>
             <a:endParaRPr lang="en-US"/>
           </a:p>
@@ -2799,7 +2800,7 @@
             <a:fld id="{9791820E-998B-43B0-9041-FB91AA8B17D8}" type="slidenum">
               <a:rPr lang="en-US" smtClean="0"/>
               <a:pPr/>
-              <a:t>‹Nº›</a:t>
+              <a:t>‹#›</a:t>
             </a:fld>
             <a:endParaRPr lang="en-US"/>
           </a:p>
@@ -2847,7 +2848,7 @@
           <p:nvPr/>
         </p:nvPicPr>
         <p:blipFill>
-          <a:blip r:embed="rId13"/>
+          <a:blip r:embed="rId13" cstate="print"/>
           <a:srcRect/>
           <a:stretch>
             <a:fillRect/>
@@ -2873,7 +2874,7 @@
           <p:nvPr/>
         </p:nvPicPr>
         <p:blipFill>
-          <a:blip r:embed="rId14"/>
+          <a:blip r:embed="rId14" cstate="print"/>
           <a:srcRect/>
           <a:stretch>
             <a:fillRect/>
@@ -2899,7 +2900,7 @@
           <p:nvPr/>
         </p:nvPicPr>
         <p:blipFill>
-          <a:blip r:embed="rId15"/>
+          <a:blip r:embed="rId15" cstate="print"/>
           <a:srcRect/>
           <a:stretch>
             <a:fillRect/>
@@ -3059,7 +3060,7 @@
             <a:fld id="{9791820E-998B-43B0-9041-FB91AA8B17D8}" type="slidenum">
               <a:rPr lang="en-US" smtClean="0"/>
               <a:pPr/>
-              <a:t>‹Nº›</a:t>
+              <a:t>‹#›</a:t>
             </a:fld>
             <a:endParaRPr lang="en-US"/>
           </a:p>
@@ -3726,13 +3727,16 @@
       <p:cxnSp>
         <p:nvCxnSpPr>
           <p:cNvPr id="6" name="5 Conector recto de flecha"/>
-          <p:cNvCxnSpPr/>
+          <p:cNvCxnSpPr>
+            <a:stCxn id="38" idx="2"/>
+            <a:endCxn id="60" idx="0"/>
+          </p:cNvCxnSpPr>
           <p:nvPr/>
         </p:nvCxnSpPr>
         <p:spPr>
-          <a:xfrm>
-            <a:off x="2643174" y="3143248"/>
-            <a:ext cx="1571636" cy="1588"/>
+          <a:xfrm rot="5400000">
+            <a:off x="3233012" y="2378044"/>
+            <a:ext cx="373720" cy="1588"/>
           </a:xfrm>
           <a:prstGeom prst="straightConnector1">
             <a:avLst/>
@@ -3764,44 +3768,14 @@
       </p:cxnSp>
       <p:sp>
         <p:nvSpPr>
-          <p:cNvPr id="7" name="6 CuadroTexto"/>
-          <p:cNvSpPr txBox="1"/>
-          <p:nvPr/>
-        </p:nvSpPr>
-        <p:spPr>
-          <a:xfrm>
-            <a:off x="3286116" y="2643182"/>
-            <a:ext cx="306494" cy="369332"/>
-          </a:xfrm>
-          <a:prstGeom prst="rect">
-            <a:avLst/>
-          </a:prstGeom>
-          <a:noFill/>
-        </p:spPr>
-        <p:txBody>
-          <a:bodyPr wrap="none" rtlCol="0">
-            <a:spAutoFit/>
-          </a:bodyPr>
-          <a:lstStyle/>
-          <a:p>
-            <a:r>
-              <a:rPr lang="es-ES" dirty="0" smtClean="0"/>
-              <a:t>q</a:t>
-            </a:r>
-            <a:endParaRPr lang="es-ES" dirty="0"/>
-          </a:p>
-        </p:txBody>
-      </p:sp>
-      <p:sp>
-        <p:nvSpPr>
           <p:cNvPr id="13" name="Rectangle 3"/>
           <p:cNvSpPr/>
           <p:nvPr/>
         </p:nvSpPr>
         <p:spPr>
           <a:xfrm>
-            <a:off x="4214810" y="2928934"/>
-            <a:ext cx="1214446" cy="714380"/>
+            <a:off x="2843808" y="3356992"/>
+            <a:ext cx="1152128" cy="498356"/>
           </a:xfrm>
           <a:prstGeom prst="rect">
             <a:avLst/>
@@ -3832,7 +3806,7 @@
                   <a:schemeClr val="dk1"/>
                 </a:solidFill>
               </a:rPr>
-              <a:t>Query canonisation</a:t>
+              <a:t>Query translation</a:t>
             </a:r>
             <a:endParaRPr lang="en-US" sz="1200" dirty="0">
               <a:solidFill>
@@ -3844,52 +3818,19 @@
       </p:sp>
       <p:sp>
         <p:nvSpPr>
-          <p:cNvPr id="15" name="14 CuadroTexto"/>
-          <p:cNvSpPr txBox="1"/>
+          <p:cNvPr id="17" name="Rectangle 3"/>
+          <p:cNvSpPr/>
           <p:nvPr/>
         </p:nvSpPr>
         <p:spPr>
           <a:xfrm>
-            <a:off x="5429256" y="2786058"/>
-            <a:ext cx="405880" cy="369332"/>
+            <a:off x="2915816" y="4149080"/>
+            <a:ext cx="2592288" cy="936104"/>
           </a:xfrm>
           <a:prstGeom prst="rect">
             <a:avLst/>
           </a:prstGeom>
           <a:noFill/>
-        </p:spPr>
-        <p:txBody>
-          <a:bodyPr wrap="none" rtlCol="0">
-            <a:spAutoFit/>
-          </a:bodyPr>
-          <a:lstStyle/>
-          <a:p>
-            <a:r>
-              <a:rPr lang="es-ES" dirty="0" smtClean="0"/>
-              <a:t>Q</a:t>
-            </a:r>
-            <a:r>
-              <a:rPr lang="es-ES" baseline="30000" dirty="0" smtClean="0"/>
-              <a:t>c</a:t>
-            </a:r>
-            <a:endParaRPr lang="es-ES" baseline="30000" dirty="0"/>
-          </a:p>
-        </p:txBody>
-      </p:sp>
-      <p:sp>
-        <p:nvSpPr>
-          <p:cNvPr id="17" name="Rectangle 3"/>
-          <p:cNvSpPr/>
-          <p:nvPr/>
-        </p:nvSpPr>
-        <p:spPr>
-          <a:xfrm>
-            <a:off x="6072198" y="3429000"/>
-            <a:ext cx="1071570" cy="714380"/>
-          </a:xfrm>
-          <a:prstGeom prst="rect">
-            <a:avLst/>
-          </a:prstGeom>
         </p:spPr>
         <p:style>
           <a:lnRef idx="1">
@@ -3906,7 +3847,7 @@
           </a:fontRef>
         </p:style>
         <p:txBody>
-          <a:bodyPr rtlCol="0" anchor="ctr"/>
+          <a:bodyPr rtlCol="0" anchor="b"/>
           <a:lstStyle/>
           <a:p>
             <a:pPr algn="ctr"/>
@@ -3916,7 +3857,7 @@
                   <a:schemeClr val="dk1"/>
                 </a:solidFill>
               </a:rPr>
-              <a:t>Query</a:t>
+              <a:t>Distributed Query</a:t>
             </a:r>
             <a:r>
               <a:rPr lang="fr-CH" sz="1200" dirty="0" smtClean="0">
@@ -3934,20 +3875,272 @@
           </a:p>
         </p:txBody>
       </p:sp>
-      <p:sp>
-        <p:nvSpPr>
-          <p:cNvPr id="19" name="Rectangle 3"/>
+      <p:cxnSp>
+        <p:nvCxnSpPr>
+          <p:cNvPr id="21" name="20 Conector recto de flecha"/>
+          <p:cNvCxnSpPr>
+            <a:stCxn id="13" idx="2"/>
+            <a:endCxn id="65" idx="0"/>
+          </p:cNvCxnSpPr>
+          <p:nvPr/>
+        </p:nvCxnSpPr>
+        <p:spPr>
+          <a:xfrm rot="5400000">
+            <a:off x="3200998" y="4074222"/>
+            <a:ext cx="437748" cy="1588"/>
+          </a:xfrm>
+          <a:prstGeom prst="straightConnector1">
+            <a:avLst/>
+          </a:prstGeom>
+          <a:ln>
+            <a:solidFill>
+              <a:schemeClr val="tx1">
+                <a:lumMod val="95000"/>
+                <a:lumOff val="5000"/>
+              </a:schemeClr>
+            </a:solidFill>
+            <a:tailEnd type="arrow"/>
+          </a:ln>
+        </p:spPr>
+        <p:style>
+          <a:lnRef idx="1">
+            <a:schemeClr val="accent1"/>
+          </a:lnRef>
+          <a:fillRef idx="0">
+            <a:schemeClr val="accent1"/>
+          </a:fillRef>
+          <a:effectRef idx="0">
+            <a:schemeClr val="accent1"/>
+          </a:effectRef>
+          <a:fontRef idx="minor">
+            <a:schemeClr val="tx1"/>
+          </a:fontRef>
+        </p:style>
+      </p:cxnSp>
+      <p:sp>
+        <p:nvSpPr>
+          <p:cNvPr id="38" name="Rectangle 3"/>
           <p:cNvSpPr/>
           <p:nvPr/>
         </p:nvSpPr>
         <p:spPr>
           <a:xfrm>
-            <a:off x="4214810" y="3857628"/>
-            <a:ext cx="1214446" cy="714380"/>
+            <a:off x="2771800" y="1844824"/>
+            <a:ext cx="1296144" cy="346360"/>
           </a:xfrm>
           <a:prstGeom prst="rect">
             <a:avLst/>
           </a:prstGeom>
+          <a:solidFill>
+            <a:schemeClr val="tx1">
+              <a:lumMod val="75000"/>
+              <a:lumOff val="25000"/>
+            </a:schemeClr>
+          </a:solidFill>
+          <a:ln/>
+        </p:spPr>
+        <p:style>
+          <a:lnRef idx="1">
+            <a:schemeClr val="dk1"/>
+          </a:lnRef>
+          <a:fillRef idx="3">
+            <a:schemeClr val="dk1"/>
+          </a:fillRef>
+          <a:effectRef idx="2">
+            <a:schemeClr val="dk1"/>
+          </a:effectRef>
+          <a:fontRef idx="minor">
+            <a:schemeClr val="lt1"/>
+          </a:fontRef>
+        </p:style>
+        <p:txBody>
+          <a:bodyPr vert="horz" rtlCol="0" anchor="ctr"/>
+          <a:lstStyle/>
+          <a:p>
+            <a:pPr algn="ctr"/>
+            <a:r>
+              <a:rPr lang="fr-CH" sz="1200" dirty="0" smtClean="0"/>
+              <a:t>Client</a:t>
+            </a:r>
+            <a:endParaRPr lang="en-US" sz="1200" dirty="0"/>
+          </a:p>
+        </p:txBody>
+      </p:sp>
+      <p:sp>
+        <p:nvSpPr>
+          <p:cNvPr id="42" name="41 CuadroTexto"/>
+          <p:cNvSpPr txBox="1"/>
+          <p:nvPr/>
+        </p:nvSpPr>
+        <p:spPr>
+          <a:xfrm>
+            <a:off x="7164288" y="1556792"/>
+            <a:ext cx="1571636" cy="307777"/>
+          </a:xfrm>
+          <a:prstGeom prst="rect">
+            <a:avLst/>
+          </a:prstGeom>
+          <a:noFill/>
+        </p:spPr>
+        <p:txBody>
+          <a:bodyPr wrap="square" rtlCol="0">
+            <a:spAutoFit/>
+          </a:bodyPr>
+          <a:lstStyle/>
+          <a:p>
+            <a:pPr algn="ctr"/>
+            <a:r>
+              <a:rPr lang="es-ES" sz="1400" dirty="0" smtClean="0"/>
+              <a:t>S</a:t>
+            </a:r>
+            <a:r>
+              <a:rPr lang="es-ES" sz="1400" baseline="-25000" dirty="0" smtClean="0"/>
+              <a:t>2</a:t>
+            </a:r>
+            <a:r>
+              <a:rPr lang="es-ES" sz="1400" dirty="0" smtClean="0"/>
+              <a:t>O </a:t>
+            </a:r>
+            <a:r>
+              <a:rPr lang="en-US" sz="1400" dirty="0" smtClean="0"/>
+              <a:t>mappings</a:t>
+            </a:r>
+            <a:endParaRPr lang="en-US" sz="1400" dirty="0"/>
+          </a:p>
+        </p:txBody>
+      </p:sp>
+      <p:sp>
+        <p:nvSpPr>
+          <p:cNvPr id="57" name="56 CuadroTexto"/>
+          <p:cNvSpPr txBox="1"/>
+          <p:nvPr/>
+        </p:nvSpPr>
+        <p:spPr>
+          <a:xfrm>
+            <a:off x="2267744" y="3068960"/>
+            <a:ext cx="1500198" cy="230832"/>
+          </a:xfrm>
+          <a:prstGeom prst="rect">
+            <a:avLst/>
+          </a:prstGeom>
+          <a:noFill/>
+        </p:spPr>
+        <p:txBody>
+          <a:bodyPr wrap="square" rtlCol="0">
+            <a:spAutoFit/>
+          </a:bodyPr>
+          <a:lstStyle/>
+          <a:p>
+            <a:r>
+              <a:rPr lang="es-ES" sz="900" dirty="0" smtClean="0"/>
+              <a:t>SPARQL</a:t>
+            </a:r>
+            <a:r>
+              <a:rPr lang="es-ES" sz="900" baseline="-25000" dirty="0" smtClean="0"/>
+              <a:t>STR </a:t>
+            </a:r>
+            <a:r>
+              <a:rPr lang="es-ES" sz="900" dirty="0" smtClean="0"/>
+              <a:t>(O</a:t>
+            </a:r>
+            <a:r>
+              <a:rPr lang="es-ES" sz="900" baseline="-25000" dirty="0" smtClean="0"/>
+              <a:t>1</a:t>
+            </a:r>
+            <a:r>
+              <a:rPr lang="es-ES" sz="900" dirty="0" smtClean="0"/>
+              <a:t> O</a:t>
+            </a:r>
+            <a:r>
+              <a:rPr lang="es-ES" sz="900" baseline="-25000" dirty="0" smtClean="0"/>
+              <a:t>2</a:t>
+            </a:r>
+            <a:r>
+              <a:rPr lang="es-ES" sz="900" dirty="0" smtClean="0"/>
+              <a:t> O</a:t>
+            </a:r>
+            <a:r>
+              <a:rPr lang="es-ES" sz="900" baseline="-25000" dirty="0" smtClean="0"/>
+              <a:t>n</a:t>
+            </a:r>
+            <a:r>
+              <a:rPr lang="es-ES" sz="900" dirty="0" smtClean="0"/>
+              <a:t>) </a:t>
+            </a:r>
+            <a:endParaRPr lang="es-ES" sz="900" dirty="0"/>
+          </a:p>
+        </p:txBody>
+      </p:sp>
+      <p:sp>
+        <p:nvSpPr>
+          <p:cNvPr id="61" name="60 CuadroTexto"/>
+          <p:cNvSpPr txBox="1"/>
+          <p:nvPr/>
+        </p:nvSpPr>
+        <p:spPr>
+          <a:xfrm>
+            <a:off x="6444208" y="4437112"/>
+            <a:ext cx="576064" cy="507831"/>
+          </a:xfrm>
+          <a:prstGeom prst="rect">
+            <a:avLst/>
+          </a:prstGeom>
+          <a:noFill/>
+        </p:spPr>
+        <p:txBody>
+          <a:bodyPr wrap="square" rtlCol="0">
+            <a:spAutoFit/>
+          </a:bodyPr>
+          <a:lstStyle/>
+          <a:p>
+            <a:r>
+              <a:rPr lang="es-ES" sz="900" dirty="0" smtClean="0"/>
+              <a:t>Stream</a:t>
+            </a:r>
+          </a:p>
+          <a:p>
+            <a:r>
+              <a:rPr lang="es-ES" sz="900" dirty="0" smtClean="0"/>
+              <a:t>Engine</a:t>
+            </a:r>
+          </a:p>
+          <a:p>
+            <a:r>
+              <a:rPr lang="es-ES" sz="900" dirty="0" smtClean="0"/>
+              <a:t>(S</a:t>
+            </a:r>
+            <a:r>
+              <a:rPr lang="es-ES" sz="900" baseline="-25000" dirty="0" smtClean="0"/>
+              <a:t>3</a:t>
+            </a:r>
+            <a:r>
+              <a:rPr lang="es-ES" sz="900" dirty="0" smtClean="0"/>
+              <a:t>)</a:t>
+            </a:r>
+            <a:endParaRPr lang="es-ES" sz="900" dirty="0"/>
+          </a:p>
+        </p:txBody>
+      </p:sp>
+      <p:sp>
+        <p:nvSpPr>
+          <p:cNvPr id="39" name="16 Disco magnético"/>
+          <p:cNvSpPr/>
+          <p:nvPr/>
+        </p:nvSpPr>
+        <p:spPr>
+          <a:xfrm>
+            <a:off x="6228184" y="4005064"/>
+            <a:ext cx="142876" cy="214314"/>
+          </a:xfrm>
+          <a:prstGeom prst="flowChartMagneticDisk">
+            <a:avLst/>
+          </a:prstGeom>
+          <a:solidFill>
+            <a:schemeClr val="bg1">
+              <a:lumMod val="50000"/>
+            </a:schemeClr>
+          </a:solidFill>
+          <a:ln/>
         </p:spPr>
         <p:style>
           <a:lnRef idx="1">
@@ -3968,13 +4161,2005 @@
           <a:lstStyle/>
           <a:p>
             <a:pPr algn="ctr"/>
+            <a:endParaRPr lang="es-ES"/>
+          </a:p>
+        </p:txBody>
+      </p:sp>
+      <p:grpSp>
+        <p:nvGrpSpPr>
+          <p:cNvPr id="3" name="Group 2"/>
+          <p:cNvGrpSpPr>
+            <a:grpSpLocks/>
+          </p:cNvGrpSpPr>
+          <p:nvPr/>
+        </p:nvGrpSpPr>
+        <p:grpSpPr bwMode="auto">
+          <a:xfrm>
+            <a:off x="6228184" y="4437112"/>
+            <a:ext cx="214314" cy="344486"/>
+            <a:chOff x="1747" y="10343"/>
+            <a:chExt cx="526" cy="766"/>
+          </a:xfrm>
+          <a:solidFill>
+            <a:schemeClr val="tx1"/>
+          </a:solidFill>
+        </p:grpSpPr>
+        <p:sp>
+          <p:nvSpPr>
+            <p:cNvPr id="43" name="Oval 3"/>
+            <p:cNvSpPr>
+              <a:spLocks noChangeArrowheads="1"/>
+            </p:cNvSpPr>
+            <p:nvPr/>
+          </p:nvSpPr>
+          <p:spPr bwMode="auto">
+            <a:xfrm>
+              <a:off x="1890" y="10343"/>
+              <a:ext cx="143" cy="143"/>
+            </a:xfrm>
+            <a:prstGeom prst="ellipse">
+              <a:avLst/>
+            </a:prstGeom>
+            <a:grpFill/>
+            <a:ln w="9525">
+              <a:solidFill>
+                <a:schemeClr val="tx1"/>
+              </a:solidFill>
+              <a:round/>
+              <a:headEnd/>
+              <a:tailEnd/>
+            </a:ln>
+          </p:spPr>
+          <p:txBody>
+            <a:bodyPr vert="horz" wrap="square" lIns="91440" tIns="45720" rIns="91440" bIns="45720" numCol="1" anchor="t" anchorCtr="0" compatLnSpc="1">
+              <a:prstTxWarp prst="textNoShape">
+                <a:avLst/>
+              </a:prstTxWarp>
+            </a:bodyPr>
+            <a:lstStyle/>
+            <a:p>
+              <a:endParaRPr lang="en-GB"/>
+            </a:p>
+          </p:txBody>
+        </p:sp>
+        <p:sp>
+          <p:nvSpPr>
+            <p:cNvPr id="45" name="Oval 4"/>
+            <p:cNvSpPr>
+              <a:spLocks noChangeArrowheads="1"/>
+            </p:cNvSpPr>
+            <p:nvPr/>
+          </p:nvSpPr>
+          <p:spPr bwMode="auto">
+            <a:xfrm>
+              <a:off x="2130" y="10583"/>
+              <a:ext cx="143" cy="143"/>
+            </a:xfrm>
+            <a:prstGeom prst="ellipse">
+              <a:avLst/>
+            </a:prstGeom>
+            <a:grpFill/>
+            <a:ln w="9525">
+              <a:solidFill>
+                <a:schemeClr val="tx1"/>
+              </a:solidFill>
+              <a:round/>
+              <a:headEnd/>
+              <a:tailEnd/>
+            </a:ln>
+          </p:spPr>
+          <p:txBody>
+            <a:bodyPr vert="horz" wrap="square" lIns="91440" tIns="45720" rIns="91440" bIns="45720" numCol="1" anchor="t" anchorCtr="0" compatLnSpc="1">
+              <a:prstTxWarp prst="textNoShape">
+                <a:avLst/>
+              </a:prstTxWarp>
+            </a:bodyPr>
+            <a:lstStyle/>
+            <a:p>
+              <a:endParaRPr lang="en-GB"/>
+            </a:p>
+          </p:txBody>
+        </p:sp>
+        <p:sp>
+          <p:nvSpPr>
+            <p:cNvPr id="46" name="Oval 5"/>
+            <p:cNvSpPr>
+              <a:spLocks noChangeArrowheads="1"/>
+            </p:cNvSpPr>
+            <p:nvPr/>
+          </p:nvSpPr>
+          <p:spPr bwMode="auto">
+            <a:xfrm>
+              <a:off x="1747" y="10583"/>
+              <a:ext cx="143" cy="143"/>
+            </a:xfrm>
+            <a:prstGeom prst="ellipse">
+              <a:avLst/>
+            </a:prstGeom>
+            <a:grpFill/>
+            <a:ln w="9525">
+              <a:solidFill>
+                <a:schemeClr val="tx1"/>
+              </a:solidFill>
+              <a:round/>
+              <a:headEnd/>
+              <a:tailEnd/>
+            </a:ln>
+          </p:spPr>
+          <p:txBody>
+            <a:bodyPr vert="horz" wrap="square" lIns="91440" tIns="45720" rIns="91440" bIns="45720" numCol="1" anchor="t" anchorCtr="0" compatLnSpc="1">
+              <a:prstTxWarp prst="textNoShape">
+                <a:avLst/>
+              </a:prstTxWarp>
+            </a:bodyPr>
+            <a:lstStyle/>
+            <a:p>
+              <a:endParaRPr lang="en-GB"/>
+            </a:p>
+          </p:txBody>
+        </p:sp>
+        <p:sp>
+          <p:nvSpPr>
+            <p:cNvPr id="47" name="Oval 6"/>
+            <p:cNvSpPr>
+              <a:spLocks noChangeArrowheads="1"/>
+            </p:cNvSpPr>
+            <p:nvPr/>
+          </p:nvSpPr>
+          <p:spPr bwMode="auto">
+            <a:xfrm>
+              <a:off x="1747" y="10966"/>
+              <a:ext cx="143" cy="143"/>
+            </a:xfrm>
+            <a:prstGeom prst="ellipse">
+              <a:avLst/>
+            </a:prstGeom>
+            <a:grpFill/>
+            <a:ln w="9525">
+              <a:solidFill>
+                <a:schemeClr val="tx1"/>
+              </a:solidFill>
+              <a:round/>
+              <a:headEnd/>
+              <a:tailEnd/>
+            </a:ln>
+          </p:spPr>
+          <p:txBody>
+            <a:bodyPr vert="horz" wrap="square" lIns="91440" tIns="45720" rIns="91440" bIns="45720" numCol="1" anchor="t" anchorCtr="0" compatLnSpc="1">
+              <a:prstTxWarp prst="textNoShape">
+                <a:avLst/>
+              </a:prstTxWarp>
+            </a:bodyPr>
+            <a:lstStyle/>
+            <a:p>
+              <a:endParaRPr lang="en-GB"/>
+            </a:p>
+          </p:txBody>
+        </p:sp>
+        <p:sp>
+          <p:nvSpPr>
+            <p:cNvPr id="48" name="Oval 7"/>
+            <p:cNvSpPr>
+              <a:spLocks noChangeArrowheads="1"/>
+            </p:cNvSpPr>
+            <p:nvPr/>
+          </p:nvSpPr>
+          <p:spPr bwMode="auto">
+            <a:xfrm>
+              <a:off x="1987" y="10823"/>
+              <a:ext cx="143" cy="143"/>
+            </a:xfrm>
+            <a:prstGeom prst="ellipse">
+              <a:avLst/>
+            </a:prstGeom>
+            <a:grpFill/>
+            <a:ln w="9525">
+              <a:solidFill>
+                <a:schemeClr val="tx1"/>
+              </a:solidFill>
+              <a:round/>
+              <a:headEnd/>
+              <a:tailEnd/>
+            </a:ln>
+          </p:spPr>
+          <p:txBody>
+            <a:bodyPr vert="horz" wrap="square" lIns="91440" tIns="45720" rIns="91440" bIns="45720" numCol="1" anchor="t" anchorCtr="0" compatLnSpc="1">
+              <a:prstTxWarp prst="textNoShape">
+                <a:avLst/>
+              </a:prstTxWarp>
+            </a:bodyPr>
+            <a:lstStyle/>
+            <a:p>
+              <a:endParaRPr lang="en-GB"/>
+            </a:p>
+          </p:txBody>
+        </p:sp>
+        <p:cxnSp>
+          <p:nvCxnSpPr>
+            <p:cNvPr id="50" name="AutoShape 8"/>
+            <p:cNvCxnSpPr>
+              <a:cxnSpLocks noChangeShapeType="1"/>
+            </p:cNvCxnSpPr>
+            <p:nvPr/>
+          </p:nvCxnSpPr>
+          <p:spPr bwMode="auto">
+            <a:xfrm>
+              <a:off x="1987" y="10435"/>
+              <a:ext cx="234" cy="240"/>
+            </a:xfrm>
+            <a:prstGeom prst="straightConnector1">
+              <a:avLst/>
+            </a:prstGeom>
+            <a:grpFill/>
+            <a:ln w="9525">
+              <a:solidFill>
+                <a:schemeClr val="tx1"/>
+              </a:solidFill>
+              <a:round/>
+              <a:headEnd/>
+              <a:tailEnd/>
+            </a:ln>
+          </p:spPr>
+        </p:cxnSp>
+        <p:cxnSp>
+          <p:nvCxnSpPr>
+            <p:cNvPr id="51" name="AutoShape 9"/>
+            <p:cNvCxnSpPr>
+              <a:cxnSpLocks noChangeShapeType="1"/>
+            </p:cNvCxnSpPr>
+            <p:nvPr/>
+          </p:nvCxnSpPr>
+          <p:spPr bwMode="auto">
+            <a:xfrm flipH="1">
+              <a:off x="1800" y="10435"/>
+              <a:ext cx="138" cy="240"/>
+            </a:xfrm>
+            <a:prstGeom prst="straightConnector1">
+              <a:avLst/>
+            </a:prstGeom>
+            <a:grpFill/>
+            <a:ln w="9525">
+              <a:solidFill>
+                <a:schemeClr val="tx1"/>
+              </a:solidFill>
+              <a:round/>
+              <a:headEnd/>
+              <a:tailEnd/>
+            </a:ln>
+          </p:spPr>
+        </p:cxnSp>
+        <p:cxnSp>
+          <p:nvCxnSpPr>
+            <p:cNvPr id="52" name="AutoShape 10"/>
+            <p:cNvCxnSpPr>
+              <a:cxnSpLocks noChangeShapeType="1"/>
+            </p:cNvCxnSpPr>
+            <p:nvPr/>
+          </p:nvCxnSpPr>
+          <p:spPr bwMode="auto">
+            <a:xfrm>
+              <a:off x="1800" y="10675"/>
+              <a:ext cx="0" cy="371"/>
+            </a:xfrm>
+            <a:prstGeom prst="straightConnector1">
+              <a:avLst/>
+            </a:prstGeom>
+            <a:grpFill/>
+            <a:ln w="9525">
+              <a:solidFill>
+                <a:schemeClr val="tx1"/>
+              </a:solidFill>
+              <a:round/>
+              <a:headEnd/>
+              <a:tailEnd/>
+            </a:ln>
+          </p:spPr>
+        </p:cxnSp>
+        <p:cxnSp>
+          <p:nvCxnSpPr>
+            <p:cNvPr id="53" name="AutoShape 11"/>
+            <p:cNvCxnSpPr>
+              <a:cxnSpLocks noChangeShapeType="1"/>
+            </p:cNvCxnSpPr>
+            <p:nvPr/>
+          </p:nvCxnSpPr>
+          <p:spPr bwMode="auto">
+            <a:xfrm flipH="1">
+              <a:off x="2033" y="10675"/>
+              <a:ext cx="142" cy="248"/>
+            </a:xfrm>
+            <a:prstGeom prst="straightConnector1">
+              <a:avLst/>
+            </a:prstGeom>
+            <a:grpFill/>
+            <a:ln w="9525">
+              <a:solidFill>
+                <a:schemeClr val="tx1"/>
+              </a:solidFill>
+              <a:round/>
+              <a:headEnd/>
+              <a:tailEnd/>
+            </a:ln>
+          </p:spPr>
+        </p:cxnSp>
+      </p:grpSp>
+      <p:grpSp>
+        <p:nvGrpSpPr>
+          <p:cNvPr id="4" name="Group 2"/>
+          <p:cNvGrpSpPr>
+            <a:grpSpLocks/>
+          </p:cNvGrpSpPr>
+          <p:nvPr/>
+        </p:nvGrpSpPr>
+        <p:grpSpPr bwMode="auto">
+          <a:xfrm>
+            <a:off x="6156176" y="3429000"/>
+            <a:ext cx="214314" cy="344486"/>
+            <a:chOff x="1747" y="10343"/>
+            <a:chExt cx="526" cy="766"/>
+          </a:xfrm>
+          <a:solidFill>
+            <a:schemeClr val="bg1">
+              <a:lumMod val="65000"/>
+            </a:schemeClr>
+          </a:solidFill>
+        </p:grpSpPr>
+        <p:sp>
+          <p:nvSpPr>
+            <p:cNvPr id="66" name="Oval 3"/>
+            <p:cNvSpPr>
+              <a:spLocks noChangeArrowheads="1"/>
+            </p:cNvSpPr>
+            <p:nvPr/>
+          </p:nvSpPr>
+          <p:spPr bwMode="auto">
+            <a:xfrm>
+              <a:off x="1890" y="10343"/>
+              <a:ext cx="143" cy="143"/>
+            </a:xfrm>
+            <a:prstGeom prst="ellipse">
+              <a:avLst/>
+            </a:prstGeom>
+            <a:grpFill/>
+            <a:ln w="9525">
+              <a:solidFill>
+                <a:schemeClr val="bg1">
+                  <a:lumMod val="65000"/>
+                </a:schemeClr>
+              </a:solidFill>
+              <a:round/>
+              <a:headEnd/>
+              <a:tailEnd/>
+            </a:ln>
+          </p:spPr>
+          <p:txBody>
+            <a:bodyPr vert="horz" wrap="square" lIns="91440" tIns="45720" rIns="91440" bIns="45720" numCol="1" anchor="t" anchorCtr="0" compatLnSpc="1">
+              <a:prstTxWarp prst="textNoShape">
+                <a:avLst/>
+              </a:prstTxWarp>
+            </a:bodyPr>
+            <a:lstStyle/>
+            <a:p>
+              <a:endParaRPr lang="en-GB"/>
+            </a:p>
+          </p:txBody>
+        </p:sp>
+        <p:sp>
+          <p:nvSpPr>
+            <p:cNvPr id="67" name="Oval 4"/>
+            <p:cNvSpPr>
+              <a:spLocks noChangeArrowheads="1"/>
+            </p:cNvSpPr>
+            <p:nvPr/>
+          </p:nvSpPr>
+          <p:spPr bwMode="auto">
+            <a:xfrm>
+              <a:off x="2130" y="10583"/>
+              <a:ext cx="143" cy="143"/>
+            </a:xfrm>
+            <a:prstGeom prst="ellipse">
+              <a:avLst/>
+            </a:prstGeom>
+            <a:grpFill/>
+            <a:ln w="9525">
+              <a:solidFill>
+                <a:schemeClr val="bg1">
+                  <a:lumMod val="65000"/>
+                </a:schemeClr>
+              </a:solidFill>
+              <a:round/>
+              <a:headEnd/>
+              <a:tailEnd/>
+            </a:ln>
+          </p:spPr>
+          <p:txBody>
+            <a:bodyPr vert="horz" wrap="square" lIns="91440" tIns="45720" rIns="91440" bIns="45720" numCol="1" anchor="t" anchorCtr="0" compatLnSpc="1">
+              <a:prstTxWarp prst="textNoShape">
+                <a:avLst/>
+              </a:prstTxWarp>
+            </a:bodyPr>
+            <a:lstStyle/>
+            <a:p>
+              <a:endParaRPr lang="en-GB"/>
+            </a:p>
+          </p:txBody>
+        </p:sp>
+        <p:sp>
+          <p:nvSpPr>
+            <p:cNvPr id="68" name="Oval 5"/>
+            <p:cNvSpPr>
+              <a:spLocks noChangeArrowheads="1"/>
+            </p:cNvSpPr>
+            <p:nvPr/>
+          </p:nvSpPr>
+          <p:spPr bwMode="auto">
+            <a:xfrm>
+              <a:off x="1747" y="10583"/>
+              <a:ext cx="143" cy="143"/>
+            </a:xfrm>
+            <a:prstGeom prst="ellipse">
+              <a:avLst/>
+            </a:prstGeom>
+            <a:grpFill/>
+            <a:ln w="9525">
+              <a:solidFill>
+                <a:schemeClr val="bg1">
+                  <a:lumMod val="65000"/>
+                </a:schemeClr>
+              </a:solidFill>
+              <a:round/>
+              <a:headEnd/>
+              <a:tailEnd/>
+            </a:ln>
+          </p:spPr>
+          <p:txBody>
+            <a:bodyPr vert="horz" wrap="square" lIns="91440" tIns="45720" rIns="91440" bIns="45720" numCol="1" anchor="t" anchorCtr="0" compatLnSpc="1">
+              <a:prstTxWarp prst="textNoShape">
+                <a:avLst/>
+              </a:prstTxWarp>
+            </a:bodyPr>
+            <a:lstStyle/>
+            <a:p>
+              <a:endParaRPr lang="en-GB"/>
+            </a:p>
+          </p:txBody>
+        </p:sp>
+        <p:sp>
+          <p:nvSpPr>
+            <p:cNvPr id="69" name="Oval 6"/>
+            <p:cNvSpPr>
+              <a:spLocks noChangeArrowheads="1"/>
+            </p:cNvSpPr>
+            <p:nvPr/>
+          </p:nvSpPr>
+          <p:spPr bwMode="auto">
+            <a:xfrm>
+              <a:off x="1747" y="10966"/>
+              <a:ext cx="143" cy="143"/>
+            </a:xfrm>
+            <a:prstGeom prst="ellipse">
+              <a:avLst/>
+            </a:prstGeom>
+            <a:grpFill/>
+            <a:ln w="9525">
+              <a:solidFill>
+                <a:schemeClr val="bg1">
+                  <a:lumMod val="65000"/>
+                </a:schemeClr>
+              </a:solidFill>
+              <a:round/>
+              <a:headEnd/>
+              <a:tailEnd/>
+            </a:ln>
+          </p:spPr>
+          <p:txBody>
+            <a:bodyPr vert="horz" wrap="square" lIns="91440" tIns="45720" rIns="91440" bIns="45720" numCol="1" anchor="t" anchorCtr="0" compatLnSpc="1">
+              <a:prstTxWarp prst="textNoShape">
+                <a:avLst/>
+              </a:prstTxWarp>
+            </a:bodyPr>
+            <a:lstStyle/>
+            <a:p>
+              <a:endParaRPr lang="en-GB"/>
+            </a:p>
+          </p:txBody>
+        </p:sp>
+        <p:sp>
+          <p:nvSpPr>
+            <p:cNvPr id="70" name="Oval 7"/>
+            <p:cNvSpPr>
+              <a:spLocks noChangeArrowheads="1"/>
+            </p:cNvSpPr>
+            <p:nvPr/>
+          </p:nvSpPr>
+          <p:spPr bwMode="auto">
+            <a:xfrm>
+              <a:off x="1987" y="10823"/>
+              <a:ext cx="143" cy="143"/>
+            </a:xfrm>
+            <a:prstGeom prst="ellipse">
+              <a:avLst/>
+            </a:prstGeom>
+            <a:grpFill/>
+            <a:ln w="9525">
+              <a:solidFill>
+                <a:schemeClr val="bg1">
+                  <a:lumMod val="65000"/>
+                </a:schemeClr>
+              </a:solidFill>
+              <a:round/>
+              <a:headEnd/>
+              <a:tailEnd/>
+            </a:ln>
+          </p:spPr>
+          <p:txBody>
+            <a:bodyPr vert="horz" wrap="square" lIns="91440" tIns="45720" rIns="91440" bIns="45720" numCol="1" anchor="t" anchorCtr="0" compatLnSpc="1">
+              <a:prstTxWarp prst="textNoShape">
+                <a:avLst/>
+              </a:prstTxWarp>
+            </a:bodyPr>
+            <a:lstStyle/>
+            <a:p>
+              <a:endParaRPr lang="en-GB"/>
+            </a:p>
+          </p:txBody>
+        </p:sp>
+        <p:cxnSp>
+          <p:nvCxnSpPr>
+            <p:cNvPr id="71" name="AutoShape 8"/>
+            <p:cNvCxnSpPr>
+              <a:cxnSpLocks noChangeShapeType="1"/>
+            </p:cNvCxnSpPr>
+            <p:nvPr/>
+          </p:nvCxnSpPr>
+          <p:spPr bwMode="auto">
+            <a:xfrm>
+              <a:off x="1987" y="10435"/>
+              <a:ext cx="234" cy="240"/>
+            </a:xfrm>
+            <a:prstGeom prst="straightConnector1">
+              <a:avLst/>
+            </a:prstGeom>
+            <a:grpFill/>
+            <a:ln w="9525">
+              <a:solidFill>
+                <a:schemeClr val="bg1">
+                  <a:lumMod val="65000"/>
+                </a:schemeClr>
+              </a:solidFill>
+              <a:round/>
+              <a:headEnd/>
+              <a:tailEnd/>
+            </a:ln>
+          </p:spPr>
+        </p:cxnSp>
+        <p:cxnSp>
+          <p:nvCxnSpPr>
+            <p:cNvPr id="72" name="AutoShape 9"/>
+            <p:cNvCxnSpPr>
+              <a:cxnSpLocks noChangeShapeType="1"/>
+            </p:cNvCxnSpPr>
+            <p:nvPr/>
+          </p:nvCxnSpPr>
+          <p:spPr bwMode="auto">
+            <a:xfrm flipH="1">
+              <a:off x="1800" y="10435"/>
+              <a:ext cx="138" cy="240"/>
+            </a:xfrm>
+            <a:prstGeom prst="straightConnector1">
+              <a:avLst/>
+            </a:prstGeom>
+            <a:grpFill/>
+            <a:ln w="9525">
+              <a:solidFill>
+                <a:schemeClr val="bg1">
+                  <a:lumMod val="65000"/>
+                </a:schemeClr>
+              </a:solidFill>
+              <a:round/>
+              <a:headEnd/>
+              <a:tailEnd/>
+            </a:ln>
+          </p:spPr>
+        </p:cxnSp>
+        <p:cxnSp>
+          <p:nvCxnSpPr>
+            <p:cNvPr id="73" name="AutoShape 10"/>
+            <p:cNvCxnSpPr>
+              <a:cxnSpLocks noChangeShapeType="1"/>
+            </p:cNvCxnSpPr>
+            <p:nvPr/>
+          </p:nvCxnSpPr>
+          <p:spPr bwMode="auto">
+            <a:xfrm>
+              <a:off x="1800" y="10675"/>
+              <a:ext cx="0" cy="371"/>
+            </a:xfrm>
+            <a:prstGeom prst="straightConnector1">
+              <a:avLst/>
+            </a:prstGeom>
+            <a:grpFill/>
+            <a:ln w="9525">
+              <a:solidFill>
+                <a:schemeClr val="bg1">
+                  <a:lumMod val="65000"/>
+                </a:schemeClr>
+              </a:solidFill>
+              <a:round/>
+              <a:headEnd/>
+              <a:tailEnd/>
+            </a:ln>
+          </p:spPr>
+        </p:cxnSp>
+        <p:cxnSp>
+          <p:nvCxnSpPr>
+            <p:cNvPr id="74" name="AutoShape 11"/>
+            <p:cNvCxnSpPr>
+              <a:cxnSpLocks noChangeShapeType="1"/>
+            </p:cNvCxnSpPr>
+            <p:nvPr/>
+          </p:nvCxnSpPr>
+          <p:spPr bwMode="auto">
+            <a:xfrm flipH="1">
+              <a:off x="2033" y="10675"/>
+              <a:ext cx="142" cy="248"/>
+            </a:xfrm>
+            <a:prstGeom prst="straightConnector1">
+              <a:avLst/>
+            </a:prstGeom>
+            <a:grpFill/>
+            <a:ln w="9525">
+              <a:solidFill>
+                <a:schemeClr val="bg1">
+                  <a:lumMod val="65000"/>
+                </a:schemeClr>
+              </a:solidFill>
+              <a:round/>
+              <a:headEnd/>
+              <a:tailEnd/>
+            </a:ln>
+          </p:spPr>
+        </p:cxnSp>
+      </p:grpSp>
+      <p:cxnSp>
+        <p:nvCxnSpPr>
+          <p:cNvPr id="75" name="74 Conector recto de flecha"/>
+          <p:cNvCxnSpPr/>
+          <p:nvPr/>
+        </p:nvCxnSpPr>
+        <p:spPr>
+          <a:xfrm rot="5400000" flipH="1" flipV="1">
+            <a:off x="5328084" y="3609020"/>
+            <a:ext cx="792088" cy="720080"/>
+          </a:xfrm>
+          <a:prstGeom prst="straightConnector1">
+            <a:avLst/>
+          </a:prstGeom>
+          <a:ln>
+            <a:solidFill>
+              <a:schemeClr val="tx1">
+                <a:lumMod val="95000"/>
+                <a:lumOff val="5000"/>
+              </a:schemeClr>
+            </a:solidFill>
+            <a:headEnd type="arrow" w="med" len="med"/>
+            <a:tailEnd type="arrow" w="med" len="med"/>
+          </a:ln>
+        </p:spPr>
+        <p:style>
+          <a:lnRef idx="1">
+            <a:schemeClr val="accent1"/>
+          </a:lnRef>
+          <a:fillRef idx="0">
+            <a:schemeClr val="accent1"/>
+          </a:fillRef>
+          <a:effectRef idx="0">
+            <a:schemeClr val="accent1"/>
+          </a:effectRef>
+          <a:fontRef idx="minor">
+            <a:schemeClr val="tx1"/>
+          </a:fontRef>
+        </p:style>
+      </p:cxnSp>
+      <p:cxnSp>
+        <p:nvCxnSpPr>
+          <p:cNvPr id="77" name="76 Conector recto de flecha"/>
+          <p:cNvCxnSpPr/>
+          <p:nvPr/>
+        </p:nvCxnSpPr>
+        <p:spPr>
+          <a:xfrm rot="10800000">
+            <a:off x="5364088" y="4581128"/>
+            <a:ext cx="728464" cy="74858"/>
+          </a:xfrm>
+          <a:prstGeom prst="straightConnector1">
+            <a:avLst/>
+          </a:prstGeom>
+          <a:ln>
+            <a:solidFill>
+              <a:schemeClr val="tx1">
+                <a:lumMod val="95000"/>
+                <a:lumOff val="5000"/>
+              </a:schemeClr>
+            </a:solidFill>
+            <a:headEnd type="arrow" w="med" len="med"/>
+            <a:tailEnd type="arrow" w="med" len="med"/>
+          </a:ln>
+        </p:spPr>
+        <p:style>
+          <a:lnRef idx="1">
+            <a:schemeClr val="accent1"/>
+          </a:lnRef>
+          <a:fillRef idx="0">
+            <a:schemeClr val="accent1"/>
+          </a:fillRef>
+          <a:effectRef idx="0">
+            <a:schemeClr val="accent1"/>
+          </a:effectRef>
+          <a:fontRef idx="minor">
+            <a:schemeClr val="tx1"/>
+          </a:fontRef>
+        </p:style>
+      </p:cxnSp>
+      <p:cxnSp>
+        <p:nvCxnSpPr>
+          <p:cNvPr id="80" name="79 Conector recto de flecha"/>
+          <p:cNvCxnSpPr/>
+          <p:nvPr/>
+        </p:nvCxnSpPr>
+        <p:spPr>
+          <a:xfrm flipV="1">
+            <a:off x="5364088" y="4077072"/>
+            <a:ext cx="728464" cy="429198"/>
+          </a:xfrm>
+          <a:prstGeom prst="straightConnector1">
+            <a:avLst/>
+          </a:prstGeom>
+          <a:ln>
+            <a:solidFill>
+              <a:schemeClr val="tx1">
+                <a:lumMod val="95000"/>
+                <a:lumOff val="5000"/>
+              </a:schemeClr>
+            </a:solidFill>
+            <a:headEnd type="arrow" w="med" len="med"/>
+            <a:tailEnd type="arrow" w="med" len="med"/>
+          </a:ln>
+        </p:spPr>
+        <p:style>
+          <a:lnRef idx="1">
+            <a:schemeClr val="accent1"/>
+          </a:lnRef>
+          <a:fillRef idx="0">
+            <a:schemeClr val="accent1"/>
+          </a:fillRef>
+          <a:effectRef idx="0">
+            <a:schemeClr val="accent1"/>
+          </a:effectRef>
+          <a:fontRef idx="minor">
+            <a:schemeClr val="tx1"/>
+          </a:fontRef>
+        </p:style>
+      </p:cxnSp>
+      <p:sp>
+        <p:nvSpPr>
+          <p:cNvPr id="83" name="82 Rectángulo"/>
+          <p:cNvSpPr/>
+          <p:nvPr/>
+        </p:nvSpPr>
+        <p:spPr>
+          <a:xfrm>
+            <a:off x="2285984" y="2492896"/>
+            <a:ext cx="3294128" cy="2952328"/>
+          </a:xfrm>
+          <a:prstGeom prst="rect">
+            <a:avLst/>
+          </a:prstGeom>
+          <a:noFill/>
+          <a:ln w="19050">
+            <a:solidFill>
+              <a:schemeClr val="tx1">
+                <a:lumMod val="95000"/>
+                <a:lumOff val="5000"/>
+              </a:schemeClr>
+            </a:solidFill>
+            <a:prstDash val="sysDash"/>
+          </a:ln>
+        </p:spPr>
+        <p:style>
+          <a:lnRef idx="2">
+            <a:schemeClr val="accent1">
+              <a:shade val="50000"/>
+            </a:schemeClr>
+          </a:lnRef>
+          <a:fillRef idx="1">
+            <a:schemeClr val="accent1"/>
+          </a:fillRef>
+          <a:effectRef idx="0">
+            <a:schemeClr val="accent1"/>
+          </a:effectRef>
+          <a:fontRef idx="minor">
+            <a:schemeClr val="lt1"/>
+          </a:fontRef>
+        </p:style>
+        <p:txBody>
+          <a:bodyPr rtlCol="0" anchor="ctr"/>
+          <a:lstStyle/>
+          <a:p>
+            <a:pPr algn="ctr"/>
+            <a:endParaRPr lang="en-GB"/>
+          </a:p>
+        </p:txBody>
+      </p:sp>
+      <p:sp>
+        <p:nvSpPr>
+          <p:cNvPr id="84" name="83 CuadroTexto"/>
+          <p:cNvSpPr txBox="1"/>
+          <p:nvPr/>
+        </p:nvSpPr>
+        <p:spPr>
+          <a:xfrm>
+            <a:off x="2267744" y="5229200"/>
+            <a:ext cx="3863922" cy="276999"/>
+          </a:xfrm>
+          <a:prstGeom prst="rect">
+            <a:avLst/>
+          </a:prstGeom>
+          <a:noFill/>
+        </p:spPr>
+        <p:txBody>
+          <a:bodyPr wrap="square" rtlCol="0">
+            <a:spAutoFit/>
+          </a:bodyPr>
+          <a:lstStyle/>
+          <a:p>
+            <a:r>
+              <a:rPr lang="en-US" sz="1200" dirty="0" smtClean="0"/>
+              <a:t>Ontology-based  Streaming Integration Service</a:t>
+            </a:r>
+            <a:endParaRPr lang="en-US" sz="1200" dirty="0"/>
+          </a:p>
+        </p:txBody>
+      </p:sp>
+      <p:sp>
+        <p:nvSpPr>
+          <p:cNvPr id="60" name="Rectangle 3"/>
+          <p:cNvSpPr/>
+          <p:nvPr/>
+        </p:nvSpPr>
+        <p:spPr>
+          <a:xfrm>
+            <a:off x="2843808" y="2564904"/>
+            <a:ext cx="1152128" cy="504056"/>
+          </a:xfrm>
+          <a:prstGeom prst="rect">
+            <a:avLst/>
+          </a:prstGeom>
+        </p:spPr>
+        <p:style>
+          <a:lnRef idx="1">
+            <a:schemeClr val="dk1"/>
+          </a:lnRef>
+          <a:fillRef idx="2">
+            <a:schemeClr val="dk1"/>
+          </a:fillRef>
+          <a:effectRef idx="1">
+            <a:schemeClr val="dk1"/>
+          </a:effectRef>
+          <a:fontRef idx="minor">
+            <a:schemeClr val="dk1"/>
+          </a:fontRef>
+        </p:style>
+        <p:txBody>
+          <a:bodyPr rtlCol="0" anchor="ctr"/>
+          <a:lstStyle/>
+          <a:p>
+            <a:pPr algn="ctr"/>
+            <a:r>
+              <a:rPr lang="fr-CH" sz="1200" dirty="0" smtClean="0">
+                <a:solidFill>
+                  <a:schemeClr val="dk1"/>
+                </a:solidFill>
+              </a:rPr>
+              <a:t>Query reconciliation</a:t>
+            </a:r>
+            <a:endParaRPr lang="en-US" sz="1200" dirty="0">
+              <a:solidFill>
+                <a:schemeClr val="dk1"/>
+              </a:solidFill>
+            </a:endParaRPr>
+          </a:p>
+        </p:txBody>
+      </p:sp>
+      <p:sp>
+        <p:nvSpPr>
+          <p:cNvPr id="79" name="41 CuadroTexto"/>
+          <p:cNvSpPr txBox="1"/>
+          <p:nvPr/>
+        </p:nvSpPr>
+        <p:spPr>
+          <a:xfrm>
+            <a:off x="4427984" y="2636912"/>
+            <a:ext cx="1080120" cy="338554"/>
+          </a:xfrm>
+          <a:prstGeom prst="rect">
+            <a:avLst/>
+          </a:prstGeom>
+          <a:noFill/>
+          <a:ln w="6350">
+            <a:solidFill>
+              <a:schemeClr val="tx1"/>
+            </a:solidFill>
+            <a:prstDash val="sysDash"/>
+          </a:ln>
+        </p:spPr>
+        <p:txBody>
+          <a:bodyPr wrap="square" rtlCol="0">
+            <a:spAutoFit/>
+          </a:bodyPr>
+          <a:lstStyle/>
+          <a:p>
+            <a:pPr algn="ctr"/>
+            <a:r>
+              <a:rPr lang="es-ES" sz="800" dirty="0" smtClean="0"/>
+              <a:t>Ontology-to-Ontology </a:t>
+            </a:r>
+            <a:r>
+              <a:rPr lang="en-US" sz="800" dirty="0" smtClean="0"/>
+              <a:t>mappings</a:t>
+            </a:r>
+            <a:endParaRPr lang="en-US" sz="800" dirty="0"/>
+          </a:p>
+        </p:txBody>
+      </p:sp>
+      <p:cxnSp>
+        <p:nvCxnSpPr>
+          <p:cNvPr id="81" name="48 Conector recto"/>
+          <p:cNvCxnSpPr>
+            <a:stCxn id="79" idx="1"/>
+            <a:endCxn id="60" idx="3"/>
+          </p:cNvCxnSpPr>
+          <p:nvPr/>
+        </p:nvCxnSpPr>
+        <p:spPr>
+          <a:xfrm rot="10800000" flipV="1">
+            <a:off x="3995936" y="2806188"/>
+            <a:ext cx="432048" cy="10743"/>
+          </a:xfrm>
+          <a:prstGeom prst="line">
+            <a:avLst/>
+          </a:prstGeom>
+          <a:ln>
+            <a:solidFill>
+              <a:schemeClr val="tx1">
+                <a:lumMod val="95000"/>
+                <a:lumOff val="5000"/>
+              </a:schemeClr>
+            </a:solidFill>
+          </a:ln>
+        </p:spPr>
+        <p:style>
+          <a:lnRef idx="1">
+            <a:schemeClr val="accent1"/>
+          </a:lnRef>
+          <a:fillRef idx="0">
+            <a:schemeClr val="accent1"/>
+          </a:fillRef>
+          <a:effectRef idx="0">
+            <a:schemeClr val="accent1"/>
+          </a:effectRef>
+          <a:fontRef idx="minor">
+            <a:schemeClr val="tx1"/>
+          </a:fontRef>
+        </p:style>
+      </p:cxnSp>
+      <p:cxnSp>
+        <p:nvCxnSpPr>
+          <p:cNvPr id="85" name="5 Conector recto de flecha"/>
+          <p:cNvCxnSpPr>
+            <a:stCxn id="60" idx="2"/>
+            <a:endCxn id="13" idx="0"/>
+          </p:cNvCxnSpPr>
+          <p:nvPr/>
+        </p:nvCxnSpPr>
+        <p:spPr>
+          <a:xfrm rot="5400000">
+            <a:off x="3275856" y="3212976"/>
+            <a:ext cx="288032" cy="1588"/>
+          </a:xfrm>
+          <a:prstGeom prst="straightConnector1">
+            <a:avLst/>
+          </a:prstGeom>
+          <a:ln>
+            <a:solidFill>
+              <a:schemeClr val="tx1">
+                <a:lumMod val="95000"/>
+                <a:lumOff val="5000"/>
+              </a:schemeClr>
+            </a:solidFill>
+            <a:tailEnd type="arrow"/>
+          </a:ln>
+        </p:spPr>
+        <p:style>
+          <a:lnRef idx="1">
+            <a:schemeClr val="accent1"/>
+          </a:lnRef>
+          <a:fillRef idx="0">
+            <a:schemeClr val="accent1"/>
+          </a:fillRef>
+          <a:effectRef idx="0">
+            <a:schemeClr val="accent1"/>
+          </a:effectRef>
+          <a:fontRef idx="minor">
+            <a:schemeClr val="tx1"/>
+          </a:fontRef>
+        </p:style>
+      </p:cxnSp>
+      <p:sp>
+        <p:nvSpPr>
+          <p:cNvPr id="88" name="56 CuadroTexto"/>
+          <p:cNvSpPr txBox="1"/>
+          <p:nvPr/>
+        </p:nvSpPr>
+        <p:spPr>
+          <a:xfrm>
+            <a:off x="2267744" y="2204864"/>
+            <a:ext cx="1500198" cy="230832"/>
+          </a:xfrm>
+          <a:prstGeom prst="rect">
+            <a:avLst/>
+          </a:prstGeom>
+          <a:noFill/>
+        </p:spPr>
+        <p:txBody>
+          <a:bodyPr wrap="square" rtlCol="0">
+            <a:spAutoFit/>
+          </a:bodyPr>
+          <a:lstStyle/>
+          <a:p>
+            <a:r>
+              <a:rPr lang="es-ES" sz="900" dirty="0" smtClean="0"/>
+              <a:t>SPARQL</a:t>
+            </a:r>
+            <a:r>
+              <a:rPr lang="es-ES" sz="900" baseline="-25000" dirty="0" smtClean="0"/>
+              <a:t>STR </a:t>
+            </a:r>
+            <a:r>
+              <a:rPr lang="es-ES" sz="900" dirty="0" smtClean="0"/>
+              <a:t>(O</a:t>
+            </a:r>
+            <a:r>
+              <a:rPr lang="es-ES" sz="900" baseline="-25000" dirty="0" smtClean="0"/>
+              <a:t>g</a:t>
+            </a:r>
+            <a:r>
+              <a:rPr lang="es-ES" sz="900" dirty="0" smtClean="0"/>
+              <a:t>) </a:t>
+            </a:r>
+            <a:endParaRPr lang="es-ES" sz="900" dirty="0"/>
+          </a:p>
+        </p:txBody>
+      </p:sp>
+      <p:sp>
+        <p:nvSpPr>
+          <p:cNvPr id="65" name="Rectangle 3"/>
+          <p:cNvSpPr/>
+          <p:nvPr/>
+        </p:nvSpPr>
+        <p:spPr>
+          <a:xfrm>
+            <a:off x="3059832" y="4293096"/>
+            <a:ext cx="720080" cy="426348"/>
+          </a:xfrm>
+          <a:prstGeom prst="rect">
+            <a:avLst/>
+          </a:prstGeom>
+        </p:spPr>
+        <p:style>
+          <a:lnRef idx="1">
+            <a:schemeClr val="dk1"/>
+          </a:lnRef>
+          <a:fillRef idx="2">
+            <a:schemeClr val="dk1"/>
+          </a:fillRef>
+          <a:effectRef idx="1">
+            <a:schemeClr val="dk1"/>
+          </a:effectRef>
+          <a:fontRef idx="minor">
+            <a:schemeClr val="dk1"/>
+          </a:fontRef>
+        </p:style>
+        <p:txBody>
+          <a:bodyPr rtlCol="0" anchor="ctr"/>
+          <a:lstStyle/>
+          <a:p>
+            <a:pPr algn="ctr"/>
+            <a:r>
+              <a:rPr lang="fr-CH" sz="900" dirty="0" smtClean="0"/>
+              <a:t>Rewriter</a:t>
+            </a:r>
+            <a:endParaRPr lang="en-US" sz="900" dirty="0">
+              <a:solidFill>
+                <a:schemeClr val="dk1"/>
+              </a:solidFill>
+            </a:endParaRPr>
+          </a:p>
+        </p:txBody>
+      </p:sp>
+      <p:sp>
+        <p:nvSpPr>
+          <p:cNvPr id="76" name="Rectangle 3"/>
+          <p:cNvSpPr/>
+          <p:nvPr/>
+        </p:nvSpPr>
+        <p:spPr>
+          <a:xfrm>
+            <a:off x="3851920" y="4293096"/>
+            <a:ext cx="720080" cy="426348"/>
+          </a:xfrm>
+          <a:prstGeom prst="rect">
+            <a:avLst/>
+          </a:prstGeom>
+        </p:spPr>
+        <p:style>
+          <a:lnRef idx="1">
+            <a:schemeClr val="dk1"/>
+          </a:lnRef>
+          <a:fillRef idx="2">
+            <a:schemeClr val="dk1"/>
+          </a:fillRef>
+          <a:effectRef idx="1">
+            <a:schemeClr val="dk1"/>
+          </a:effectRef>
+          <a:fontRef idx="minor">
+            <a:schemeClr val="dk1"/>
+          </a:fontRef>
+        </p:style>
+        <p:txBody>
+          <a:bodyPr rtlCol="0" anchor="ctr"/>
+          <a:lstStyle/>
+          <a:p>
+            <a:pPr algn="ctr"/>
+            <a:r>
+              <a:rPr lang="fr-CH" sz="900" dirty="0" smtClean="0">
+                <a:solidFill>
+                  <a:schemeClr val="dk1"/>
+                </a:solidFill>
+              </a:rPr>
+              <a:t>Optimiser</a:t>
+            </a:r>
+            <a:endParaRPr lang="en-US" sz="900" dirty="0">
+              <a:solidFill>
+                <a:schemeClr val="dk1"/>
+              </a:solidFill>
+            </a:endParaRPr>
+          </a:p>
+        </p:txBody>
+      </p:sp>
+      <p:sp>
+        <p:nvSpPr>
+          <p:cNvPr id="78" name="Rectangle 3"/>
+          <p:cNvSpPr/>
+          <p:nvPr/>
+        </p:nvSpPr>
+        <p:spPr>
+          <a:xfrm>
+            <a:off x="4644008" y="4293096"/>
+            <a:ext cx="711696" cy="426348"/>
+          </a:xfrm>
+          <a:prstGeom prst="rect">
+            <a:avLst/>
+          </a:prstGeom>
+        </p:spPr>
+        <p:style>
+          <a:lnRef idx="1">
+            <a:schemeClr val="dk1"/>
+          </a:lnRef>
+          <a:fillRef idx="2">
+            <a:schemeClr val="dk1"/>
+          </a:fillRef>
+          <a:effectRef idx="1">
+            <a:schemeClr val="dk1"/>
+          </a:effectRef>
+          <a:fontRef idx="minor">
+            <a:schemeClr val="dk1"/>
+          </a:fontRef>
+        </p:style>
+        <p:txBody>
+          <a:bodyPr rtlCol="0" anchor="ctr"/>
+          <a:lstStyle/>
+          <a:p>
+            <a:pPr algn="ctr"/>
+            <a:r>
+              <a:rPr lang="fr-CH" sz="900" dirty="0" smtClean="0">
+                <a:solidFill>
+                  <a:schemeClr val="dk1"/>
+                </a:solidFill>
+              </a:rPr>
+              <a:t>Query</a:t>
+            </a:r>
+          </a:p>
+          <a:p>
+            <a:pPr algn="ctr"/>
+            <a:r>
+              <a:rPr lang="fr-CH" sz="900" dirty="0" smtClean="0"/>
+              <a:t>Evaluator</a:t>
+            </a:r>
+            <a:endParaRPr lang="en-US" sz="900" dirty="0">
+              <a:solidFill>
+                <a:schemeClr val="dk1"/>
+              </a:solidFill>
+            </a:endParaRPr>
+          </a:p>
+        </p:txBody>
+      </p:sp>
+      <p:cxnSp>
+        <p:nvCxnSpPr>
+          <p:cNvPr id="135" name="76 Conector recto de flecha"/>
+          <p:cNvCxnSpPr/>
+          <p:nvPr/>
+        </p:nvCxnSpPr>
+        <p:spPr>
+          <a:xfrm rot="10800000">
+            <a:off x="5364088" y="4653136"/>
+            <a:ext cx="720080" cy="360040"/>
+          </a:xfrm>
+          <a:prstGeom prst="straightConnector1">
+            <a:avLst/>
+          </a:prstGeom>
+          <a:ln>
+            <a:solidFill>
+              <a:schemeClr val="tx1">
+                <a:lumMod val="95000"/>
+                <a:lumOff val="5000"/>
+              </a:schemeClr>
+            </a:solidFill>
+            <a:headEnd type="arrow" w="med" len="med"/>
+            <a:tailEnd type="arrow" w="med" len="med"/>
+          </a:ln>
+        </p:spPr>
+        <p:style>
+          <a:lnRef idx="1">
+            <a:schemeClr val="accent1"/>
+          </a:lnRef>
+          <a:fillRef idx="0">
+            <a:schemeClr val="accent1"/>
+          </a:fillRef>
+          <a:effectRef idx="0">
+            <a:schemeClr val="accent1"/>
+          </a:effectRef>
+          <a:fontRef idx="minor">
+            <a:schemeClr val="tx1"/>
+          </a:fontRef>
+        </p:style>
+      </p:cxnSp>
+      <p:sp>
+        <p:nvSpPr>
+          <p:cNvPr id="140" name="16 Disco magnético"/>
+          <p:cNvSpPr/>
+          <p:nvPr/>
+        </p:nvSpPr>
+        <p:spPr>
+          <a:xfrm>
+            <a:off x="6228184" y="4941168"/>
+            <a:ext cx="142876" cy="214314"/>
+          </a:xfrm>
+          <a:prstGeom prst="flowChartMagneticDisk">
+            <a:avLst/>
+          </a:prstGeom>
+          <a:solidFill>
+            <a:schemeClr val="bg1">
+              <a:lumMod val="50000"/>
+            </a:schemeClr>
+          </a:solidFill>
+          <a:ln/>
+        </p:spPr>
+        <p:style>
+          <a:lnRef idx="1">
+            <a:schemeClr val="dk1"/>
+          </a:lnRef>
+          <a:fillRef idx="2">
+            <a:schemeClr val="dk1"/>
+          </a:fillRef>
+          <a:effectRef idx="1">
+            <a:schemeClr val="dk1"/>
+          </a:effectRef>
+          <a:fontRef idx="minor">
+            <a:schemeClr val="dk1"/>
+          </a:fontRef>
+        </p:style>
+        <p:txBody>
+          <a:bodyPr rtlCol="0" anchor="ctr"/>
+          <a:lstStyle/>
+          <a:p>
+            <a:pPr algn="ctr"/>
+            <a:endParaRPr lang="es-ES"/>
+          </a:p>
+        </p:txBody>
+      </p:sp>
+      <p:sp>
+        <p:nvSpPr>
+          <p:cNvPr id="141" name="60 CuadroTexto"/>
+          <p:cNvSpPr txBox="1"/>
+          <p:nvPr/>
+        </p:nvSpPr>
+        <p:spPr>
+          <a:xfrm>
+            <a:off x="6372200" y="3356992"/>
+            <a:ext cx="648072" cy="507831"/>
+          </a:xfrm>
+          <a:prstGeom prst="rect">
+            <a:avLst/>
+          </a:prstGeom>
+          <a:noFill/>
+        </p:spPr>
+        <p:txBody>
+          <a:bodyPr wrap="square" rtlCol="0">
+            <a:spAutoFit/>
+          </a:bodyPr>
+          <a:lstStyle/>
+          <a:p>
+            <a:r>
+              <a:rPr lang="es-ES" sz="900" dirty="0" smtClean="0"/>
+              <a:t>Sensor Network</a:t>
+            </a:r>
+          </a:p>
+          <a:p>
+            <a:r>
+              <a:rPr lang="es-ES" sz="900" dirty="0" smtClean="0"/>
+              <a:t>(S</a:t>
+            </a:r>
+            <a:r>
+              <a:rPr lang="es-ES" sz="900" baseline="-25000" dirty="0" smtClean="0"/>
+              <a:t>1</a:t>
+            </a:r>
+            <a:r>
+              <a:rPr lang="es-ES" sz="900" dirty="0" smtClean="0"/>
+              <a:t>)</a:t>
+            </a:r>
+            <a:endParaRPr lang="es-ES" sz="900" dirty="0"/>
+          </a:p>
+        </p:txBody>
+      </p:sp>
+      <p:sp>
+        <p:nvSpPr>
+          <p:cNvPr id="142" name="60 CuadroTexto"/>
+          <p:cNvSpPr txBox="1"/>
+          <p:nvPr/>
+        </p:nvSpPr>
+        <p:spPr>
+          <a:xfrm>
+            <a:off x="6372200" y="3933056"/>
+            <a:ext cx="720080" cy="507831"/>
+          </a:xfrm>
+          <a:prstGeom prst="rect">
+            <a:avLst/>
+          </a:prstGeom>
+          <a:noFill/>
+        </p:spPr>
+        <p:txBody>
+          <a:bodyPr wrap="square" rtlCol="0">
+            <a:spAutoFit/>
+          </a:bodyPr>
+          <a:lstStyle/>
+          <a:p>
+            <a:r>
+              <a:rPr lang="es-ES" sz="900" dirty="0" smtClean="0"/>
+              <a:t>Relational DB</a:t>
+            </a:r>
+          </a:p>
+          <a:p>
+            <a:r>
+              <a:rPr lang="es-ES" sz="900" dirty="0" smtClean="0"/>
+              <a:t>(S</a:t>
+            </a:r>
+            <a:r>
+              <a:rPr lang="es-ES" sz="900" baseline="-25000" dirty="0" smtClean="0"/>
+              <a:t>2</a:t>
+            </a:r>
+            <a:r>
+              <a:rPr lang="es-ES" sz="900" dirty="0" smtClean="0"/>
+              <a:t>)</a:t>
+            </a:r>
+            <a:endParaRPr lang="es-ES" sz="900" dirty="0"/>
+          </a:p>
+        </p:txBody>
+      </p:sp>
+      <p:sp>
+        <p:nvSpPr>
+          <p:cNvPr id="143" name="60 CuadroTexto"/>
+          <p:cNvSpPr txBox="1"/>
+          <p:nvPr/>
+        </p:nvSpPr>
+        <p:spPr>
+          <a:xfrm>
+            <a:off x="6444208" y="4941168"/>
+            <a:ext cx="720080" cy="507831"/>
+          </a:xfrm>
+          <a:prstGeom prst="rect">
+            <a:avLst/>
+          </a:prstGeom>
+          <a:noFill/>
+        </p:spPr>
+        <p:txBody>
+          <a:bodyPr wrap="square" rtlCol="0">
+            <a:spAutoFit/>
+          </a:bodyPr>
+          <a:lstStyle/>
+          <a:p>
+            <a:r>
+              <a:rPr lang="es-ES" sz="900" dirty="0" smtClean="0"/>
+              <a:t>RDF Store</a:t>
+            </a:r>
+          </a:p>
+          <a:p>
+            <a:r>
+              <a:rPr lang="es-ES" sz="900" dirty="0" smtClean="0"/>
+              <a:t>(S</a:t>
+            </a:r>
+            <a:r>
+              <a:rPr lang="es-ES" sz="900" baseline="-25000" dirty="0" smtClean="0"/>
+              <a:t>m</a:t>
+            </a:r>
+            <a:r>
+              <a:rPr lang="es-ES" sz="900" dirty="0" smtClean="0"/>
+              <a:t>)</a:t>
+            </a:r>
+            <a:endParaRPr lang="es-ES" sz="900" dirty="0"/>
+          </a:p>
+        </p:txBody>
+      </p:sp>
+      <p:sp>
+        <p:nvSpPr>
+          <p:cNvPr id="145" name="56 CuadroTexto"/>
+          <p:cNvSpPr txBox="1"/>
+          <p:nvPr/>
+        </p:nvSpPr>
+        <p:spPr>
+          <a:xfrm>
+            <a:off x="2267744" y="3933056"/>
+            <a:ext cx="1872208" cy="230832"/>
+          </a:xfrm>
+          <a:prstGeom prst="rect">
+            <a:avLst/>
+          </a:prstGeom>
+          <a:noFill/>
+        </p:spPr>
+        <p:txBody>
+          <a:bodyPr wrap="square" rtlCol="0">
+            <a:spAutoFit/>
+          </a:bodyPr>
+          <a:lstStyle/>
+          <a:p>
+            <a:r>
+              <a:rPr lang="es-ES" sz="900" dirty="0" smtClean="0"/>
+              <a:t>SPARQL</a:t>
+            </a:r>
+            <a:r>
+              <a:rPr lang="es-ES" sz="900" baseline="-25000" dirty="0" smtClean="0"/>
+              <a:t>STR </a:t>
+            </a:r>
+            <a:r>
+              <a:rPr lang="es-ES" sz="900" dirty="0" smtClean="0"/>
+              <a:t> algebra (S</a:t>
+            </a:r>
+            <a:r>
+              <a:rPr lang="es-ES" sz="900" baseline="-25000" dirty="0" smtClean="0"/>
+              <a:t>1</a:t>
+            </a:r>
+            <a:r>
+              <a:rPr lang="es-ES" sz="900" dirty="0" smtClean="0"/>
+              <a:t> S</a:t>
+            </a:r>
+            <a:r>
+              <a:rPr lang="es-ES" sz="900" baseline="-25000" dirty="0" smtClean="0"/>
+              <a:t>2</a:t>
+            </a:r>
+            <a:r>
+              <a:rPr lang="es-ES" sz="900" dirty="0" smtClean="0"/>
+              <a:t> S</a:t>
+            </a:r>
+            <a:r>
+              <a:rPr lang="es-ES" sz="900" baseline="-25000" dirty="0" smtClean="0"/>
+              <a:t>m</a:t>
+            </a:r>
+            <a:r>
+              <a:rPr lang="es-ES" sz="900" dirty="0" smtClean="0"/>
+              <a:t>) </a:t>
+            </a:r>
+            <a:endParaRPr lang="es-ES" sz="900" dirty="0"/>
+          </a:p>
+        </p:txBody>
+      </p:sp>
+      <p:sp>
+        <p:nvSpPr>
+          <p:cNvPr id="176" name="41 CuadroTexto"/>
+          <p:cNvSpPr txBox="1"/>
+          <p:nvPr/>
+        </p:nvSpPr>
+        <p:spPr>
+          <a:xfrm>
+            <a:off x="4427984" y="3429000"/>
+            <a:ext cx="1080120" cy="338554"/>
+          </a:xfrm>
+          <a:prstGeom prst="rect">
+            <a:avLst/>
+          </a:prstGeom>
+          <a:noFill/>
+          <a:ln w="6350">
+            <a:solidFill>
+              <a:schemeClr val="tx1"/>
+            </a:solidFill>
+            <a:prstDash val="sysDash"/>
+          </a:ln>
+        </p:spPr>
+        <p:txBody>
+          <a:bodyPr wrap="square" rtlCol="0">
+            <a:spAutoFit/>
+          </a:bodyPr>
+          <a:lstStyle/>
+          <a:p>
+            <a:pPr algn="ctr"/>
+            <a:r>
+              <a:rPr lang="fr-CH" sz="800" dirty="0" smtClean="0"/>
+              <a:t>Ontology-to-Source mappings</a:t>
+            </a:r>
+            <a:endParaRPr lang="en-US" sz="800" dirty="0"/>
+          </a:p>
+        </p:txBody>
+      </p:sp>
+      <p:cxnSp>
+        <p:nvCxnSpPr>
+          <p:cNvPr id="177" name="48 Conector recto"/>
+          <p:cNvCxnSpPr/>
+          <p:nvPr/>
+        </p:nvCxnSpPr>
+        <p:spPr>
+          <a:xfrm rot="10800000" flipV="1">
+            <a:off x="3995936" y="3573016"/>
+            <a:ext cx="432048" cy="10743"/>
+          </a:xfrm>
+          <a:prstGeom prst="line">
+            <a:avLst/>
+          </a:prstGeom>
+          <a:ln>
+            <a:solidFill>
+              <a:schemeClr val="tx1">
+                <a:lumMod val="95000"/>
+                <a:lumOff val="5000"/>
+              </a:schemeClr>
+            </a:solidFill>
+          </a:ln>
+        </p:spPr>
+        <p:style>
+          <a:lnRef idx="1">
+            <a:schemeClr val="accent1"/>
+          </a:lnRef>
+          <a:fillRef idx="0">
+            <a:schemeClr val="accent1"/>
+          </a:fillRef>
+          <a:effectRef idx="0">
+            <a:schemeClr val="accent1"/>
+          </a:effectRef>
+          <a:fontRef idx="minor">
+            <a:schemeClr val="tx1"/>
+          </a:fontRef>
+        </p:style>
+      </p:cxnSp>
+      <p:cxnSp>
+        <p:nvCxnSpPr>
+          <p:cNvPr id="178" name="48 Conector recto"/>
+          <p:cNvCxnSpPr>
+            <a:stCxn id="76" idx="1"/>
+            <a:endCxn id="65" idx="3"/>
+          </p:cNvCxnSpPr>
+          <p:nvPr/>
+        </p:nvCxnSpPr>
+        <p:spPr>
+          <a:xfrm rot="10800000">
+            <a:off x="3779912" y="4506270"/>
+            <a:ext cx="72008" cy="0"/>
+          </a:xfrm>
+          <a:prstGeom prst="line">
+            <a:avLst/>
+          </a:prstGeom>
+          <a:ln>
+            <a:solidFill>
+              <a:schemeClr val="tx1">
+                <a:lumMod val="95000"/>
+                <a:lumOff val="5000"/>
+              </a:schemeClr>
+            </a:solidFill>
+          </a:ln>
+        </p:spPr>
+        <p:style>
+          <a:lnRef idx="1">
+            <a:schemeClr val="accent1"/>
+          </a:lnRef>
+          <a:fillRef idx="0">
+            <a:schemeClr val="accent1"/>
+          </a:fillRef>
+          <a:effectRef idx="0">
+            <a:schemeClr val="accent1"/>
+          </a:effectRef>
+          <a:fontRef idx="minor">
+            <a:schemeClr val="tx1"/>
+          </a:fontRef>
+        </p:style>
+      </p:cxnSp>
+      <p:cxnSp>
+        <p:nvCxnSpPr>
+          <p:cNvPr id="181" name="48 Conector recto"/>
+          <p:cNvCxnSpPr>
+            <a:stCxn id="78" idx="1"/>
+            <a:endCxn id="76" idx="3"/>
+          </p:cNvCxnSpPr>
+          <p:nvPr/>
+        </p:nvCxnSpPr>
+        <p:spPr>
+          <a:xfrm rot="10800000">
+            <a:off x="4572000" y="4506270"/>
+            <a:ext cx="72008" cy="0"/>
+          </a:xfrm>
+          <a:prstGeom prst="line">
+            <a:avLst/>
+          </a:prstGeom>
+          <a:ln>
+            <a:solidFill>
+              <a:schemeClr val="tx1">
+                <a:lumMod val="95000"/>
+                <a:lumOff val="5000"/>
+              </a:schemeClr>
+            </a:solidFill>
+          </a:ln>
+        </p:spPr>
+        <p:style>
+          <a:lnRef idx="1">
+            <a:schemeClr val="accent1"/>
+          </a:lnRef>
+          <a:fillRef idx="0">
+            <a:schemeClr val="accent1"/>
+          </a:fillRef>
+          <a:effectRef idx="0">
+            <a:schemeClr val="accent1"/>
+          </a:effectRef>
+          <a:fontRef idx="minor">
+            <a:schemeClr val="tx1"/>
+          </a:fontRef>
+        </p:style>
+      </p:cxnSp>
+    </p:spTree>
+  </p:cSld>
+  <p:clrMapOvr>
+    <a:masterClrMapping/>
+  </p:clrMapOvr>
+  <p:timing>
+    <p:tnLst>
+      <p:par>
+        <p:cTn id="1" dur="indefinite" restart="never" nodeType="tmRoot"/>
+      </p:par>
+    </p:tnLst>
+  </p:timing>
+</p:sld>
+</file>
+
+<file path=ppt/slides/slide11.xml><?xml version="1.0" encoding="utf-8"?>
+<p:sld xmlns:a="http://schemas.openxmlformats.org/drawingml/2006/main" xmlns:r="http://schemas.openxmlformats.org/officeDocument/2006/relationships" xmlns:p="http://schemas.openxmlformats.org/presentationml/2006/main">
+  <p:cSld>
+    <p:spTree>
+      <p:nvGrpSpPr>
+        <p:cNvPr id="1" name=""/>
+        <p:cNvGrpSpPr/>
+        <p:nvPr/>
+      </p:nvGrpSpPr>
+      <p:grpSpPr>
+        <a:xfrm>
+          <a:off x="0" y="0"/>
+          <a:ext cx="0" cy="0"/>
+          <a:chOff x="0" y="0"/>
+          <a:chExt cx="0" cy="0"/>
+        </a:xfrm>
+      </p:grpSpPr>
+      <p:sp>
+        <p:nvSpPr>
+          <p:cNvPr id="2" name="Title 1"/>
+          <p:cNvSpPr>
+            <a:spLocks noGrp="1"/>
+          </p:cNvSpPr>
+          <p:nvPr>
+            <p:ph type="title"/>
+          </p:nvPr>
+        </p:nvSpPr>
+        <p:spPr/>
+        <p:txBody>
+          <a:bodyPr/>
+          <a:lstStyle/>
+          <a:p>
+            <a:r>
+              <a:rPr lang="fr-CH" dirty="0" err="1" smtClean="0"/>
+              <a:t>Semantic</a:t>
+            </a:r>
+            <a:r>
+              <a:rPr lang="fr-CH" dirty="0" smtClean="0"/>
+              <a:t> </a:t>
+            </a:r>
+            <a:r>
+              <a:rPr lang="fr-CH" dirty="0" err="1" smtClean="0"/>
+              <a:t>Integrator</a:t>
+            </a:r>
+            <a:endParaRPr lang="en-US" dirty="0"/>
+          </a:p>
+        </p:txBody>
+      </p:sp>
+      <p:cxnSp>
+        <p:nvCxnSpPr>
+          <p:cNvPr id="6" name="5 Conector recto de flecha"/>
+          <p:cNvCxnSpPr/>
+          <p:nvPr/>
+        </p:nvCxnSpPr>
+        <p:spPr>
+          <a:xfrm>
+            <a:off x="2699792" y="3140968"/>
+            <a:ext cx="1427620" cy="1588"/>
+          </a:xfrm>
+          <a:prstGeom prst="straightConnector1">
+            <a:avLst/>
+          </a:prstGeom>
+          <a:ln>
+            <a:solidFill>
+              <a:schemeClr val="tx1">
+                <a:lumMod val="95000"/>
+                <a:lumOff val="5000"/>
+              </a:schemeClr>
+            </a:solidFill>
+            <a:tailEnd type="arrow"/>
+          </a:ln>
+        </p:spPr>
+        <p:style>
+          <a:lnRef idx="1">
+            <a:schemeClr val="accent1"/>
+          </a:lnRef>
+          <a:fillRef idx="0">
+            <a:schemeClr val="accent1"/>
+          </a:fillRef>
+          <a:effectRef idx="0">
+            <a:schemeClr val="accent1"/>
+          </a:effectRef>
+          <a:fontRef idx="minor">
+            <a:schemeClr val="tx1"/>
+          </a:fontRef>
+        </p:style>
+      </p:cxnSp>
+      <p:sp>
+        <p:nvSpPr>
+          <p:cNvPr id="7" name="6 CuadroTexto"/>
+          <p:cNvSpPr txBox="1"/>
+          <p:nvPr/>
+        </p:nvSpPr>
+        <p:spPr>
+          <a:xfrm>
+            <a:off x="3286116" y="2643182"/>
+            <a:ext cx="306494" cy="369332"/>
+          </a:xfrm>
+          <a:prstGeom prst="rect">
+            <a:avLst/>
+          </a:prstGeom>
+          <a:noFill/>
+        </p:spPr>
+        <p:txBody>
+          <a:bodyPr wrap="none" rtlCol="0">
+            <a:spAutoFit/>
+          </a:bodyPr>
+          <a:lstStyle/>
+          <a:p>
+            <a:r>
+              <a:rPr lang="es-ES" dirty="0" smtClean="0"/>
+              <a:t>q</a:t>
+            </a:r>
+            <a:endParaRPr lang="es-ES" dirty="0"/>
+          </a:p>
+        </p:txBody>
+      </p:sp>
+      <p:sp>
+        <p:nvSpPr>
+          <p:cNvPr id="13" name="Rectangle 3"/>
+          <p:cNvSpPr/>
+          <p:nvPr/>
+        </p:nvSpPr>
+        <p:spPr>
+          <a:xfrm>
+            <a:off x="4139952" y="2564904"/>
+            <a:ext cx="1286454" cy="714380"/>
+          </a:xfrm>
+          <a:prstGeom prst="rect">
+            <a:avLst/>
+          </a:prstGeom>
+        </p:spPr>
+        <p:style>
+          <a:lnRef idx="1">
+            <a:schemeClr val="dk1"/>
+          </a:lnRef>
+          <a:fillRef idx="2">
+            <a:schemeClr val="dk1"/>
+          </a:fillRef>
+          <a:effectRef idx="1">
+            <a:schemeClr val="dk1"/>
+          </a:effectRef>
+          <a:fontRef idx="minor">
+            <a:schemeClr val="dk1"/>
+          </a:fontRef>
+        </p:style>
+        <p:txBody>
+          <a:bodyPr rtlCol="0" anchor="ctr"/>
+          <a:lstStyle/>
+          <a:p>
+            <a:pPr algn="ctr"/>
+            <a:r>
+              <a:rPr lang="fr-CH" sz="1200" dirty="0" smtClean="0">
+                <a:solidFill>
+                  <a:schemeClr val="dk1"/>
+                </a:solidFill>
+              </a:rPr>
+              <a:t>Query </a:t>
+            </a:r>
+            <a:r>
+              <a:rPr lang="fr-CH" sz="1200" dirty="0" smtClean="0">
+                <a:solidFill>
+                  <a:schemeClr val="dk1"/>
+                </a:solidFill>
+              </a:rPr>
+              <a:t>translation</a:t>
+            </a:r>
+            <a:endParaRPr lang="en-US" sz="1200" dirty="0">
+              <a:solidFill>
+                <a:schemeClr val="dk1"/>
+              </a:solidFill>
+            </a:endParaRPr>
+          </a:p>
+        </p:txBody>
+      </p:sp>
+      <p:sp>
+        <p:nvSpPr>
+          <p:cNvPr id="15" name="14 CuadroTexto"/>
+          <p:cNvSpPr txBox="1"/>
+          <p:nvPr/>
+        </p:nvSpPr>
+        <p:spPr>
+          <a:xfrm>
+            <a:off x="5429256" y="2786058"/>
+            <a:ext cx="405880" cy="369332"/>
+          </a:xfrm>
+          <a:prstGeom prst="rect">
+            <a:avLst/>
+          </a:prstGeom>
+          <a:noFill/>
+        </p:spPr>
+        <p:txBody>
+          <a:bodyPr wrap="none" rtlCol="0">
+            <a:spAutoFit/>
+          </a:bodyPr>
+          <a:lstStyle/>
+          <a:p>
+            <a:r>
+              <a:rPr lang="es-ES" dirty="0" smtClean="0"/>
+              <a:t>Q</a:t>
+            </a:r>
+            <a:r>
+              <a:rPr lang="es-ES" baseline="30000" dirty="0" smtClean="0"/>
+              <a:t>c</a:t>
+            </a:r>
+            <a:endParaRPr lang="es-ES" baseline="30000" dirty="0"/>
+          </a:p>
+        </p:txBody>
+      </p:sp>
+      <p:sp>
+        <p:nvSpPr>
+          <p:cNvPr id="17" name="Rectangle 3"/>
+          <p:cNvSpPr/>
+          <p:nvPr/>
+        </p:nvSpPr>
+        <p:spPr>
+          <a:xfrm>
+            <a:off x="6072198" y="3429000"/>
+            <a:ext cx="1071570" cy="714380"/>
+          </a:xfrm>
+          <a:prstGeom prst="rect">
+            <a:avLst/>
+          </a:prstGeom>
+        </p:spPr>
+        <p:style>
+          <a:lnRef idx="1">
+            <a:schemeClr val="dk1"/>
+          </a:lnRef>
+          <a:fillRef idx="2">
+            <a:schemeClr val="dk1"/>
+          </a:fillRef>
+          <a:effectRef idx="1">
+            <a:schemeClr val="dk1"/>
+          </a:effectRef>
+          <a:fontRef idx="minor">
+            <a:schemeClr val="dk1"/>
+          </a:fontRef>
+        </p:style>
+        <p:txBody>
+          <a:bodyPr rtlCol="0" anchor="ctr"/>
+          <a:lstStyle/>
+          <a:p>
+            <a:pPr algn="ctr"/>
             <a:r>
               <a:rPr lang="en-US" sz="1200" dirty="0" smtClean="0">
                 <a:solidFill>
                   <a:schemeClr val="dk1"/>
                 </a:solidFill>
               </a:rPr>
-              <a:t>Data decanonisation</a:t>
+              <a:t>Query</a:t>
+            </a:r>
+            <a:r>
+              <a:rPr lang="fr-CH" sz="1200" dirty="0" smtClean="0">
+                <a:solidFill>
+                  <a:schemeClr val="dk1"/>
+                </a:solidFill>
+              </a:rPr>
+              <a:t> Processing</a:t>
+            </a:r>
+            <a:endParaRPr lang="en-US" sz="1200" dirty="0">
+              <a:solidFill>
+                <a:schemeClr val="dk1"/>
+              </a:solidFill>
+            </a:endParaRPr>
+          </a:p>
+        </p:txBody>
+      </p:sp>
+      <p:sp>
+        <p:nvSpPr>
+          <p:cNvPr id="19" name="Rectangle 3"/>
+          <p:cNvSpPr/>
+          <p:nvPr/>
+        </p:nvSpPr>
+        <p:spPr>
+          <a:xfrm>
+            <a:off x="4139952" y="4149080"/>
+            <a:ext cx="1296144" cy="714380"/>
+          </a:xfrm>
+          <a:prstGeom prst="rect">
+            <a:avLst/>
+          </a:prstGeom>
+        </p:spPr>
+        <p:style>
+          <a:lnRef idx="1">
+            <a:schemeClr val="dk1"/>
+          </a:lnRef>
+          <a:fillRef idx="2">
+            <a:schemeClr val="dk1"/>
+          </a:fillRef>
+          <a:effectRef idx="1">
+            <a:schemeClr val="dk1"/>
+          </a:effectRef>
+          <a:fontRef idx="minor">
+            <a:schemeClr val="dk1"/>
+          </a:fontRef>
+        </p:style>
+        <p:txBody>
+          <a:bodyPr rtlCol="0" anchor="ctr"/>
+          <a:lstStyle/>
+          <a:p>
+            <a:pPr algn="ctr"/>
+            <a:r>
+              <a:rPr lang="en-US" sz="1200" dirty="0" smtClean="0">
+                <a:solidFill>
+                  <a:schemeClr val="dk1"/>
+                </a:solidFill>
+              </a:rPr>
+              <a:t>Data </a:t>
+            </a:r>
+            <a:r>
+              <a:rPr lang="en-US" sz="1200" dirty="0" smtClean="0">
+                <a:solidFill>
+                  <a:schemeClr val="dk1"/>
+                </a:solidFill>
+              </a:rPr>
+              <a:t>translation</a:t>
             </a:r>
             <a:endParaRPr lang="en-US" sz="1200" dirty="0">
               <a:solidFill>
@@ -3995,8 +6180,8 @@
         </p:nvCxnSpPr>
         <p:spPr>
           <a:xfrm>
-            <a:off x="5429256" y="3286124"/>
-            <a:ext cx="642942" cy="500066"/>
+            <a:off x="5426406" y="2922094"/>
+            <a:ext cx="645792" cy="864096"/>
           </a:xfrm>
           <a:prstGeom prst="straightConnector1">
             <a:avLst/>
@@ -4037,8 +6222,8 @@
         </p:nvCxnSpPr>
         <p:spPr>
           <a:xfrm rot="10800000" flipV="1">
-            <a:off x="5429256" y="3786190"/>
-            <a:ext cx="642942" cy="428628"/>
+            <a:off x="5436096" y="3786190"/>
+            <a:ext cx="636102" cy="720080"/>
           </a:xfrm>
           <a:prstGeom prst="straightConnector1">
             <a:avLst/>
@@ -4076,8 +6261,8 @@
         </p:nvCxnSpPr>
         <p:spPr>
           <a:xfrm rot="10800000">
-            <a:off x="2714612" y="4429132"/>
-            <a:ext cx="1500198" cy="1588"/>
+            <a:off x="2699792" y="4437112"/>
+            <a:ext cx="1428190" cy="1588"/>
           </a:xfrm>
           <a:prstGeom prst="straightConnector1">
             <a:avLst/>
@@ -4228,13 +6413,18 @@
         </p:nvSpPr>
         <p:spPr>
           <a:xfrm>
-            <a:off x="4000496" y="2571744"/>
-            <a:ext cx="1643074" cy="261610"/>
+            <a:off x="4283968" y="3501008"/>
+            <a:ext cx="1008112" cy="430887"/>
           </a:xfrm>
           <a:prstGeom prst="rect">
             <a:avLst/>
           </a:prstGeom>
           <a:noFill/>
+          <a:ln w="6350">
+            <a:solidFill>
+              <a:schemeClr val="tx1"/>
+            </a:solidFill>
+          </a:ln>
         </p:spPr>
         <p:txBody>
           <a:bodyPr wrap="square" rtlCol="0">
@@ -4267,15 +6457,15 @@
         <p:nvCxnSpPr>
           <p:cNvPr id="49" name="48 Conector recto"/>
           <p:cNvCxnSpPr>
-            <a:stCxn id="42" idx="2"/>
-            <a:endCxn id="13" idx="0"/>
+            <a:stCxn id="42" idx="0"/>
+            <a:endCxn id="13" idx="2"/>
           </p:cNvCxnSpPr>
           <p:nvPr/>
         </p:nvCxnSpPr>
         <p:spPr>
-          <a:xfrm rot="5400000">
-            <a:off x="4774243" y="2881144"/>
-            <a:ext cx="95580" cy="1588"/>
+          <a:xfrm rot="16200000" flipV="1">
+            <a:off x="4674740" y="3387723"/>
+            <a:ext cx="221724" cy="4845"/>
           </a:xfrm>
           <a:prstGeom prst="line">
             <a:avLst/>
@@ -5344,7 +7534,7 @@
         </p:nvSpPr>
         <p:spPr>
           <a:xfrm>
-            <a:off x="4000496" y="4857760"/>
+            <a:off x="4067944" y="4941168"/>
             <a:ext cx="3643338" cy="276999"/>
           </a:xfrm>
           <a:prstGeom prst="rect">
@@ -5394,7 +7584,7 @@
             </a:r>
             <a:r>
               <a:rPr lang="es-ES" sz="1200" baseline="-25000" dirty="0" smtClean="0"/>
-              <a:t>STR </a:t>
+              <a:t>Stream </a:t>
             </a:r>
             <a:r>
               <a:rPr lang="es-ES" sz="1200" dirty="0" smtClean="0"/>
@@ -5412,6 +7602,47 @@
           </a:p>
         </p:txBody>
       </p:sp>
+      <p:cxnSp>
+        <p:nvCxnSpPr>
+          <p:cNvPr id="85" name="48 Conector recto"/>
+          <p:cNvCxnSpPr>
+            <a:stCxn id="19" idx="0"/>
+            <a:endCxn id="42" idx="2"/>
+          </p:cNvCxnSpPr>
+          <p:nvPr/>
+        </p:nvCxnSpPr>
+        <p:spPr>
+          <a:xfrm rot="5400000" flipH="1" flipV="1">
+            <a:off x="4679432" y="4040488"/>
+            <a:ext cx="217185" cy="0"/>
+          </a:xfrm>
+          <a:prstGeom prst="line">
+            <a:avLst/>
+          </a:prstGeom>
+          <a:ln>
+            <a:solidFill>
+              <a:schemeClr val="tx1">
+                <a:lumMod val="95000"/>
+                <a:lumOff val="5000"/>
+              </a:schemeClr>
+            </a:solidFill>
+          </a:ln>
+        </p:spPr>
+        <p:style>
+          <a:lnRef idx="1">
+            <a:schemeClr val="accent1"/>
+          </a:lnRef>
+          <a:fillRef idx="0">
+            <a:schemeClr val="accent1"/>
+          </a:fillRef>
+          <a:effectRef idx="0">
+            <a:schemeClr val="accent1"/>
+          </a:effectRef>
+          <a:fontRef idx="minor">
+            <a:schemeClr val="tx1"/>
+          </a:fontRef>
+        </p:style>
+      </p:cxnSp>
     </p:spTree>
   </p:cSld>
   <p:clrMapOvr>
@@ -5427,7 +7658,7 @@
 </p:sld>
 </file>
 
-<file path=ppt/slides/slide11.xml><?xml version="1.0" encoding="utf-8"?>
+<file path=ppt/slides/slide12.xml><?xml version="1.0" encoding="utf-8"?>
 <p:sld xmlns:a="http://schemas.openxmlformats.org/drawingml/2006/main" xmlns:r="http://schemas.openxmlformats.org/officeDocument/2006/relationships" xmlns:p="http://schemas.openxmlformats.org/presentationml/2006/main">
   <p:cSld>
     <p:spTree>
@@ -6897,7 +9128,7 @@
 </p:sld>
 </file>
 
-<file path=ppt/slides/slide12.xml><?xml version="1.0" encoding="utf-8"?>
+<file path=ppt/slides/slide13.xml><?xml version="1.0" encoding="utf-8"?>
 <p:sld xmlns:a="http://schemas.openxmlformats.org/drawingml/2006/main" xmlns:r="http://schemas.openxmlformats.org/officeDocument/2006/relationships" xmlns:p="http://schemas.openxmlformats.org/presentationml/2006/main">
   <p:cSld>
     <p:spTree>
@@ -6968,7 +9199,7 @@
           <p:nvPr/>
         </p:nvPicPr>
         <p:blipFill>
-          <a:blip r:embed="rId2"/>
+          <a:blip r:embed="rId2" cstate="print"/>
           <a:stretch>
             <a:fillRect/>
           </a:stretch>
@@ -7038,7 +9269,7 @@
           <p:nvPr/>
         </p:nvPicPr>
         <p:blipFill>
-          <a:blip r:embed="rId3"/>
+          <a:blip r:embed="rId3" cstate="print"/>
           <a:stretch>
             <a:fillRect/>
           </a:stretch>
@@ -7372,249 +9603,6 @@
 </p:sld>
 </file>
 
-<file path=ppt/slides/slide13.xml><?xml version="1.0" encoding="utf-8"?>
-<p:sld xmlns:a="http://schemas.openxmlformats.org/drawingml/2006/main" xmlns:r="http://schemas.openxmlformats.org/officeDocument/2006/relationships" xmlns:p="http://schemas.openxmlformats.org/presentationml/2006/main">
-  <p:cSld>
-    <p:spTree>
-      <p:nvGrpSpPr>
-        <p:cNvPr id="1" name=""/>
-        <p:cNvGrpSpPr/>
-        <p:nvPr/>
-      </p:nvGrpSpPr>
-      <p:grpSpPr>
-        <a:xfrm>
-          <a:off x="0" y="0"/>
-          <a:ext cx="0" cy="0"/>
-          <a:chOff x="0" y="0"/>
-          <a:chExt cx="0" cy="0"/>
-        </a:xfrm>
-      </p:grpSpPr>
-      <p:sp>
-        <p:nvSpPr>
-          <p:cNvPr id="2" name="Title 1"/>
-          <p:cNvSpPr>
-            <a:spLocks noGrp="1"/>
-          </p:cNvSpPr>
-          <p:nvPr>
-            <p:ph type="title"/>
-          </p:nvPr>
-        </p:nvSpPr>
-        <p:spPr/>
-        <p:txBody>
-          <a:bodyPr/>
-          <a:lstStyle/>
-          <a:p>
-            <a:r>
-              <a:rPr lang="fr-CH" dirty="0" err="1" smtClean="0"/>
-              <a:t>Integration</a:t>
-            </a:r>
-            <a:r>
-              <a:rPr lang="fr-CH" dirty="0" smtClean="0"/>
-              <a:t> Interface</a:t>
-            </a:r>
-            <a:endParaRPr lang="en-US" dirty="0"/>
-          </a:p>
-        </p:txBody>
-      </p:sp>
-      <p:sp>
-        <p:nvSpPr>
-          <p:cNvPr id="3" name="Content Placeholder 2"/>
-          <p:cNvSpPr>
-            <a:spLocks noGrp="1"/>
-          </p:cNvSpPr>
-          <p:nvPr>
-            <p:ph idx="1"/>
-          </p:nvPr>
-        </p:nvSpPr>
-        <p:spPr/>
-        <p:txBody>
-          <a:bodyPr/>
-          <a:lstStyle/>
-          <a:p>
-            <a:pPr>
-              <a:buClr>
-                <a:schemeClr val="accent6"/>
-              </a:buClr>
-              <a:buFont typeface="Arial" pitchFamily="34" charset="0"/>
-              <a:buChar char="•"/>
-            </a:pPr>
-            <a:r>
-              <a:rPr lang="fr-CH" dirty="0" err="1" smtClean="0"/>
-              <a:t>IntegrateAs</a:t>
-            </a:r>
-            <a:r>
-              <a:rPr lang="fr-CH" dirty="0" smtClean="0"/>
-              <a:t> </a:t>
-            </a:r>
-            <a:r>
-              <a:rPr lang="fr-CH" dirty="0" err="1" smtClean="0"/>
-              <a:t>operation</a:t>
-            </a:r>
-            <a:endParaRPr lang="fr-CH" dirty="0" smtClean="0"/>
-          </a:p>
-          <a:p>
-            <a:pPr lvl="1">
-              <a:buClr>
-                <a:schemeClr val="accent6"/>
-              </a:buClr>
-            </a:pPr>
-            <a:r>
-              <a:rPr lang="fr-CH" dirty="0" err="1" smtClean="0"/>
-              <a:t>Reference</a:t>
-            </a:r>
-            <a:r>
-              <a:rPr lang="fr-CH" dirty="0" smtClean="0"/>
-              <a:t> to sources</a:t>
-            </a:r>
-          </a:p>
-          <a:p>
-            <a:pPr lvl="1">
-              <a:buClr>
-                <a:schemeClr val="accent6"/>
-              </a:buClr>
-            </a:pPr>
-            <a:r>
-              <a:rPr lang="fr-CH" dirty="0" err="1" smtClean="0"/>
-              <a:t>Mapping</a:t>
-            </a:r>
-            <a:r>
-              <a:rPr lang="fr-CH" dirty="0" smtClean="0"/>
-              <a:t> Global-to-Local ontologies</a:t>
-            </a:r>
-          </a:p>
-          <a:p>
-            <a:pPr lvl="1">
-              <a:buClr>
-                <a:schemeClr val="accent6"/>
-              </a:buClr>
-            </a:pPr>
-            <a:r>
-              <a:rPr lang="fr-CH" dirty="0" smtClean="0"/>
-              <a:t>Sources have an </a:t>
-            </a:r>
-            <a:r>
-              <a:rPr lang="fr-CH" dirty="0" err="1" smtClean="0"/>
-              <a:t>ontological</a:t>
-            </a:r>
-            <a:r>
-              <a:rPr lang="fr-CH" dirty="0" smtClean="0"/>
-              <a:t> </a:t>
-            </a:r>
-            <a:r>
-              <a:rPr lang="fr-CH" dirty="0" err="1" smtClean="0"/>
-              <a:t>view</a:t>
-            </a:r>
-            <a:r>
-              <a:rPr lang="fr-CH" dirty="0" smtClean="0"/>
-              <a:t> </a:t>
-            </a:r>
-            <a:r>
-              <a:rPr lang="fr-CH" dirty="0" err="1" smtClean="0"/>
-              <a:t>registered</a:t>
-            </a:r>
-            <a:endParaRPr lang="fr-CH" dirty="0" smtClean="0"/>
-          </a:p>
-          <a:p>
-            <a:pPr lvl="1">
-              <a:buClr>
-                <a:schemeClr val="accent6"/>
-              </a:buClr>
-            </a:pPr>
-            <a:r>
-              <a:rPr lang="fr-CH" dirty="0" err="1" smtClean="0"/>
-              <a:t>Mappings</a:t>
-            </a:r>
-            <a:r>
-              <a:rPr lang="fr-CH" dirty="0" smtClean="0"/>
-              <a:t> </a:t>
-            </a:r>
-            <a:r>
-              <a:rPr lang="fr-CH" dirty="0" err="1" smtClean="0"/>
-              <a:t>from</a:t>
-            </a:r>
-            <a:r>
-              <a:rPr lang="fr-CH" dirty="0" smtClean="0"/>
-              <a:t> </a:t>
-            </a:r>
-            <a:r>
-              <a:rPr lang="fr-CH" dirty="0" err="1" smtClean="0"/>
-              <a:t>ontological</a:t>
-            </a:r>
-            <a:r>
-              <a:rPr lang="fr-CH" dirty="0" smtClean="0"/>
-              <a:t> </a:t>
-            </a:r>
-            <a:r>
-              <a:rPr lang="fr-CH" dirty="0" err="1" smtClean="0"/>
-              <a:t>views</a:t>
-            </a:r>
-            <a:r>
-              <a:rPr lang="fr-CH" dirty="0" smtClean="0"/>
-              <a:t> to </a:t>
-            </a:r>
-            <a:r>
-              <a:rPr lang="fr-CH" dirty="0" err="1" smtClean="0"/>
-              <a:t>inter-lingua</a:t>
-            </a:r>
-            <a:endParaRPr lang="fr-CH" dirty="0" smtClean="0"/>
-          </a:p>
-          <a:p>
-            <a:pPr lvl="1">
-              <a:buClr>
-                <a:schemeClr val="accent6"/>
-              </a:buClr>
-            </a:pPr>
-            <a:r>
-              <a:rPr lang="fr-CH" dirty="0" err="1" smtClean="0"/>
-              <a:t>Returns</a:t>
-            </a:r>
-            <a:r>
-              <a:rPr lang="fr-CH" dirty="0" smtClean="0"/>
-              <a:t> </a:t>
-            </a:r>
-            <a:r>
-              <a:rPr lang="fr-CH" dirty="0" err="1" smtClean="0"/>
-              <a:t>reference</a:t>
-            </a:r>
-            <a:r>
-              <a:rPr lang="fr-CH" dirty="0" smtClean="0"/>
-              <a:t> to </a:t>
-            </a:r>
-            <a:r>
-              <a:rPr lang="fr-CH" dirty="0" err="1" smtClean="0"/>
-              <a:t>integrated</a:t>
-            </a:r>
-            <a:r>
-              <a:rPr lang="fr-CH" dirty="0" smtClean="0"/>
-              <a:t> data </a:t>
-            </a:r>
-            <a:r>
-              <a:rPr lang="fr-CH" dirty="0" err="1" smtClean="0"/>
-              <a:t>resource</a:t>
-            </a:r>
-            <a:endParaRPr lang="fr-CH" dirty="0" smtClean="0"/>
-          </a:p>
-          <a:p>
-            <a:pPr lvl="1"/>
-            <a:endParaRPr lang="en-US" dirty="0"/>
-          </a:p>
-        </p:txBody>
-      </p:sp>
-    </p:spTree>
-  </p:cSld>
-  <p:clrMapOvr>
-    <a:masterClrMapping/>
-  </p:clrMapOvr>
-  <p:timing>
-    <p:tnLst>
-      <p:par>
-        <p:cTn id="1" dur="indefinite" restart="never" nodeType="tmRoot"/>
-      </p:par>
-    </p:tnLst>
-  </p:timing>
-</p:sld>
-</file>
-
 <file path=ppt/slides/slide14.xml><?xml version="1.0" encoding="utf-8"?>
 <p:sld xmlns:a="http://schemas.openxmlformats.org/drawingml/2006/main" xmlns:r="http://schemas.openxmlformats.org/officeDocument/2006/relationships" xmlns:p="http://schemas.openxmlformats.org/presentationml/2006/main">
   <p:cSld>
@@ -7648,8 +9636,12 @@
           <a:lstStyle/>
           <a:p>
             <a:r>
+              <a:rPr lang="fr-CH" dirty="0" err="1" smtClean="0"/>
+              <a:t>Integration</a:t>
+            </a:r>
+            <a:r>
               <a:rPr lang="fr-CH" dirty="0" smtClean="0"/>
-              <a:t>Query Interface</a:t>
+              <a:t> Interface</a:t>
             </a:r>
             <a:endParaRPr lang="en-US" dirty="0"/>
           </a:p>
@@ -7679,7 +9671,15 @@
             </a:pPr>
             <a:r>
               <a:rPr lang="fr-CH" dirty="0" err="1" smtClean="0"/>
-              <a:t>ExecuteQuery</a:t>
+              <a:t>IntegrateAs</a:t>
+            </a:r>
+            <a:r>
+              <a:rPr lang="fr-CH" dirty="0" smtClean="0"/>
+              <a:t> </a:t>
+            </a:r>
+            <a:r>
+              <a:rPr lang="fr-CH" dirty="0" err="1" smtClean="0"/>
+              <a:t>operation</a:t>
             </a:r>
             <a:endParaRPr lang="fr-CH" dirty="0" smtClean="0"/>
           </a:p>
@@ -7690,36 +9690,13 @@
               </a:buClr>
             </a:pPr>
             <a:r>
+              <a:rPr lang="fr-CH" dirty="0" err="1" smtClean="0"/>
+              <a:t>Reference</a:t>
+            </a:r>
+            <a:r>
               <a:rPr lang="fr-CH" dirty="0" smtClean="0"/>
-              <a:t>One </a:t>
-            </a:r>
-            <a:r>
-              <a:rPr lang="fr-CH" dirty="0" err="1" smtClean="0"/>
-              <a:t>shot</a:t>
-            </a:r>
-            <a:r>
-              <a:rPr lang="fr-CH" dirty="0" smtClean="0"/>
-              <a:t> </a:t>
-            </a:r>
-            <a:r>
-              <a:rPr lang="fr-CH" dirty="0" err="1" smtClean="0"/>
-              <a:t>queries</a:t>
-            </a:r>
-            <a:endParaRPr lang="fr-CH" dirty="0" smtClean="0"/>
-          </a:p>
-          <a:p>
-            <a:pPr>
-              <a:buClr>
-                <a:schemeClr val="accent6"/>
-              </a:buClr>
-              <a:buFont typeface="Arial" pitchFamily="34" charset="0"/>
-              <a:buChar char="•"/>
-            </a:pPr>
-            <a:r>
-              <a:rPr lang="fr-CH" dirty="0" err="1" smtClean="0"/>
-              <a:t>ExecuteQueryFactory</a:t>
-            </a:r>
-            <a:endParaRPr lang="fr-CH" dirty="0" smtClean="0"/>
+              <a:t> to sources</a:t>
+            </a:r>
           </a:p>
           <a:p>
             <a:pPr lvl="1">
@@ -7729,25 +9706,12 @@
             </a:pPr>
             <a:r>
               <a:rPr lang="fr-CH" dirty="0" err="1" smtClean="0"/>
-              <a:t>Used</a:t>
+              <a:t>Mapping</a:t>
             </a:r>
             <a:r>
               <a:rPr lang="fr-CH" dirty="0" smtClean="0"/>
-              <a:t> for </a:t>
-            </a:r>
-            <a:r>
-              <a:rPr lang="fr-CH" dirty="0" err="1" smtClean="0"/>
-              <a:t>most</a:t>
-            </a:r>
-            <a:r>
-              <a:rPr lang="fr-CH" dirty="0" smtClean="0"/>
-              <a:t> streaming </a:t>
-            </a:r>
-            <a:r>
-              <a:rPr lang="fr-CH" dirty="0" err="1" smtClean="0"/>
-              <a:t>queries</a:t>
-            </a:r>
-            <a:endParaRPr lang="fr-CH" dirty="0" smtClean="0"/>
+              <a:t> Global-to-Local ontologies</a:t>
+            </a:r>
           </a:p>
           <a:p>
             <a:pPr lvl="1">
@@ -7757,8 +9721,29 @@
             </a:pPr>
             <a:r>
               <a:rPr lang="fr-CH" dirty="0" smtClean="0"/>
-              <a:t>Pull/push in config document</a:t>
-            </a:r>
+              <a:t>Sources have an </a:t>
+            </a:r>
+            <a:r>
+              <a:rPr lang="fr-CH" dirty="0" err="1" smtClean="0"/>
+              <a:t>ontological</a:t>
+            </a:r>
+            <a:r>
+              <a:rPr lang="fr-CH" dirty="0" smtClean="0"/>
+              <a:t> </a:t>
+            </a:r>
+            <a:r>
+              <a:rPr lang="fr-CH" dirty="0" err="1" smtClean="0"/>
+              <a:t>view</a:t>
+            </a:r>
+            <a:r>
+              <a:rPr lang="fr-CH" dirty="0" smtClean="0"/>
+              <a:t> </a:t>
+            </a:r>
+            <a:r>
+              <a:rPr lang="fr-CH" dirty="0" err="1" smtClean="0"/>
+              <a:t>registered</a:t>
+            </a:r>
+            <a:endParaRPr lang="fr-CH" dirty="0" smtClean="0"/>
           </a:p>
           <a:p>
             <a:pPr lvl="1">
@@ -7768,19 +9753,35 @@
             </a:pPr>
             <a:r>
               <a:rPr lang="fr-CH" dirty="0" smtClean="0"/>
-              <a:t>Push </a:t>
+              <a:t>Mappings </a:t>
             </a:r>
             <a:r>
               <a:rPr lang="fr-CH" dirty="0" err="1" smtClean="0"/>
-              <a:t>delivery</a:t>
+              <a:t>from</a:t>
             </a:r>
             <a:r>
               <a:rPr lang="fr-CH" dirty="0" smtClean="0"/>
-              <a:t> -&gt; use </a:t>
+              <a:t> </a:t>
             </a:r>
             <a:r>
               <a:rPr lang="fr-CH" dirty="0" err="1" smtClean="0"/>
-              <a:t>Subscription</a:t>
+              <a:t>ontological</a:t>
+            </a:r>
+            <a:r>
+              <a:rPr lang="fr-CH" dirty="0" smtClean="0"/>
+              <a:t> </a:t>
+            </a:r>
+            <a:r>
+              <a:rPr lang="fr-CH" dirty="0" err="1" smtClean="0"/>
+              <a:t>views</a:t>
+            </a:r>
+            <a:r>
+              <a:rPr lang="fr-CH" dirty="0" smtClean="0"/>
+              <a:t> to </a:t>
+            </a:r>
+            <a:r>
+              <a:rPr lang="fr-CH" dirty="0" err="1" smtClean="0"/>
+              <a:t>inter-lingua</a:t>
             </a:r>
             <a:endParaRPr lang="fr-CH" dirty="0" smtClean="0"/>
           </a:p>
@@ -7791,29 +9792,8 @@
               </a:buClr>
             </a:pPr>
             <a:r>
-              <a:rPr lang="fr-CH" dirty="0" smtClean="0"/>
-              <a:t>Pull </a:t>
-            </a:r>
-            <a:r>
               <a:rPr lang="fr-CH" dirty="0" err="1" smtClean="0"/>
-              <a:t>delivery</a:t>
-            </a:r>
-            <a:r>
-              <a:rPr lang="fr-CH" dirty="0" smtClean="0"/>
-              <a:t> -&gt; use Data Access</a:t>
-            </a:r>
-          </a:p>
-          <a:p>
-            <a:pPr>
-              <a:buClr>
-                <a:schemeClr val="accent6"/>
-              </a:buClr>
-              <a:buFont typeface="Arial" pitchFamily="34" charset="0"/>
-              <a:buChar char="•"/>
-            </a:pPr>
-            <a:r>
-              <a:rPr lang="fr-CH" dirty="0" err="1" smtClean="0"/>
-              <a:t>Typically</a:t>
+              <a:t>Returns</a:t>
             </a:r>
             <a:r>
               <a:rPr lang="fr-CH" dirty="0" smtClean="0"/>
@@ -7821,9 +9801,29 @@
             </a:r>
             <a:r>
               <a:rPr lang="fr-CH" dirty="0" err="1" smtClean="0"/>
-              <a:t>StreamExecuteFactory</a:t>
+              <a:t>reference</a:t>
+            </a:r>
+            <a:r>
+              <a:rPr lang="fr-CH" dirty="0" smtClean="0"/>
+              <a:t> to </a:t>
+            </a:r>
+            <a:r>
+              <a:rPr lang="fr-CH" dirty="0" err="1" smtClean="0"/>
+              <a:t>integrated</a:t>
+            </a:r>
+            <a:r>
+              <a:rPr lang="fr-CH" dirty="0" smtClean="0"/>
+              <a:t> data </a:t>
+            </a:r>
+            <a:r>
+              <a:rPr lang="fr-CH" dirty="0" err="1" smtClean="0"/>
+              <a:t>resource</a:t>
             </a:r>
             <a:endParaRPr lang="fr-CH" dirty="0" smtClean="0"/>
+          </a:p>
+          <a:p>
+            <a:pPr lvl="1"/>
+            <a:endParaRPr lang="en-US" dirty="0"/>
           </a:p>
         </p:txBody>
       </p:sp>
@@ -7876,15 +9876,7 @@
           <a:p>
             <a:r>
               <a:rPr lang="fr-CH" dirty="0" smtClean="0"/>
-              <a:t>Cross-</a:t>
-            </a:r>
-            <a:r>
-              <a:rPr lang="fr-CH" dirty="0" err="1" smtClean="0"/>
-              <a:t>cutting</a:t>
-            </a:r>
-            <a:r>
-              <a:rPr lang="fr-CH" dirty="0" smtClean="0"/>
-              <a:t> issues</a:t>
+              <a:t>Query Interface</a:t>
             </a:r>
             <a:endParaRPr lang="en-US" dirty="0"/>
           </a:p>
@@ -7914,7 +9906,23 @@
             </a:pPr>
             <a:r>
               <a:rPr lang="fr-CH" dirty="0" err="1" smtClean="0"/>
-              <a:t>Identify</a:t>
+              <a:t>ExecuteQuery</a:t>
+            </a:r>
+            <a:endParaRPr lang="fr-CH" dirty="0" smtClean="0"/>
+          </a:p>
+          <a:p>
+            <a:pPr lvl="1">
+              <a:buClr>
+                <a:schemeClr val="accent6"/>
+              </a:buClr>
+            </a:pPr>
+            <a:r>
+              <a:rPr lang="fr-CH" dirty="0" smtClean="0"/>
+              <a:t>One </a:t>
+            </a:r>
+            <a:r>
+              <a:rPr lang="fr-CH" dirty="0" err="1" smtClean="0"/>
+              <a:t>shot</a:t>
             </a:r>
             <a:r>
               <a:rPr lang="fr-CH" dirty="0" smtClean="0"/>
@@ -7924,26 +9932,7 @@
               <a:rPr lang="fr-CH" dirty="0" err="1" smtClean="0"/>
               <a:t>queries</a:t>
             </a:r>
-            <a:r>
-              <a:rPr lang="fr-CH" dirty="0" smtClean="0"/>
-              <a:t> </a:t>
-            </a:r>
-            <a:r>
-              <a:rPr lang="fr-CH" dirty="0" err="1" smtClean="0"/>
-              <a:t>from</a:t>
-            </a:r>
-            <a:r>
-              <a:rPr lang="fr-CH" dirty="0" smtClean="0"/>
-              <a:t> </a:t>
-            </a:r>
-            <a:r>
-              <a:rPr lang="fr-CH" dirty="0" err="1" smtClean="0"/>
-              <a:t>both</a:t>
-            </a:r>
-            <a:r>
-              <a:rPr lang="fr-CH" dirty="0" smtClean="0"/>
-              <a:t> use-cases</a:t>
-            </a:r>
+            <a:endParaRPr lang="fr-CH" dirty="0" smtClean="0"/>
           </a:p>
           <a:p>
             <a:pPr>
@@ -7955,17 +9944,91 @@
             </a:pPr>
             <a:r>
               <a:rPr lang="fr-CH" dirty="0" err="1" smtClean="0"/>
-              <a:t>Characterization</a:t>
+              <a:t>ExecuteQueryFactory</a:t>
+            </a:r>
+            <a:endParaRPr lang="fr-CH" dirty="0" smtClean="0"/>
+          </a:p>
+          <a:p>
+            <a:pPr lvl="1">
+              <a:buClr>
+                <a:schemeClr val="accent6"/>
+              </a:buClr>
+            </a:pPr>
+            <a:r>
+              <a:rPr lang="fr-CH" dirty="0" err="1" smtClean="0"/>
+              <a:t>Used</a:t>
             </a:r>
             <a:r>
               <a:rPr lang="fr-CH" dirty="0" smtClean="0"/>
-              <a:t> of </a:t>
+              <a:t> for </a:t>
+            </a:r>
+            <a:r>
+              <a:rPr lang="fr-CH" dirty="0" err="1" smtClean="0"/>
+              <a:t>most</a:t>
+            </a:r>
+            <a:r>
+              <a:rPr lang="fr-CH" dirty="0" smtClean="0"/>
+              <a:t> streaming </a:t>
             </a:r>
             <a:r>
               <a:rPr lang="fr-CH" dirty="0" err="1" smtClean="0"/>
               <a:t>queries</a:t>
             </a:r>
             <a:endParaRPr lang="fr-CH" dirty="0" smtClean="0"/>
+          </a:p>
+          <a:p>
+            <a:pPr lvl="1">
+              <a:buClr>
+                <a:schemeClr val="accent6"/>
+              </a:buClr>
+            </a:pPr>
+            <a:r>
+              <a:rPr lang="fr-CH" dirty="0" smtClean="0"/>
+              <a:t>Pull/push in config document</a:t>
+            </a:r>
+          </a:p>
+          <a:p>
+            <a:pPr lvl="1">
+              <a:buClr>
+                <a:schemeClr val="accent6"/>
+              </a:buClr>
+            </a:pPr>
+            <a:r>
+              <a:rPr lang="fr-CH" dirty="0" smtClean="0"/>
+              <a:t>Push </a:t>
+            </a:r>
+            <a:r>
+              <a:rPr lang="fr-CH" dirty="0" err="1" smtClean="0"/>
+              <a:t>delivery</a:t>
+            </a:r>
+            <a:r>
+              <a:rPr lang="fr-CH" dirty="0" smtClean="0"/>
+              <a:t> -&gt; use </a:t>
+            </a:r>
+            <a:r>
+              <a:rPr lang="fr-CH" dirty="0" err="1" smtClean="0"/>
+              <a:t>Subscription</a:t>
+            </a:r>
+            <a:endParaRPr lang="fr-CH" dirty="0" smtClean="0"/>
+          </a:p>
+          <a:p>
+            <a:pPr lvl="1">
+              <a:buClr>
+                <a:schemeClr val="accent6"/>
+              </a:buClr>
+            </a:pPr>
+            <a:r>
+              <a:rPr lang="fr-CH" dirty="0" smtClean="0"/>
+              <a:t>Pull </a:t>
+            </a:r>
+            <a:r>
+              <a:rPr lang="fr-CH" dirty="0" err="1" smtClean="0"/>
+              <a:t>delivery</a:t>
+            </a:r>
+            <a:r>
+              <a:rPr lang="fr-CH" dirty="0" smtClean="0"/>
+              <a:t> -&gt; use Data Access</a:t>
+            </a:r>
           </a:p>
           <a:p>
             <a:pPr>
@@ -7977,7 +10040,7 @@
             </a:pPr>
             <a:r>
               <a:rPr lang="fr-CH" dirty="0" err="1" smtClean="0"/>
-              <a:t>Represent</a:t>
+              <a:t>Typically</a:t>
             </a:r>
             <a:r>
               <a:rPr lang="fr-CH" dirty="0" smtClean="0"/>
@@ -7985,93 +10048,9 @@
             </a:r>
             <a:r>
               <a:rPr lang="fr-CH" dirty="0" err="1" smtClean="0"/>
-              <a:t>queries</a:t>
-            </a:r>
-            <a:r>
-              <a:rPr lang="fr-CH" dirty="0" smtClean="0"/>
-              <a:t> in global </a:t>
-            </a:r>
-            <a:r>
-              <a:rPr lang="fr-CH" dirty="0" err="1" smtClean="0"/>
-              <a:t>query</a:t>
-            </a:r>
-            <a:r>
-              <a:rPr lang="fr-CH" dirty="0" smtClean="0"/>
-              <a:t> </a:t>
-            </a:r>
-            <a:r>
-              <a:rPr lang="fr-CH" dirty="0" err="1" smtClean="0"/>
-              <a:t>language</a:t>
+              <a:t>StreamExecuteFactory</a:t>
             </a:r>
             <a:endParaRPr lang="fr-CH" dirty="0" smtClean="0"/>
-          </a:p>
-          <a:p>
-            <a:pPr>
-              <a:buClr>
-                <a:schemeClr val="accent6"/>
-              </a:buClr>
-              <a:buFont typeface="Arial" pitchFamily="34" charset="0"/>
-              <a:buChar char="•"/>
-            </a:pPr>
-            <a:r>
-              <a:rPr lang="fr-CH" dirty="0" err="1" smtClean="0"/>
-              <a:t>Study</a:t>
-            </a:r>
-            <a:r>
-              <a:rPr lang="fr-CH" dirty="0" smtClean="0"/>
-              <a:t> the </a:t>
-            </a:r>
-            <a:r>
-              <a:rPr lang="fr-CH" dirty="0" err="1" smtClean="0"/>
-              <a:t>query</a:t>
-            </a:r>
-            <a:r>
-              <a:rPr lang="fr-CH" dirty="0" smtClean="0"/>
-              <a:t> </a:t>
-            </a:r>
-            <a:r>
-              <a:rPr lang="fr-CH" dirty="0" err="1" smtClean="0"/>
-              <a:t>semantics</a:t>
-            </a:r>
-            <a:r>
-              <a:rPr lang="fr-CH" dirty="0" smtClean="0"/>
-              <a:t> of QL for RDF </a:t>
-            </a:r>
-            <a:r>
-              <a:rPr lang="fr-CH" dirty="0" err="1" smtClean="0"/>
-              <a:t>Streams</a:t>
-            </a:r>
-            <a:r>
-              <a:rPr lang="fr-CH" dirty="0" smtClean="0"/>
-              <a:t> </a:t>
-            </a:r>
-            <a:r>
-              <a:rPr lang="fr-CH" dirty="0" err="1" smtClean="0"/>
-              <a:t>compared</a:t>
-            </a:r>
-            <a:r>
-              <a:rPr lang="fr-CH" dirty="0" smtClean="0"/>
-              <a:t> to </a:t>
-            </a:r>
-            <a:r>
-              <a:rPr lang="fr-CH" dirty="0" err="1" smtClean="0"/>
-              <a:t>SNEEql</a:t>
-            </a:r>
-            <a:r>
-              <a:rPr lang="fr-CH" dirty="0" smtClean="0"/>
-              <a:t> </a:t>
-            </a:r>
-            <a:r>
-              <a:rPr lang="fr-CH" dirty="0" err="1" smtClean="0"/>
-              <a:t>semantics</a:t>
-            </a:r>
-            <a:endParaRPr lang="fr-CH" dirty="0" smtClean="0"/>
-          </a:p>
-          <a:p>
-            <a:pPr>
-              <a:buNone/>
-            </a:pPr>
-            <a:endParaRPr lang="en-US" dirty="0"/>
           </a:p>
         </p:txBody>
       </p:sp>
@@ -8124,15 +10103,15 @@
           <a:p>
             <a:r>
               <a:rPr lang="fr-CH" dirty="0" smtClean="0"/>
-              <a:t>R</a:t>
-            </a:r>
-            <a:r>
-              <a:rPr lang="fr-CH" baseline="-25000" dirty="0" smtClean="0"/>
-              <a:t>2</a:t>
+              <a:t>Cross-</a:t>
+            </a:r>
+            <a:r>
+              <a:rPr lang="fr-CH" dirty="0" err="1" smtClean="0"/>
+              <a:t>cutting</a:t>
             </a:r>
             <a:r>
               <a:rPr lang="fr-CH" dirty="0" smtClean="0"/>
-              <a:t>O + ODEMapster</a:t>
+              <a:t> issues</a:t>
             </a:r>
             <a:endParaRPr lang="en-US" dirty="0"/>
           </a:p>
@@ -8162,7 +10141,7 @@
             </a:pPr>
             <a:r>
               <a:rPr lang="fr-CH" dirty="0" err="1" smtClean="0"/>
-              <a:t>Starting</a:t>
+              <a:t>Identify</a:t>
             </a:r>
             <a:r>
               <a:rPr lang="fr-CH" dirty="0" smtClean="0"/>
@@ -8170,11 +10149,27 @@
             </a:r>
             <a:r>
               <a:rPr lang="fr-CH" dirty="0" err="1" smtClean="0"/>
-              <a:t>with</a:t>
+              <a:t>queries</a:t>
             </a:r>
             <a:r>
               <a:rPr lang="fr-CH" dirty="0" smtClean="0"/>
-              <a:t> SPARQL support</a:t>
+              <a:t> </a:t>
+            </a:r>
+            <a:r>
+              <a:rPr lang="fr-CH" dirty="0" err="1" smtClean="0"/>
+              <a:t>from</a:t>
+            </a:r>
+            <a:r>
+              <a:rPr lang="fr-CH" dirty="0" smtClean="0"/>
+              <a:t> </a:t>
+            </a:r>
+            <a:r>
+              <a:rPr lang="fr-CH" dirty="0" err="1" smtClean="0"/>
+              <a:t>both</a:t>
+            </a:r>
+            <a:r>
+              <a:rPr lang="fr-CH" dirty="0" smtClean="0"/>
+              <a:t> use-cases</a:t>
             </a:r>
           </a:p>
           <a:p>
@@ -8187,12 +10182,17 @@
             </a:pPr>
             <a:r>
               <a:rPr lang="fr-CH" dirty="0" err="1" smtClean="0"/>
-              <a:t>Define</a:t>
+              <a:t>Characterization</a:t>
             </a:r>
             <a:r>
               <a:rPr lang="fr-CH" dirty="0" smtClean="0"/>
-              <a:t> «S2O » extensions for R2O</a:t>
-            </a:r>
+              <a:t> of </a:t>
+            </a:r>
+            <a:r>
+              <a:rPr lang="fr-CH" dirty="0" err="1" smtClean="0"/>
+              <a:t>queries</a:t>
+            </a:r>
+            <a:endParaRPr lang="fr-CH" dirty="0" smtClean="0"/>
           </a:p>
           <a:p>
             <a:pPr>
@@ -8204,15 +10204,7 @@
             </a:pPr>
             <a:r>
               <a:rPr lang="fr-CH" dirty="0" err="1" smtClean="0"/>
-              <a:t>Define</a:t>
-            </a:r>
-            <a:r>
-              <a:rPr lang="fr-CH" dirty="0" smtClean="0"/>
-              <a:t> SPARQL</a:t>
-            </a:r>
-            <a:r>
-              <a:rPr lang="fr-CH" baseline="-25000" dirty="0" smtClean="0"/>
-              <a:t>STR</a:t>
+              <a:t>Represent</a:t>
             </a:r>
             <a:r>
               <a:rPr lang="fr-CH" dirty="0" smtClean="0"/>
@@ -8220,7 +10212,15 @@
             </a:r>
             <a:r>
               <a:rPr lang="fr-CH" dirty="0" err="1" smtClean="0"/>
-              <a:t>language</a:t>
+              <a:t>queries</a:t>
+            </a:r>
+            <a:r>
+              <a:rPr lang="fr-CH" dirty="0" smtClean="0"/>
+              <a:t> in global </a:t>
+            </a:r>
+            <a:r>
+              <a:rPr lang="fr-CH" dirty="0" err="1" smtClean="0"/>
+              <a:t>query</a:t>
             </a:r>
             <a:r>
               <a:rPr lang="fr-CH" dirty="0" smtClean="0"/>
@@ -8228,15 +10228,7 @@
             </a:r>
             <a:r>
               <a:rPr lang="fr-CH" dirty="0" err="1" smtClean="0"/>
-              <a:t>syntax</a:t>
-            </a:r>
-            <a:r>
-              <a:rPr lang="fr-CH" dirty="0" smtClean="0"/>
-              <a:t> and </a:t>
-            </a:r>
-            <a:r>
-              <a:rPr lang="fr-CH" dirty="0" err="1" smtClean="0"/>
-              <a:t>semantics</a:t>
+              <a:t>language</a:t>
             </a:r>
             <a:endParaRPr lang="fr-CH" dirty="0" smtClean="0"/>
           </a:p>
@@ -8250,15 +10242,15 @@
             </a:pPr>
             <a:r>
               <a:rPr lang="fr-CH" dirty="0" err="1" smtClean="0"/>
-              <a:t>Engine</a:t>
+              <a:t>Study</a:t>
             </a:r>
             <a:r>
               <a:rPr lang="fr-CH" dirty="0" smtClean="0"/>
-              <a:t> support for « S2O » documents, SPARQL</a:t>
-            </a:r>
-            <a:r>
-              <a:rPr lang="fr-CH" baseline="-25000" dirty="0" smtClean="0"/>
-              <a:t>STR </a:t>
+              <a:t> the </a:t>
+            </a:r>
+            <a:r>
+              <a:rPr lang="fr-CH" dirty="0" err="1" smtClean="0"/>
+              <a:t>query</a:t>
             </a:r>
             <a:r>
               <a:rPr lang="fr-CH" dirty="0" smtClean="0"/>
@@ -8266,25 +10258,27 @@
             </a:r>
             <a:r>
               <a:rPr lang="fr-CH" dirty="0" err="1" smtClean="0"/>
-              <a:t>queries</a:t>
-            </a:r>
-            <a:endParaRPr lang="fr-CH" dirty="0" smtClean="0"/>
-          </a:p>
-          <a:p>
-            <a:pPr>
-              <a:buClr>
-                <a:schemeClr val="accent6"/>
-              </a:buClr>
-              <a:buFont typeface="Arial" pitchFamily="34" charset="0"/>
-              <a:buChar char="•"/>
-            </a:pPr>
+              <a:t>semantics</a:t>
+            </a:r>
+            <a:r>
+              <a:rPr lang="fr-CH" dirty="0" smtClean="0"/>
+              <a:t> of QL for RDF </a:t>
+            </a:r>
             <a:r>
               <a:rPr lang="fr-CH" dirty="0" err="1" smtClean="0"/>
-              <a:t>Engine</a:t>
+              <a:t>Streams</a:t>
             </a:r>
             <a:r>
               <a:rPr lang="fr-CH" dirty="0" smtClean="0"/>
-              <a:t> support for </a:t>
+              <a:t> </a:t>
+            </a:r>
+            <a:r>
+              <a:rPr lang="fr-CH" dirty="0" err="1" smtClean="0"/>
+              <a:t>compared</a:t>
+            </a:r>
+            <a:r>
+              <a:rPr lang="fr-CH" dirty="0" smtClean="0"/>
+              <a:t> to </a:t>
             </a:r>
             <a:r>
               <a:rPr lang="fr-CH" dirty="0" err="1" smtClean="0"/>
@@ -8292,15 +10286,18 @@
             </a:r>
             <a:r>
               <a:rPr lang="fr-CH" dirty="0" smtClean="0"/>
-              <a:t> translation and </a:t>
+              <a:t> </a:t>
             </a:r>
             <a:r>
               <a:rPr lang="fr-CH" dirty="0" err="1" smtClean="0"/>
-              <a:t>connection</a:t>
+              <a:t>semantics</a:t>
             </a:r>
             <a:endParaRPr lang="fr-CH" dirty="0" smtClean="0"/>
           </a:p>
           <a:p>
+            <a:pPr>
+              <a:buNone/>
+            </a:pPr>
             <a:endParaRPr lang="en-US" dirty="0"/>
           </a:p>
         </p:txBody>
@@ -8339,7 +10336,7 @@
       </p:grpSpPr>
       <p:sp>
         <p:nvSpPr>
-          <p:cNvPr id="2" name="1 Título"/>
+          <p:cNvPr id="2" name="Title 1"/>
           <p:cNvSpPr>
             <a:spLocks noGrp="1"/>
           </p:cNvSpPr>
@@ -8353,40 +10350,185 @@
           <a:lstStyle/>
           <a:p>
             <a:r>
-              <a:rPr lang="en-GB" dirty="0" smtClean="0"/>
-              <a:t>Thanks...</a:t>
-            </a:r>
-            <a:endParaRPr lang="en-GB" dirty="0"/>
-          </a:p>
-        </p:txBody>
-      </p:sp>
-      <p:sp>
-        <p:nvSpPr>
-          <p:cNvPr id="4" name="3 CuadroTexto"/>
-          <p:cNvSpPr txBox="1"/>
-          <p:nvPr/>
-        </p:nvSpPr>
-        <p:spPr>
-          <a:xfrm>
-            <a:off x="3000364" y="2285992"/>
-            <a:ext cx="928693" cy="246221"/>
-          </a:xfrm>
-          <a:prstGeom prst="rect">
-            <a:avLst/>
-          </a:prstGeom>
-          <a:noFill/>
-        </p:spPr>
-        <p:txBody>
-          <a:bodyPr wrap="square" rtlCol="0">
-            <a:spAutoFit/>
-          </a:bodyPr>
+              <a:rPr lang="fr-CH" dirty="0" smtClean="0"/>
+              <a:t>R</a:t>
+            </a:r>
+            <a:r>
+              <a:rPr lang="fr-CH" baseline="-25000" dirty="0" smtClean="0"/>
+              <a:t>2</a:t>
+            </a:r>
+            <a:r>
+              <a:rPr lang="fr-CH" dirty="0" smtClean="0"/>
+              <a:t>O + ODEMapster</a:t>
+            </a:r>
+            <a:endParaRPr lang="en-US" dirty="0"/>
+          </a:p>
+        </p:txBody>
+      </p:sp>
+      <p:sp>
+        <p:nvSpPr>
+          <p:cNvPr id="3" name="Content Placeholder 2"/>
+          <p:cNvSpPr>
+            <a:spLocks noGrp="1"/>
+          </p:cNvSpPr>
+          <p:nvPr>
+            <p:ph idx="1"/>
+          </p:nvPr>
+        </p:nvSpPr>
+        <p:spPr/>
+        <p:txBody>
+          <a:bodyPr/>
           <a:lstStyle/>
           <a:p>
-            <a:r>
-              <a:rPr lang="en-GB" sz="1000" dirty="0" smtClean="0"/>
-              <a:t>windsamples</a:t>
-            </a:r>
-            <a:endParaRPr lang="en-GB" sz="1000" dirty="0"/>
+            <a:pPr>
+              <a:buClr>
+                <a:schemeClr val="accent6"/>
+              </a:buClr>
+              <a:buFont typeface="Arial" pitchFamily="34" charset="0"/>
+              <a:buChar char="•"/>
+            </a:pPr>
+            <a:r>
+              <a:rPr lang="fr-CH" dirty="0" err="1" smtClean="0"/>
+              <a:t>Starting</a:t>
+            </a:r>
+            <a:r>
+              <a:rPr lang="fr-CH" dirty="0" smtClean="0"/>
+              <a:t> </a:t>
+            </a:r>
+            <a:r>
+              <a:rPr lang="fr-CH" dirty="0" err="1" smtClean="0"/>
+              <a:t>with</a:t>
+            </a:r>
+            <a:r>
+              <a:rPr lang="fr-CH" dirty="0" smtClean="0"/>
+              <a:t> SPARQL support</a:t>
+            </a:r>
+          </a:p>
+          <a:p>
+            <a:pPr>
+              <a:buClr>
+                <a:schemeClr val="accent6"/>
+              </a:buClr>
+              <a:buFont typeface="Arial" pitchFamily="34" charset="0"/>
+              <a:buChar char="•"/>
+            </a:pPr>
+            <a:r>
+              <a:rPr lang="fr-CH" dirty="0" err="1" smtClean="0"/>
+              <a:t>Define</a:t>
+            </a:r>
+            <a:r>
+              <a:rPr lang="fr-CH" dirty="0" smtClean="0"/>
+              <a:t> «S2O » extensions for R2O</a:t>
+            </a:r>
+          </a:p>
+          <a:p>
+            <a:pPr>
+              <a:buClr>
+                <a:schemeClr val="accent6"/>
+              </a:buClr>
+              <a:buFont typeface="Arial" pitchFamily="34" charset="0"/>
+              <a:buChar char="•"/>
+            </a:pPr>
+            <a:r>
+              <a:rPr lang="fr-CH" dirty="0" err="1" smtClean="0"/>
+              <a:t>Define</a:t>
+            </a:r>
+            <a:r>
+              <a:rPr lang="fr-CH" dirty="0" smtClean="0"/>
+              <a:t> SPARQL</a:t>
+            </a:r>
+            <a:r>
+              <a:rPr lang="fr-CH" baseline="-25000" dirty="0" smtClean="0"/>
+              <a:t>STR</a:t>
+            </a:r>
+            <a:r>
+              <a:rPr lang="fr-CH" dirty="0" smtClean="0"/>
+              <a:t> </a:t>
+            </a:r>
+            <a:r>
+              <a:rPr lang="fr-CH" dirty="0" err="1" smtClean="0"/>
+              <a:t>language</a:t>
+            </a:r>
+            <a:r>
+              <a:rPr lang="fr-CH" dirty="0" smtClean="0"/>
+              <a:t> </a:t>
+            </a:r>
+            <a:r>
+              <a:rPr lang="fr-CH" dirty="0" err="1" smtClean="0"/>
+              <a:t>syntax</a:t>
+            </a:r>
+            <a:r>
+              <a:rPr lang="fr-CH" dirty="0" smtClean="0"/>
+              <a:t> and </a:t>
+            </a:r>
+            <a:r>
+              <a:rPr lang="fr-CH" dirty="0" err="1" smtClean="0"/>
+              <a:t>semantics</a:t>
+            </a:r>
+            <a:endParaRPr lang="fr-CH" dirty="0" smtClean="0"/>
+          </a:p>
+          <a:p>
+            <a:pPr>
+              <a:buClr>
+                <a:schemeClr val="accent6"/>
+              </a:buClr>
+              <a:buFont typeface="Arial" pitchFamily="34" charset="0"/>
+              <a:buChar char="•"/>
+            </a:pPr>
+            <a:r>
+              <a:rPr lang="fr-CH" dirty="0" err="1" smtClean="0"/>
+              <a:t>Engine</a:t>
+            </a:r>
+            <a:r>
+              <a:rPr lang="fr-CH" dirty="0" smtClean="0"/>
+              <a:t> support for « S2O » documents, SPARQL</a:t>
+            </a:r>
+            <a:r>
+              <a:rPr lang="fr-CH" baseline="-25000" dirty="0" smtClean="0"/>
+              <a:t>STR </a:t>
+            </a:r>
+            <a:r>
+              <a:rPr lang="fr-CH" dirty="0" smtClean="0"/>
+              <a:t> </a:t>
+            </a:r>
+            <a:r>
+              <a:rPr lang="fr-CH" dirty="0" err="1" smtClean="0"/>
+              <a:t>queries</a:t>
+            </a:r>
+            <a:endParaRPr lang="fr-CH" dirty="0" smtClean="0"/>
+          </a:p>
+          <a:p>
+            <a:pPr>
+              <a:buClr>
+                <a:schemeClr val="accent6"/>
+              </a:buClr>
+              <a:buFont typeface="Arial" pitchFamily="34" charset="0"/>
+              <a:buChar char="•"/>
+            </a:pPr>
+            <a:r>
+              <a:rPr lang="fr-CH" dirty="0" err="1" smtClean="0"/>
+              <a:t>Engine</a:t>
+            </a:r>
+            <a:r>
+              <a:rPr lang="fr-CH" dirty="0" smtClean="0"/>
+              <a:t> support for </a:t>
+            </a:r>
+            <a:r>
+              <a:rPr lang="fr-CH" dirty="0" err="1" smtClean="0"/>
+              <a:t>SNEEql</a:t>
+            </a:r>
+            <a:r>
+              <a:rPr lang="fr-CH" dirty="0" smtClean="0"/>
+              <a:t> translation and </a:t>
+            </a:r>
+            <a:r>
+              <a:rPr lang="fr-CH" dirty="0" err="1" smtClean="0"/>
+              <a:t>connection</a:t>
+            </a:r>
+            <a:endParaRPr lang="fr-CH" dirty="0" smtClean="0"/>
+          </a:p>
+          <a:p>
+            <a:endParaRPr lang="en-US" dirty="0"/>
           </a:p>
         </p:txBody>
       </p:sp>
@@ -8437,66 +10579,24 @@
           <a:bodyPr/>
           <a:lstStyle/>
           <a:p>
-            <a:endParaRPr lang="en-GB"/>
-          </a:p>
-        </p:txBody>
-      </p:sp>
-      <p:sp>
-        <p:nvSpPr>
-          <p:cNvPr id="5" name="4 Rectángulo redondeado"/>
-          <p:cNvSpPr/>
+            <a:r>
+              <a:rPr lang="en-GB" dirty="0" smtClean="0"/>
+              <a:t>Thanks...</a:t>
+            </a:r>
+            <a:endParaRPr lang="en-GB" dirty="0"/>
+          </a:p>
+        </p:txBody>
+      </p:sp>
+      <p:sp>
+        <p:nvSpPr>
+          <p:cNvPr id="4" name="3 CuadroTexto"/>
+          <p:cNvSpPr txBox="1"/>
           <p:nvPr/>
         </p:nvSpPr>
         <p:spPr>
           <a:xfrm>
-            <a:off x="1214414" y="1785926"/>
-            <a:ext cx="857256" cy="642942"/>
-          </a:xfrm>
-          <a:prstGeom prst="roundRect">
-            <a:avLst/>
-          </a:prstGeom>
-          <a:noFill/>
-          <a:ln w="12700">
-            <a:solidFill>
-              <a:schemeClr val="tx1"/>
-            </a:solidFill>
-          </a:ln>
-        </p:spPr>
-        <p:style>
-          <a:lnRef idx="2">
-            <a:schemeClr val="accent1">
-              <a:shade val="50000"/>
-            </a:schemeClr>
-          </a:lnRef>
-          <a:fillRef idx="1">
-            <a:schemeClr val="accent1"/>
-          </a:fillRef>
-          <a:effectRef idx="0">
-            <a:schemeClr val="accent1"/>
-          </a:effectRef>
-          <a:fontRef idx="minor">
-            <a:schemeClr val="lt1"/>
-          </a:fontRef>
-        </p:style>
-        <p:txBody>
-          <a:bodyPr rtlCol="0" anchor="ctr"/>
-          <a:lstStyle/>
-          <a:p>
-            <a:pPr algn="ctr"/>
-            <a:endParaRPr lang="en-GB"/>
-          </a:p>
-        </p:txBody>
-      </p:sp>
-      <p:sp>
-        <p:nvSpPr>
-          <p:cNvPr id="6" name="5 CuadroTexto"/>
-          <p:cNvSpPr txBox="1"/>
-          <p:nvPr/>
-        </p:nvSpPr>
-        <p:spPr>
-          <a:xfrm>
-            <a:off x="1214414" y="1785926"/>
-            <a:ext cx="859531" cy="215444"/>
+            <a:off x="3000364" y="2285992"/>
+            <a:ext cx="928693" cy="246221"/>
           </a:xfrm>
           <a:prstGeom prst="rect">
             <a:avLst/>
@@ -8504,1256 +10604,14 @@
           <a:noFill/>
         </p:spPr>
         <p:txBody>
-          <a:bodyPr wrap="none" rtlCol="0">
-            <a:spAutoFit/>
-          </a:bodyPr>
-          <a:lstStyle/>
-          <a:p>
-            <a:r>
-              <a:rPr lang="en-GB" sz="800" dirty="0" smtClean="0"/>
-              <a:t>s</a:t>
-            </a:r>
-            <a:r>
-              <a:rPr lang="en-GB" sz="800" dirty="0" smtClean="0"/>
-              <a:t>:windsamples</a:t>
-            </a:r>
-            <a:endParaRPr lang="en-GB" sz="800" dirty="0"/>
-          </a:p>
-        </p:txBody>
-      </p:sp>
-      <p:cxnSp>
-        <p:nvCxnSpPr>
-          <p:cNvPr id="8" name="7 Conector recto"/>
-          <p:cNvCxnSpPr/>
-          <p:nvPr/>
-        </p:nvCxnSpPr>
-        <p:spPr bwMode="auto">
-          <a:xfrm flipV="1">
-            <a:off x="1214414" y="2000240"/>
-            <a:ext cx="857256" cy="2"/>
-          </a:xfrm>
-          <a:prstGeom prst="line">
-            <a:avLst/>
-          </a:prstGeom>
-          <a:noFill/>
-          <a:ln w="12700" cap="flat" cmpd="sng" algn="ctr">
-            <a:solidFill>
-              <a:schemeClr val="tx1"/>
-            </a:solidFill>
-            <a:prstDash val="solid"/>
-            <a:round/>
-            <a:headEnd type="none" w="med" len="med"/>
-            <a:tailEnd type="none" w="med" len="med"/>
-          </a:ln>
-          <a:effectLst/>
-        </p:spPr>
-      </p:cxnSp>
-      <p:sp>
-        <p:nvSpPr>
-          <p:cNvPr id="10" name="9 CuadroTexto"/>
-          <p:cNvSpPr txBox="1"/>
-          <p:nvPr/>
-        </p:nvSpPr>
-        <p:spPr>
-          <a:xfrm>
-            <a:off x="1214414" y="2000240"/>
-            <a:ext cx="907621" cy="461665"/>
-          </a:xfrm>
-          <a:prstGeom prst="rect">
-            <a:avLst/>
-          </a:prstGeom>
-          <a:noFill/>
-        </p:spPr>
-        <p:txBody>
-          <a:bodyPr wrap="none" rtlCol="0">
-            <a:spAutoFit/>
-          </a:bodyPr>
-          <a:lstStyle/>
-          <a:p>
-            <a:r>
-              <a:rPr lang="en-GB" sz="800" dirty="0" smtClean="0"/>
-              <a:t>sensorid: int PK</a:t>
-            </a:r>
-          </a:p>
-          <a:p>
-            <a:r>
-              <a:rPr lang="en-GB" sz="800" dirty="0" smtClean="0"/>
-              <a:t>t</a:t>
-            </a:r>
-            <a:r>
-              <a:rPr lang="en-GB" sz="800" dirty="0" smtClean="0"/>
-              <a:t>s: datetime PK</a:t>
-            </a:r>
-          </a:p>
-          <a:p>
-            <a:r>
-              <a:rPr lang="en-GB" sz="800" dirty="0" smtClean="0"/>
-              <a:t>speed: float</a:t>
-            </a:r>
-            <a:endParaRPr lang="en-GB" sz="800" dirty="0"/>
-          </a:p>
-        </p:txBody>
-      </p:sp>
-      <p:sp>
-        <p:nvSpPr>
-          <p:cNvPr id="12" name="11 Rectángulo redondeado"/>
-          <p:cNvSpPr/>
-          <p:nvPr/>
-        </p:nvSpPr>
-        <p:spPr>
-          <a:xfrm>
-            <a:off x="1214414" y="2571744"/>
-            <a:ext cx="857256" cy="571504"/>
-          </a:xfrm>
-          <a:prstGeom prst="roundRect">
-            <a:avLst/>
-          </a:prstGeom>
-          <a:noFill/>
-          <a:ln w="12700">
-            <a:solidFill>
-              <a:schemeClr val="tx1"/>
-            </a:solidFill>
-          </a:ln>
-        </p:spPr>
-        <p:style>
-          <a:lnRef idx="2">
-            <a:schemeClr val="accent1">
-              <a:shade val="50000"/>
-            </a:schemeClr>
-          </a:lnRef>
-          <a:fillRef idx="1">
-            <a:schemeClr val="accent1"/>
-          </a:fillRef>
-          <a:effectRef idx="0">
-            <a:schemeClr val="accent1"/>
-          </a:effectRef>
-          <a:fontRef idx="minor">
-            <a:schemeClr val="lt1"/>
-          </a:fontRef>
-        </p:style>
-        <p:txBody>
-          <a:bodyPr rtlCol="0" anchor="ctr"/>
-          <a:lstStyle/>
-          <a:p>
-            <a:pPr algn="ctr"/>
-            <a:endParaRPr lang="en-GB"/>
-          </a:p>
-        </p:txBody>
-      </p:sp>
-      <p:sp>
-        <p:nvSpPr>
-          <p:cNvPr id="13" name="12 CuadroTexto"/>
-          <p:cNvSpPr txBox="1"/>
-          <p:nvPr/>
-        </p:nvSpPr>
-        <p:spPr>
-          <a:xfrm>
-            <a:off x="1214414" y="2571744"/>
-            <a:ext cx="857256" cy="215444"/>
-          </a:xfrm>
-          <a:prstGeom prst="rect">
-            <a:avLst/>
-          </a:prstGeom>
-          <a:noFill/>
-        </p:spPr>
-        <p:txBody>
           <a:bodyPr wrap="square" rtlCol="0">
             <a:spAutoFit/>
           </a:bodyPr>
           <a:lstStyle/>
           <a:p>
-            <a:pPr algn="ctr"/>
-            <a:r>
-              <a:rPr lang="en-GB" sz="800" dirty="0" smtClean="0"/>
-              <a:t>t:sensors</a:t>
-            </a:r>
-            <a:endParaRPr lang="en-GB" sz="800" dirty="0"/>
-          </a:p>
-        </p:txBody>
-      </p:sp>
-      <p:cxnSp>
-        <p:nvCxnSpPr>
-          <p:cNvPr id="14" name="13 Conector recto"/>
-          <p:cNvCxnSpPr/>
-          <p:nvPr/>
-        </p:nvCxnSpPr>
-        <p:spPr bwMode="auto">
-          <a:xfrm flipV="1">
-            <a:off x="1214414" y="2786058"/>
-            <a:ext cx="857256" cy="2"/>
-          </a:xfrm>
-          <a:prstGeom prst="line">
-            <a:avLst/>
-          </a:prstGeom>
-          <a:noFill/>
-          <a:ln w="12700" cap="flat" cmpd="sng" algn="ctr">
-            <a:solidFill>
-              <a:schemeClr val="tx1"/>
-            </a:solidFill>
-            <a:prstDash val="solid"/>
-            <a:round/>
-            <a:headEnd type="none" w="med" len="med"/>
-            <a:tailEnd type="none" w="med" len="med"/>
-          </a:ln>
-          <a:effectLst/>
-        </p:spPr>
-      </p:cxnSp>
-      <p:sp>
-        <p:nvSpPr>
-          <p:cNvPr id="15" name="14 CuadroTexto"/>
-          <p:cNvSpPr txBox="1"/>
-          <p:nvPr/>
-        </p:nvSpPr>
-        <p:spPr>
-          <a:xfrm>
-            <a:off x="1214414" y="2786058"/>
-            <a:ext cx="907621" cy="338554"/>
-          </a:xfrm>
-          <a:prstGeom prst="rect">
-            <a:avLst/>
-          </a:prstGeom>
-          <a:noFill/>
-        </p:spPr>
-        <p:txBody>
-          <a:bodyPr wrap="none" rtlCol="0">
-            <a:spAutoFit/>
-          </a:bodyPr>
-          <a:lstStyle/>
-          <a:p>
-            <a:r>
-              <a:rPr lang="en-GB" sz="800" dirty="0" smtClean="0"/>
-              <a:t>sensorid: int PK</a:t>
-            </a:r>
-          </a:p>
-          <a:p>
-            <a:r>
-              <a:rPr lang="en-GB" sz="800" dirty="0" smtClean="0"/>
-              <a:t>sensorname: st</a:t>
-            </a:r>
-          </a:p>
-        </p:txBody>
-      </p:sp>
-      <p:sp>
-        <p:nvSpPr>
-          <p:cNvPr id="17" name="16 Elipse"/>
-          <p:cNvSpPr/>
-          <p:nvPr/>
-        </p:nvSpPr>
-        <p:spPr>
-          <a:xfrm>
-            <a:off x="4500562" y="1643050"/>
-            <a:ext cx="928694" cy="357190"/>
-          </a:xfrm>
-          <a:prstGeom prst="ellipse">
-            <a:avLst/>
-          </a:prstGeom>
-          <a:noFill/>
-          <a:ln w="12700">
-            <a:solidFill>
-              <a:schemeClr val="tx1"/>
-            </a:solidFill>
-          </a:ln>
-        </p:spPr>
-        <p:style>
-          <a:lnRef idx="2">
-            <a:schemeClr val="accent1">
-              <a:shade val="50000"/>
-            </a:schemeClr>
-          </a:lnRef>
-          <a:fillRef idx="1">
-            <a:schemeClr val="accent1"/>
-          </a:fillRef>
-          <a:effectRef idx="0">
-            <a:schemeClr val="accent1"/>
-          </a:effectRef>
-          <a:fontRef idx="minor">
-            <a:schemeClr val="lt1"/>
-          </a:fontRef>
-        </p:style>
-        <p:txBody>
-          <a:bodyPr rtlCol="0" anchor="ctr"/>
-          <a:lstStyle/>
-          <a:p>
-            <a:pPr algn="ctr"/>
-            <a:endParaRPr lang="en-GB"/>
-          </a:p>
-        </p:txBody>
-      </p:sp>
-      <p:sp>
-        <p:nvSpPr>
-          <p:cNvPr id="18" name="17 CuadroTexto"/>
-          <p:cNvSpPr txBox="1"/>
-          <p:nvPr/>
-        </p:nvSpPr>
-        <p:spPr>
-          <a:xfrm>
-            <a:off x="4572000" y="1643050"/>
-            <a:ext cx="814646" cy="338554"/>
-          </a:xfrm>
-          <a:prstGeom prst="rect">
-            <a:avLst/>
-          </a:prstGeom>
-          <a:noFill/>
-        </p:spPr>
-        <p:txBody>
-          <a:bodyPr wrap="square" rtlCol="0">
-            <a:spAutoFit/>
-          </a:bodyPr>
-          <a:lstStyle/>
-          <a:p>
-            <a:pPr algn="ctr"/>
-            <a:r>
-              <a:rPr lang="en-GB" sz="800" dirty="0" smtClean="0"/>
-              <a:t>WindSpeed</a:t>
-            </a:r>
-          </a:p>
-          <a:p>
-            <a:pPr algn="ctr"/>
-            <a:r>
-              <a:rPr lang="en-GB" sz="800" dirty="0" smtClean="0"/>
-              <a:t>Measurement</a:t>
-            </a:r>
-            <a:endParaRPr lang="en-GB" sz="800" dirty="0"/>
-          </a:p>
-        </p:txBody>
-      </p:sp>
-      <p:sp>
-        <p:nvSpPr>
-          <p:cNvPr id="19" name="18 Elipse"/>
-          <p:cNvSpPr/>
-          <p:nvPr/>
-        </p:nvSpPr>
-        <p:spPr>
-          <a:xfrm>
-            <a:off x="4643438" y="2500306"/>
-            <a:ext cx="642942" cy="214314"/>
-          </a:xfrm>
-          <a:prstGeom prst="ellipse">
-            <a:avLst/>
-          </a:prstGeom>
-          <a:noFill/>
-          <a:ln w="12700">
-            <a:solidFill>
-              <a:schemeClr val="tx1"/>
-            </a:solidFill>
-          </a:ln>
-        </p:spPr>
-        <p:style>
-          <a:lnRef idx="2">
-            <a:schemeClr val="accent1">
-              <a:shade val="50000"/>
-            </a:schemeClr>
-          </a:lnRef>
-          <a:fillRef idx="1">
-            <a:schemeClr val="accent1"/>
-          </a:fillRef>
-          <a:effectRef idx="0">
-            <a:schemeClr val="accent1"/>
-          </a:effectRef>
-          <a:fontRef idx="minor">
-            <a:schemeClr val="lt1"/>
-          </a:fontRef>
-        </p:style>
-        <p:txBody>
-          <a:bodyPr rtlCol="0" anchor="ctr"/>
-          <a:lstStyle/>
-          <a:p>
-            <a:pPr algn="ctr"/>
-            <a:endParaRPr lang="en-GB"/>
-          </a:p>
-        </p:txBody>
-      </p:sp>
-      <p:sp>
-        <p:nvSpPr>
-          <p:cNvPr id="20" name="19 CuadroTexto"/>
-          <p:cNvSpPr txBox="1"/>
-          <p:nvPr/>
-        </p:nvSpPr>
-        <p:spPr>
-          <a:xfrm>
-            <a:off x="4572000" y="2500306"/>
-            <a:ext cx="814646" cy="215444"/>
-          </a:xfrm>
-          <a:prstGeom prst="rect">
-            <a:avLst/>
-          </a:prstGeom>
-          <a:noFill/>
-        </p:spPr>
-        <p:txBody>
-          <a:bodyPr wrap="square" rtlCol="0">
-            <a:spAutoFit/>
-          </a:bodyPr>
-          <a:lstStyle/>
-          <a:p>
-            <a:pPr algn="ctr"/>
-            <a:r>
-              <a:rPr lang="en-GB" sz="800" dirty="0" smtClean="0"/>
-              <a:t>Sensor</a:t>
-            </a:r>
-            <a:endParaRPr lang="en-GB" sz="800" dirty="0"/>
-          </a:p>
-        </p:txBody>
-      </p:sp>
-      <p:cxnSp>
-        <p:nvCxnSpPr>
-          <p:cNvPr id="22" name="21 Conector recto de flecha"/>
-          <p:cNvCxnSpPr>
-            <a:stCxn id="18" idx="2"/>
-            <a:endCxn id="20" idx="0"/>
-          </p:cNvCxnSpPr>
-          <p:nvPr/>
-        </p:nvCxnSpPr>
-        <p:spPr bwMode="auto">
-          <a:xfrm rot="5400000">
-            <a:off x="4719972" y="2240955"/>
-            <a:ext cx="518702" cy="1588"/>
-          </a:xfrm>
-          <a:prstGeom prst="straightConnector1">
-            <a:avLst/>
-          </a:prstGeom>
-          <a:noFill/>
-          <a:ln w="9525" cap="flat" cmpd="sng" algn="ctr">
-            <a:solidFill>
-              <a:schemeClr val="tx1"/>
-            </a:solidFill>
-            <a:prstDash val="solid"/>
-            <a:round/>
-            <a:headEnd type="none" w="med" len="med"/>
-            <a:tailEnd type="arrow"/>
-          </a:ln>
-          <a:effectLst/>
-        </p:spPr>
-      </p:cxnSp>
-      <p:sp>
-        <p:nvSpPr>
-          <p:cNvPr id="23" name="22 CuadroTexto"/>
-          <p:cNvSpPr txBox="1"/>
-          <p:nvPr/>
-        </p:nvSpPr>
-        <p:spPr>
-          <a:xfrm>
-            <a:off x="4214810" y="2071678"/>
-            <a:ext cx="814646" cy="215444"/>
-          </a:xfrm>
-          <a:prstGeom prst="rect">
-            <a:avLst/>
-          </a:prstGeom>
-          <a:noFill/>
-        </p:spPr>
-        <p:txBody>
-          <a:bodyPr wrap="square" rtlCol="0">
-            <a:spAutoFit/>
-          </a:bodyPr>
-          <a:lstStyle/>
-          <a:p>
-            <a:pPr algn="ctr"/>
-            <a:r>
-              <a:rPr lang="en-GB" sz="800" dirty="0" smtClean="0"/>
-              <a:t>isProducedBy</a:t>
-            </a:r>
-            <a:endParaRPr lang="en-GB" sz="800" dirty="0"/>
-          </a:p>
-        </p:txBody>
-      </p:sp>
-      <p:sp>
-        <p:nvSpPr>
-          <p:cNvPr id="25" name="24 Elipse"/>
-          <p:cNvSpPr/>
-          <p:nvPr/>
-        </p:nvSpPr>
-        <p:spPr>
-          <a:xfrm>
-            <a:off x="5214942" y="3000372"/>
-            <a:ext cx="642942" cy="214314"/>
-          </a:xfrm>
-          <a:prstGeom prst="ellipse">
-            <a:avLst/>
-          </a:prstGeom>
-          <a:noFill/>
-          <a:ln w="12700">
-            <a:solidFill>
-              <a:schemeClr val="tx1"/>
-            </a:solidFill>
-          </a:ln>
-        </p:spPr>
-        <p:style>
-          <a:lnRef idx="2">
-            <a:schemeClr val="accent1">
-              <a:shade val="50000"/>
-            </a:schemeClr>
-          </a:lnRef>
-          <a:fillRef idx="1">
-            <a:schemeClr val="accent1"/>
-          </a:fillRef>
-          <a:effectRef idx="0">
-            <a:schemeClr val="accent1"/>
-          </a:effectRef>
-          <a:fontRef idx="minor">
-            <a:schemeClr val="lt1"/>
-          </a:fontRef>
-        </p:style>
-        <p:txBody>
-          <a:bodyPr rtlCol="0" anchor="ctr"/>
-          <a:lstStyle/>
-          <a:p>
-            <a:pPr algn="ctr"/>
-            <a:endParaRPr lang="en-GB"/>
-          </a:p>
-        </p:txBody>
-      </p:sp>
-      <p:sp>
-        <p:nvSpPr>
-          <p:cNvPr id="26" name="25 CuadroTexto"/>
-          <p:cNvSpPr txBox="1"/>
-          <p:nvPr/>
-        </p:nvSpPr>
-        <p:spPr>
-          <a:xfrm>
-            <a:off x="5143504" y="3000372"/>
-            <a:ext cx="814646" cy="215444"/>
-          </a:xfrm>
-          <a:prstGeom prst="rect">
-            <a:avLst/>
-          </a:prstGeom>
-          <a:noFill/>
-        </p:spPr>
-        <p:txBody>
-          <a:bodyPr wrap="square" rtlCol="0">
-            <a:spAutoFit/>
-          </a:bodyPr>
-          <a:lstStyle/>
-          <a:p>
-            <a:pPr algn="ctr"/>
-            <a:r>
-              <a:rPr lang="en-GB" sz="800" dirty="0" smtClean="0"/>
-              <a:t>x</a:t>
-            </a:r>
-            <a:r>
-              <a:rPr lang="en-GB" sz="800" dirty="0" smtClean="0"/>
-              <a:t>sd:int</a:t>
-            </a:r>
-            <a:endParaRPr lang="en-GB" sz="800" dirty="0"/>
-          </a:p>
-        </p:txBody>
-      </p:sp>
-      <p:sp>
-        <p:nvSpPr>
-          <p:cNvPr id="27" name="26 Elipse"/>
-          <p:cNvSpPr/>
-          <p:nvPr/>
-        </p:nvSpPr>
-        <p:spPr>
-          <a:xfrm>
-            <a:off x="5286380" y="2214554"/>
-            <a:ext cx="642942" cy="214314"/>
-          </a:xfrm>
-          <a:prstGeom prst="ellipse">
-            <a:avLst/>
-          </a:prstGeom>
-          <a:noFill/>
-          <a:ln w="12700">
-            <a:solidFill>
-              <a:schemeClr val="tx1"/>
-            </a:solidFill>
-          </a:ln>
-        </p:spPr>
-        <p:style>
-          <a:lnRef idx="2">
-            <a:schemeClr val="accent1">
-              <a:shade val="50000"/>
-            </a:schemeClr>
-          </a:lnRef>
-          <a:fillRef idx="1">
-            <a:schemeClr val="accent1"/>
-          </a:fillRef>
-          <a:effectRef idx="0">
-            <a:schemeClr val="accent1"/>
-          </a:effectRef>
-          <a:fontRef idx="minor">
-            <a:schemeClr val="lt1"/>
-          </a:fontRef>
-        </p:style>
-        <p:txBody>
-          <a:bodyPr rtlCol="0" anchor="ctr"/>
-          <a:lstStyle/>
-          <a:p>
-            <a:pPr algn="ctr"/>
-            <a:endParaRPr lang="en-GB"/>
-          </a:p>
-        </p:txBody>
-      </p:sp>
-      <p:sp>
-        <p:nvSpPr>
-          <p:cNvPr id="28" name="27 CuadroTexto"/>
-          <p:cNvSpPr txBox="1"/>
-          <p:nvPr/>
-        </p:nvSpPr>
-        <p:spPr>
-          <a:xfrm>
-            <a:off x="5286380" y="1928802"/>
-            <a:ext cx="814646" cy="215444"/>
-          </a:xfrm>
-          <a:prstGeom prst="rect">
-            <a:avLst/>
-          </a:prstGeom>
-          <a:noFill/>
-        </p:spPr>
-        <p:txBody>
-          <a:bodyPr wrap="square" rtlCol="0">
-            <a:spAutoFit/>
-          </a:bodyPr>
-          <a:lstStyle/>
-          <a:p>
-            <a:pPr algn="ctr"/>
-            <a:r>
-              <a:rPr lang="en-GB" sz="800" dirty="0" smtClean="0"/>
-              <a:t>hasSpeed</a:t>
-            </a:r>
-            <a:endParaRPr lang="en-GB" sz="800" dirty="0"/>
-          </a:p>
-        </p:txBody>
-      </p:sp>
-      <p:sp>
-        <p:nvSpPr>
-          <p:cNvPr id="37" name="36 CuadroTexto"/>
-          <p:cNvSpPr txBox="1"/>
-          <p:nvPr/>
-        </p:nvSpPr>
-        <p:spPr>
-          <a:xfrm>
-            <a:off x="2285984" y="1571612"/>
-            <a:ext cx="1989647" cy="1754326"/>
-          </a:xfrm>
-          <a:prstGeom prst="rect">
-            <a:avLst/>
-          </a:prstGeom>
-          <a:noFill/>
-        </p:spPr>
-        <p:txBody>
-          <a:bodyPr wrap="none" rtlCol="0">
-            <a:spAutoFit/>
-          </a:bodyPr>
-          <a:lstStyle/>
-          <a:p>
-            <a:r>
-              <a:rPr lang="en-GB" sz="600" b="1" dirty="0" smtClean="0"/>
-              <a:t>conceptmap-def </a:t>
-            </a:r>
-            <a:r>
-              <a:rPr lang="en-GB" sz="600" dirty="0" smtClean="0"/>
-              <a:t>WindSpeedMeasurement </a:t>
-            </a:r>
-            <a:endParaRPr lang="en-GB" sz="600" dirty="0" smtClean="0"/>
-          </a:p>
-          <a:p>
-            <a:r>
-              <a:rPr lang="en-GB" sz="600" dirty="0" smtClean="0"/>
-              <a:t>  </a:t>
-            </a:r>
-            <a:r>
-              <a:rPr lang="en-GB" sz="600" b="1" dirty="0" smtClean="0"/>
-              <a:t>virtualStream</a:t>
-            </a:r>
-            <a:r>
-              <a:rPr lang="en-GB" sz="600" dirty="0" smtClean="0"/>
-              <a:t> </a:t>
-            </a:r>
-            <a:r>
-              <a:rPr lang="en-GB" sz="600" dirty="0" smtClean="0"/>
-              <a:t>&lt;http://</a:t>
-            </a:r>
-            <a:r>
-              <a:rPr lang="en-GB" sz="600" dirty="0" smtClean="0"/>
-              <a:t>ssg4env.eu/Readings.srdf</a:t>
-            </a:r>
-            <a:r>
-              <a:rPr lang="en-GB" sz="600" dirty="0" smtClean="0"/>
-              <a:t>&gt; </a:t>
-            </a:r>
-            <a:endParaRPr lang="en-GB" sz="600" dirty="0" smtClean="0"/>
-          </a:p>
-          <a:p>
-            <a:r>
-              <a:rPr lang="en-GB" sz="600" dirty="0" smtClean="0"/>
-              <a:t>  </a:t>
-            </a:r>
-            <a:r>
-              <a:rPr lang="en-GB" sz="600" b="1" dirty="0" smtClean="0"/>
-              <a:t>uri-as</a:t>
-            </a:r>
-            <a:r>
-              <a:rPr lang="en-GB" sz="600" dirty="0" smtClean="0"/>
-              <a:t> </a:t>
-            </a:r>
-            <a:r>
-              <a:rPr lang="en-GB" sz="600" dirty="0" smtClean="0"/>
-              <a:t>concat('ssg4env:WindSM</a:t>
-            </a:r>
-            <a:r>
-              <a:rPr lang="en-GB" sz="600" dirty="0" smtClean="0"/>
-              <a:t>_',</a:t>
-            </a:r>
-          </a:p>
-          <a:p>
-            <a:r>
-              <a:rPr lang="en-GB" sz="600" dirty="0" smtClean="0"/>
-              <a:t>             windsamples.sensorid,windsamples.ts</a:t>
-            </a:r>
-            <a:r>
-              <a:rPr lang="en-GB" sz="600" dirty="0" smtClean="0"/>
-              <a:t>) </a:t>
-            </a:r>
-            <a:endParaRPr lang="en-GB" sz="600" dirty="0" smtClean="0"/>
-          </a:p>
-          <a:p>
-            <a:r>
-              <a:rPr lang="en-GB" sz="600" b="1" dirty="0" smtClean="0"/>
-              <a:t>  attributemap-def</a:t>
-            </a:r>
-            <a:r>
-              <a:rPr lang="en-GB" sz="600" dirty="0" smtClean="0"/>
-              <a:t> </a:t>
-            </a:r>
-            <a:r>
-              <a:rPr lang="en-GB" sz="600" dirty="0" smtClean="0"/>
-              <a:t>hasSpeed   </a:t>
-            </a:r>
-            <a:endParaRPr lang="en-GB" sz="600" dirty="0" smtClean="0"/>
-          </a:p>
-          <a:p>
-            <a:r>
-              <a:rPr lang="en-GB" sz="600" dirty="0" smtClean="0"/>
-              <a:t>     </a:t>
-            </a:r>
-            <a:r>
-              <a:rPr lang="en-GB" sz="600" b="1" dirty="0" smtClean="0"/>
-              <a:t>operation</a:t>
-            </a:r>
-            <a:r>
-              <a:rPr lang="en-GB" sz="600" dirty="0" smtClean="0"/>
-              <a:t> </a:t>
-            </a:r>
-            <a:r>
-              <a:rPr lang="en-GB" sz="600" dirty="0" smtClean="0"/>
-              <a:t>constant     </a:t>
-            </a:r>
-            <a:endParaRPr lang="en-GB" sz="600" dirty="0" smtClean="0"/>
-          </a:p>
-          <a:p>
-            <a:r>
-              <a:rPr lang="en-GB" sz="600" dirty="0" smtClean="0"/>
-              <a:t>        </a:t>
-            </a:r>
-            <a:r>
-              <a:rPr lang="en-GB" sz="600" b="1" dirty="0" smtClean="0"/>
-              <a:t>has-column</a:t>
-            </a:r>
-            <a:r>
-              <a:rPr lang="en-GB" sz="600" dirty="0" smtClean="0"/>
-              <a:t> </a:t>
-            </a:r>
-            <a:r>
-              <a:rPr lang="en-GB" sz="600" dirty="0" smtClean="0"/>
-              <a:t>windsamples.speed  </a:t>
-            </a:r>
-            <a:endParaRPr lang="en-GB" sz="600" dirty="0" smtClean="0"/>
-          </a:p>
-          <a:p>
-            <a:r>
-              <a:rPr lang="en-GB" sz="600" dirty="0" smtClean="0"/>
-              <a:t>  </a:t>
-            </a:r>
-            <a:r>
-              <a:rPr lang="en-GB" sz="600" b="1" dirty="0" smtClean="0"/>
-              <a:t>dbrelationmap-def</a:t>
-            </a:r>
-            <a:r>
-              <a:rPr lang="en-GB" sz="600" dirty="0" smtClean="0"/>
-              <a:t> </a:t>
-            </a:r>
-            <a:r>
-              <a:rPr lang="en-GB" sz="600" dirty="0" smtClean="0"/>
-              <a:t>isProducedBy </a:t>
-            </a:r>
-            <a:endParaRPr lang="en-GB" sz="600" dirty="0" smtClean="0"/>
-          </a:p>
-          <a:p>
-            <a:r>
-              <a:rPr lang="en-GB" sz="600" dirty="0" smtClean="0"/>
-              <a:t>     </a:t>
-            </a:r>
-            <a:r>
-              <a:rPr lang="en-GB" sz="600" b="1" dirty="0" smtClean="0"/>
-              <a:t>toConcept</a:t>
-            </a:r>
-            <a:r>
-              <a:rPr lang="en-GB" sz="600" dirty="0" smtClean="0"/>
-              <a:t> </a:t>
-            </a:r>
-            <a:r>
-              <a:rPr lang="en-GB" sz="600" dirty="0" smtClean="0"/>
-              <a:t>Sensor   </a:t>
-            </a:r>
-            <a:endParaRPr lang="en-GB" sz="600" dirty="0" smtClean="0"/>
-          </a:p>
-          <a:p>
-            <a:r>
-              <a:rPr lang="en-GB" sz="600" dirty="0" smtClean="0"/>
-              <a:t>     </a:t>
-            </a:r>
-            <a:r>
-              <a:rPr lang="en-GB" sz="600" b="1" dirty="0" smtClean="0"/>
-              <a:t>joins-via</a:t>
-            </a:r>
-            <a:r>
-              <a:rPr lang="en-GB" sz="600" dirty="0" smtClean="0"/>
-              <a:t> </a:t>
-            </a:r>
-            <a:r>
-              <a:rPr lang="en-GB" sz="600" dirty="0" smtClean="0"/>
-              <a:t>condition equals      </a:t>
-            </a:r>
-            <a:endParaRPr lang="en-GB" sz="600" dirty="0" smtClean="0"/>
-          </a:p>
-          <a:p>
-            <a:r>
-              <a:rPr lang="en-GB" sz="600" dirty="0" smtClean="0"/>
-              <a:t>        </a:t>
-            </a:r>
-            <a:r>
-              <a:rPr lang="en-GB" sz="600" b="1" dirty="0" smtClean="0"/>
-              <a:t>has-column</a:t>
-            </a:r>
-            <a:r>
-              <a:rPr lang="en-GB" sz="600" dirty="0" smtClean="0"/>
-              <a:t> </a:t>
-            </a:r>
-            <a:r>
-              <a:rPr lang="en-GB" sz="600" dirty="0" smtClean="0"/>
-              <a:t>sensors.sensorid      </a:t>
-            </a:r>
-            <a:endParaRPr lang="en-GB" sz="600" dirty="0" smtClean="0"/>
-          </a:p>
-          <a:p>
-            <a:r>
-              <a:rPr lang="en-GB" sz="600" dirty="0" smtClean="0"/>
-              <a:t>        </a:t>
-            </a:r>
-            <a:r>
-              <a:rPr lang="en-GB" sz="600" b="1" dirty="0" smtClean="0"/>
-              <a:t>has-column</a:t>
-            </a:r>
-            <a:r>
-              <a:rPr lang="en-GB" sz="600" dirty="0" smtClean="0"/>
-              <a:t> windsamples.sensorid</a:t>
-            </a:r>
-          </a:p>
-          <a:p>
-            <a:endParaRPr lang="en-GB" sz="600" dirty="0" smtClean="0"/>
-          </a:p>
-          <a:p>
-            <a:r>
-              <a:rPr lang="en-GB" sz="600" b="1" dirty="0" smtClean="0"/>
-              <a:t>conceptmap-def </a:t>
-            </a:r>
-            <a:r>
-              <a:rPr lang="en-GB" sz="600" dirty="0" smtClean="0"/>
-              <a:t>Sensor </a:t>
-            </a:r>
-            <a:endParaRPr lang="en-GB" sz="600" dirty="0" smtClean="0"/>
-          </a:p>
-          <a:p>
-            <a:r>
-              <a:rPr lang="en-GB" sz="600" dirty="0" smtClean="0"/>
-              <a:t>  </a:t>
-            </a:r>
-            <a:r>
-              <a:rPr lang="en-GB" sz="600" b="1" dirty="0" smtClean="0"/>
-              <a:t>uri-as</a:t>
-            </a:r>
-            <a:r>
-              <a:rPr lang="en-GB" sz="600" dirty="0" smtClean="0"/>
-              <a:t> </a:t>
-            </a:r>
-            <a:r>
-              <a:rPr lang="en-GB" sz="600" dirty="0" smtClean="0"/>
-              <a:t>concat('ssg4env:Sensor_',sensors.sensorid) </a:t>
-            </a:r>
-            <a:endParaRPr lang="en-GB" sz="600" dirty="0" smtClean="0"/>
-          </a:p>
-          <a:p>
-            <a:r>
-              <a:rPr lang="en-GB" sz="600" b="1" dirty="0" smtClean="0"/>
-              <a:t>  attributemap-def</a:t>
-            </a:r>
-            <a:r>
-              <a:rPr lang="en-GB" sz="600" dirty="0" smtClean="0"/>
-              <a:t> </a:t>
-            </a:r>
-            <a:r>
-              <a:rPr lang="en-GB" sz="600" dirty="0" smtClean="0"/>
-              <a:t>hasSensorid   </a:t>
-            </a:r>
-            <a:endParaRPr lang="en-GB" sz="600" dirty="0" smtClean="0"/>
-          </a:p>
-          <a:p>
-            <a:r>
-              <a:rPr lang="en-GB" sz="600" dirty="0" smtClean="0"/>
-              <a:t>    </a:t>
-            </a:r>
-            <a:r>
-              <a:rPr lang="en-GB" sz="600" b="1" dirty="0" smtClean="0"/>
-              <a:t>operation </a:t>
-            </a:r>
-            <a:r>
-              <a:rPr lang="en-GB" sz="600" dirty="0" smtClean="0"/>
-              <a:t>constant     </a:t>
-            </a:r>
-            <a:endParaRPr lang="en-GB" sz="600" dirty="0" smtClean="0"/>
-          </a:p>
-          <a:p>
-            <a:r>
-              <a:rPr lang="en-GB" sz="600" dirty="0" smtClean="0"/>
-              <a:t>       </a:t>
-            </a:r>
-            <a:r>
-              <a:rPr lang="en-GB" sz="600" b="1" dirty="0" smtClean="0"/>
-              <a:t>has-column</a:t>
-            </a:r>
-            <a:r>
-              <a:rPr lang="en-GB" sz="600" dirty="0" smtClean="0"/>
-              <a:t> </a:t>
-            </a:r>
-            <a:r>
-              <a:rPr lang="en-GB" sz="600" dirty="0" smtClean="0"/>
-              <a:t>sensors.sensorid</a:t>
-            </a:r>
-            <a:endParaRPr lang="en-GB" sz="600" dirty="0"/>
-          </a:p>
-        </p:txBody>
-      </p:sp>
-      <p:sp>
-        <p:nvSpPr>
-          <p:cNvPr id="40" name="39 CuadroTexto"/>
-          <p:cNvSpPr txBox="1"/>
-          <p:nvPr/>
-        </p:nvSpPr>
-        <p:spPr>
-          <a:xfrm>
-            <a:off x="5214942" y="2214554"/>
-            <a:ext cx="814646" cy="215444"/>
-          </a:xfrm>
-          <a:prstGeom prst="rect">
-            <a:avLst/>
-          </a:prstGeom>
-          <a:noFill/>
-        </p:spPr>
-        <p:txBody>
-          <a:bodyPr wrap="square" rtlCol="0">
-            <a:spAutoFit/>
-          </a:bodyPr>
-          <a:lstStyle/>
-          <a:p>
-            <a:pPr algn="ctr"/>
-            <a:r>
-              <a:rPr lang="en-GB" sz="800" dirty="0" smtClean="0"/>
-              <a:t>x</a:t>
-            </a:r>
-            <a:r>
-              <a:rPr lang="en-GB" sz="800" dirty="0" smtClean="0"/>
-              <a:t>sd:float</a:t>
-            </a:r>
-            <a:endParaRPr lang="en-GB" sz="800" dirty="0"/>
-          </a:p>
-        </p:txBody>
-      </p:sp>
-      <p:cxnSp>
-        <p:nvCxnSpPr>
-          <p:cNvPr id="41" name="40 Conector recto de flecha"/>
-          <p:cNvCxnSpPr/>
-          <p:nvPr/>
-        </p:nvCxnSpPr>
-        <p:spPr bwMode="auto">
-          <a:xfrm rot="16200000" flipH="1">
-            <a:off x="5286380" y="2000240"/>
-            <a:ext cx="285752" cy="142876"/>
-          </a:xfrm>
-          <a:prstGeom prst="straightConnector1">
-            <a:avLst/>
-          </a:prstGeom>
-          <a:noFill/>
-          <a:ln w="9525" cap="flat" cmpd="sng" algn="ctr">
-            <a:solidFill>
-              <a:schemeClr val="tx1"/>
-            </a:solidFill>
-            <a:prstDash val="dash"/>
-            <a:round/>
-            <a:headEnd type="none" w="med" len="med"/>
-            <a:tailEnd type="arrow"/>
-          </a:ln>
-          <a:effectLst/>
-        </p:spPr>
-      </p:cxnSp>
-      <p:cxnSp>
-        <p:nvCxnSpPr>
-          <p:cNvPr id="46" name="45 Conector recto de flecha"/>
-          <p:cNvCxnSpPr/>
-          <p:nvPr/>
-        </p:nvCxnSpPr>
-        <p:spPr bwMode="auto">
-          <a:xfrm rot="16200000" flipH="1">
-            <a:off x="5143504" y="2714620"/>
-            <a:ext cx="285752" cy="285752"/>
-          </a:xfrm>
-          <a:prstGeom prst="straightConnector1">
-            <a:avLst/>
-          </a:prstGeom>
-          <a:noFill/>
-          <a:ln w="9525" cap="flat" cmpd="sng" algn="ctr">
-            <a:solidFill>
-              <a:schemeClr val="tx1"/>
-            </a:solidFill>
-            <a:prstDash val="dash"/>
-            <a:round/>
-            <a:headEnd type="none" w="med" len="med"/>
-            <a:tailEnd type="arrow"/>
-          </a:ln>
-          <a:effectLst/>
-        </p:spPr>
-      </p:cxnSp>
-      <p:sp>
-        <p:nvSpPr>
-          <p:cNvPr id="48" name="47 CuadroTexto"/>
-          <p:cNvSpPr txBox="1"/>
-          <p:nvPr/>
-        </p:nvSpPr>
-        <p:spPr>
-          <a:xfrm>
-            <a:off x="5143504" y="2714620"/>
-            <a:ext cx="814646" cy="215444"/>
-          </a:xfrm>
-          <a:prstGeom prst="rect">
-            <a:avLst/>
-          </a:prstGeom>
-          <a:noFill/>
-        </p:spPr>
-        <p:txBody>
-          <a:bodyPr wrap="square" rtlCol="0">
-            <a:spAutoFit/>
-          </a:bodyPr>
-          <a:lstStyle/>
-          <a:p>
-            <a:pPr algn="ctr"/>
-            <a:r>
-              <a:rPr lang="en-GB" sz="800" dirty="0" smtClean="0"/>
-              <a:t>hasSensorid</a:t>
-            </a:r>
-            <a:endParaRPr lang="en-GB" sz="800" dirty="0"/>
-          </a:p>
-        </p:txBody>
-      </p:sp>
-      <p:sp>
-        <p:nvSpPr>
-          <p:cNvPr id="50" name="49 Flecha izquierda y derecha"/>
-          <p:cNvSpPr/>
-          <p:nvPr/>
-        </p:nvSpPr>
-        <p:spPr>
-          <a:xfrm>
-            <a:off x="2071670" y="2357430"/>
-            <a:ext cx="385762" cy="223854"/>
-          </a:xfrm>
-          <a:prstGeom prst="leftRightArrow">
-            <a:avLst/>
-          </a:prstGeom>
-          <a:solidFill>
-            <a:schemeClr val="bg1">
-              <a:lumMod val="65000"/>
-            </a:schemeClr>
-          </a:solidFill>
-          <a:ln>
-            <a:solidFill>
-              <a:schemeClr val="tx1">
-                <a:lumMod val="65000"/>
-                <a:lumOff val="35000"/>
-              </a:schemeClr>
-            </a:solidFill>
-          </a:ln>
-        </p:spPr>
-        <p:style>
-          <a:lnRef idx="2">
-            <a:schemeClr val="accent1">
-              <a:shade val="50000"/>
-            </a:schemeClr>
-          </a:lnRef>
-          <a:fillRef idx="1">
-            <a:schemeClr val="accent1"/>
-          </a:fillRef>
-          <a:effectRef idx="0">
-            <a:schemeClr val="accent1"/>
-          </a:effectRef>
-          <a:fontRef idx="minor">
-            <a:schemeClr val="lt1"/>
-          </a:fontRef>
-        </p:style>
-        <p:txBody>
-          <a:bodyPr rtlCol="0" anchor="ctr"/>
-          <a:lstStyle/>
-          <a:p>
-            <a:pPr algn="ctr"/>
-            <a:endParaRPr lang="en-GB"/>
-          </a:p>
-        </p:txBody>
-      </p:sp>
-      <p:sp>
-        <p:nvSpPr>
-          <p:cNvPr id="51" name="50 Flecha izquierda y derecha"/>
-          <p:cNvSpPr/>
-          <p:nvPr/>
-        </p:nvSpPr>
-        <p:spPr>
-          <a:xfrm>
-            <a:off x="3857620" y="2357430"/>
-            <a:ext cx="385762" cy="223854"/>
-          </a:xfrm>
-          <a:prstGeom prst="leftRightArrow">
-            <a:avLst/>
-          </a:prstGeom>
-          <a:solidFill>
-            <a:schemeClr val="bg1">
-              <a:lumMod val="65000"/>
-            </a:schemeClr>
-          </a:solidFill>
-          <a:ln>
-            <a:solidFill>
-              <a:schemeClr val="tx1">
-                <a:lumMod val="65000"/>
-                <a:lumOff val="35000"/>
-              </a:schemeClr>
-            </a:solidFill>
-          </a:ln>
-        </p:spPr>
-        <p:style>
-          <a:lnRef idx="2">
-            <a:schemeClr val="accent1">
-              <a:shade val="50000"/>
-            </a:schemeClr>
-          </a:lnRef>
-          <a:fillRef idx="1">
-            <a:schemeClr val="accent1"/>
-          </a:fillRef>
-          <a:effectRef idx="0">
-            <a:schemeClr val="accent1"/>
-          </a:effectRef>
-          <a:fontRef idx="minor">
-            <a:schemeClr val="lt1"/>
-          </a:fontRef>
-        </p:style>
-        <p:txBody>
-          <a:bodyPr rtlCol="0" anchor="ctr"/>
-          <a:lstStyle/>
-          <a:p>
-            <a:pPr algn="ctr"/>
-            <a:endParaRPr lang="en-GB"/>
-          </a:p>
-        </p:txBody>
-      </p:sp>
-      <p:sp>
-        <p:nvSpPr>
-          <p:cNvPr id="52" name="51 CuadroTexto"/>
-          <p:cNvSpPr txBox="1"/>
-          <p:nvPr/>
-        </p:nvSpPr>
-        <p:spPr>
-          <a:xfrm>
-            <a:off x="4500562" y="3214686"/>
-            <a:ext cx="1143008" cy="246221"/>
-          </a:xfrm>
-          <a:prstGeom prst="rect">
-            <a:avLst/>
-          </a:prstGeom>
-          <a:noFill/>
-        </p:spPr>
-        <p:txBody>
-          <a:bodyPr wrap="square" rtlCol="0">
-            <a:spAutoFit/>
-          </a:bodyPr>
-          <a:lstStyle/>
-          <a:p>
-            <a:pPr algn="ctr"/>
             <a:r>
               <a:rPr lang="en-GB" sz="1000" dirty="0" smtClean="0"/>
-              <a:t>Ontologies</a:t>
-            </a:r>
-            <a:endParaRPr lang="en-GB" sz="1000" dirty="0"/>
-          </a:p>
-        </p:txBody>
-      </p:sp>
-      <p:sp>
-        <p:nvSpPr>
-          <p:cNvPr id="53" name="52 CuadroTexto"/>
-          <p:cNvSpPr txBox="1"/>
-          <p:nvPr/>
-        </p:nvSpPr>
-        <p:spPr>
-          <a:xfrm>
-            <a:off x="1214414" y="3214686"/>
-            <a:ext cx="814646" cy="246221"/>
-          </a:xfrm>
-          <a:prstGeom prst="rect">
-            <a:avLst/>
-          </a:prstGeom>
-          <a:noFill/>
-        </p:spPr>
-        <p:txBody>
-          <a:bodyPr wrap="square" rtlCol="0">
-            <a:spAutoFit/>
-          </a:bodyPr>
-          <a:lstStyle/>
-          <a:p>
-            <a:pPr algn="ctr"/>
-            <a:r>
-              <a:rPr lang="en-GB" sz="1000" dirty="0" smtClean="0"/>
-              <a:t>Streams</a:t>
-            </a:r>
-            <a:endParaRPr lang="en-GB" sz="1000" dirty="0"/>
-          </a:p>
-        </p:txBody>
-      </p:sp>
-      <p:sp>
-        <p:nvSpPr>
-          <p:cNvPr id="54" name="53 CuadroTexto"/>
-          <p:cNvSpPr txBox="1"/>
-          <p:nvPr/>
-        </p:nvSpPr>
-        <p:spPr>
-          <a:xfrm>
-            <a:off x="2643174" y="3214686"/>
-            <a:ext cx="1143008" cy="246221"/>
-          </a:xfrm>
-          <a:prstGeom prst="rect">
-            <a:avLst/>
-          </a:prstGeom>
-          <a:noFill/>
-        </p:spPr>
-        <p:txBody>
-          <a:bodyPr wrap="square" rtlCol="0">
-            <a:spAutoFit/>
-          </a:bodyPr>
-          <a:lstStyle/>
-          <a:p>
-            <a:pPr algn="ctr"/>
-            <a:r>
-              <a:rPr lang="en-GB" sz="1000" dirty="0" smtClean="0"/>
-              <a:t>S</a:t>
-            </a:r>
-            <a:r>
-              <a:rPr lang="en-GB" sz="1000" baseline="-25000" dirty="0" smtClean="0"/>
-              <a:t>2</a:t>
-            </a:r>
-            <a:r>
-              <a:rPr lang="en-GB" sz="1000" dirty="0" smtClean="0"/>
-              <a:t>O Mapping</a:t>
+              <a:t>windsamples</a:t>
             </a:r>
             <a:endParaRPr lang="en-GB" sz="1000" dirty="0"/>
           </a:p>
@@ -9806,30 +10664,1231 @@
           <a:bodyPr/>
           <a:lstStyle/>
           <a:p>
-            <a:r>
-              <a:rPr lang="en-GB" dirty="0" smtClean="0"/>
-              <a:t>Extras</a:t>
-            </a:r>
-            <a:endParaRPr lang="en-GB" dirty="0"/>
-          </a:p>
-        </p:txBody>
-      </p:sp>
-      <p:sp>
-        <p:nvSpPr>
-          <p:cNvPr id="3" name="2 Marcador de contenido"/>
-          <p:cNvSpPr>
-            <a:spLocks noGrp="1"/>
-          </p:cNvSpPr>
-          <p:nvPr>
-            <p:ph idx="1"/>
-          </p:nvPr>
-        </p:nvSpPr>
-        <p:spPr/>
-        <p:txBody>
-          <a:bodyPr/>
+            <a:endParaRPr lang="en-GB"/>
+          </a:p>
+        </p:txBody>
+      </p:sp>
+      <p:sp>
+        <p:nvSpPr>
+          <p:cNvPr id="5" name="4 Rectángulo redondeado"/>
+          <p:cNvSpPr/>
+          <p:nvPr/>
+        </p:nvSpPr>
+        <p:spPr>
+          <a:xfrm>
+            <a:off x="1214414" y="1785926"/>
+            <a:ext cx="857256" cy="642942"/>
+          </a:xfrm>
+          <a:prstGeom prst="roundRect">
+            <a:avLst/>
+          </a:prstGeom>
+          <a:noFill/>
+          <a:ln w="12700">
+            <a:solidFill>
+              <a:schemeClr val="tx1"/>
+            </a:solidFill>
+          </a:ln>
+        </p:spPr>
+        <p:style>
+          <a:lnRef idx="2">
+            <a:schemeClr val="accent1">
+              <a:shade val="50000"/>
+            </a:schemeClr>
+          </a:lnRef>
+          <a:fillRef idx="1">
+            <a:schemeClr val="accent1"/>
+          </a:fillRef>
+          <a:effectRef idx="0">
+            <a:schemeClr val="accent1"/>
+          </a:effectRef>
+          <a:fontRef idx="minor">
+            <a:schemeClr val="lt1"/>
+          </a:fontRef>
+        </p:style>
+        <p:txBody>
+          <a:bodyPr rtlCol="0" anchor="ctr"/>
           <a:lstStyle/>
           <a:p>
-            <a:endParaRPr lang="en-GB" dirty="0"/>
+            <a:pPr algn="ctr"/>
+            <a:endParaRPr lang="en-GB"/>
+          </a:p>
+        </p:txBody>
+      </p:sp>
+      <p:sp>
+        <p:nvSpPr>
+          <p:cNvPr id="6" name="5 CuadroTexto"/>
+          <p:cNvSpPr txBox="1"/>
+          <p:nvPr/>
+        </p:nvSpPr>
+        <p:spPr>
+          <a:xfrm>
+            <a:off x="1214414" y="1785926"/>
+            <a:ext cx="859531" cy="215444"/>
+          </a:xfrm>
+          <a:prstGeom prst="rect">
+            <a:avLst/>
+          </a:prstGeom>
+          <a:noFill/>
+        </p:spPr>
+        <p:txBody>
+          <a:bodyPr wrap="none" rtlCol="0">
+            <a:spAutoFit/>
+          </a:bodyPr>
+          <a:lstStyle/>
+          <a:p>
+            <a:r>
+              <a:rPr lang="en-GB" sz="800" dirty="0" smtClean="0"/>
+              <a:t>s:windsamples</a:t>
+            </a:r>
+            <a:endParaRPr lang="en-GB" sz="800" dirty="0"/>
+          </a:p>
+        </p:txBody>
+      </p:sp>
+      <p:cxnSp>
+        <p:nvCxnSpPr>
+          <p:cNvPr id="8" name="7 Conector recto"/>
+          <p:cNvCxnSpPr/>
+          <p:nvPr/>
+        </p:nvCxnSpPr>
+        <p:spPr bwMode="auto">
+          <a:xfrm flipV="1">
+            <a:off x="1214414" y="2000240"/>
+            <a:ext cx="857256" cy="2"/>
+          </a:xfrm>
+          <a:prstGeom prst="line">
+            <a:avLst/>
+          </a:prstGeom>
+          <a:noFill/>
+          <a:ln w="12700" cap="flat" cmpd="sng" algn="ctr">
+            <a:solidFill>
+              <a:schemeClr val="tx1"/>
+            </a:solidFill>
+            <a:prstDash val="solid"/>
+            <a:round/>
+            <a:headEnd type="none" w="med" len="med"/>
+            <a:tailEnd type="none" w="med" len="med"/>
+          </a:ln>
+          <a:effectLst/>
+        </p:spPr>
+      </p:cxnSp>
+      <p:sp>
+        <p:nvSpPr>
+          <p:cNvPr id="10" name="9 CuadroTexto"/>
+          <p:cNvSpPr txBox="1"/>
+          <p:nvPr/>
+        </p:nvSpPr>
+        <p:spPr>
+          <a:xfrm>
+            <a:off x="1214414" y="2000240"/>
+            <a:ext cx="907621" cy="461665"/>
+          </a:xfrm>
+          <a:prstGeom prst="rect">
+            <a:avLst/>
+          </a:prstGeom>
+          <a:noFill/>
+        </p:spPr>
+        <p:txBody>
+          <a:bodyPr wrap="none" rtlCol="0">
+            <a:spAutoFit/>
+          </a:bodyPr>
+          <a:lstStyle/>
+          <a:p>
+            <a:r>
+              <a:rPr lang="en-GB" sz="800" dirty="0" smtClean="0"/>
+              <a:t>sensorid: int PK</a:t>
+            </a:r>
+          </a:p>
+          <a:p>
+            <a:r>
+              <a:rPr lang="en-GB" sz="800" dirty="0" smtClean="0"/>
+              <a:t>ts: datetime PK</a:t>
+            </a:r>
+          </a:p>
+          <a:p>
+            <a:r>
+              <a:rPr lang="en-GB" sz="800" dirty="0" smtClean="0"/>
+              <a:t>speed: float</a:t>
+            </a:r>
+            <a:endParaRPr lang="en-GB" sz="800" dirty="0"/>
+          </a:p>
+        </p:txBody>
+      </p:sp>
+      <p:sp>
+        <p:nvSpPr>
+          <p:cNvPr id="12" name="11 Rectángulo redondeado"/>
+          <p:cNvSpPr/>
+          <p:nvPr/>
+        </p:nvSpPr>
+        <p:spPr>
+          <a:xfrm>
+            <a:off x="1214414" y="2571744"/>
+            <a:ext cx="857256" cy="571504"/>
+          </a:xfrm>
+          <a:prstGeom prst="roundRect">
+            <a:avLst/>
+          </a:prstGeom>
+          <a:noFill/>
+          <a:ln w="12700">
+            <a:solidFill>
+              <a:schemeClr val="tx1"/>
+            </a:solidFill>
+          </a:ln>
+        </p:spPr>
+        <p:style>
+          <a:lnRef idx="2">
+            <a:schemeClr val="accent1">
+              <a:shade val="50000"/>
+            </a:schemeClr>
+          </a:lnRef>
+          <a:fillRef idx="1">
+            <a:schemeClr val="accent1"/>
+          </a:fillRef>
+          <a:effectRef idx="0">
+            <a:schemeClr val="accent1"/>
+          </a:effectRef>
+          <a:fontRef idx="minor">
+            <a:schemeClr val="lt1"/>
+          </a:fontRef>
+        </p:style>
+        <p:txBody>
+          <a:bodyPr rtlCol="0" anchor="ctr"/>
+          <a:lstStyle/>
+          <a:p>
+            <a:pPr algn="ctr"/>
+            <a:endParaRPr lang="en-GB"/>
+          </a:p>
+        </p:txBody>
+      </p:sp>
+      <p:sp>
+        <p:nvSpPr>
+          <p:cNvPr id="13" name="12 CuadroTexto"/>
+          <p:cNvSpPr txBox="1"/>
+          <p:nvPr/>
+        </p:nvSpPr>
+        <p:spPr>
+          <a:xfrm>
+            <a:off x="1214414" y="2571744"/>
+            <a:ext cx="857256" cy="215444"/>
+          </a:xfrm>
+          <a:prstGeom prst="rect">
+            <a:avLst/>
+          </a:prstGeom>
+          <a:noFill/>
+        </p:spPr>
+        <p:txBody>
+          <a:bodyPr wrap="square" rtlCol="0">
+            <a:spAutoFit/>
+          </a:bodyPr>
+          <a:lstStyle/>
+          <a:p>
+            <a:pPr algn="ctr"/>
+            <a:r>
+              <a:rPr lang="en-GB" sz="800" dirty="0" smtClean="0"/>
+              <a:t>t:sensors</a:t>
+            </a:r>
+            <a:endParaRPr lang="en-GB" sz="800" dirty="0"/>
+          </a:p>
+        </p:txBody>
+      </p:sp>
+      <p:cxnSp>
+        <p:nvCxnSpPr>
+          <p:cNvPr id="14" name="13 Conector recto"/>
+          <p:cNvCxnSpPr/>
+          <p:nvPr/>
+        </p:nvCxnSpPr>
+        <p:spPr bwMode="auto">
+          <a:xfrm flipV="1">
+            <a:off x="1214414" y="2786058"/>
+            <a:ext cx="857256" cy="2"/>
+          </a:xfrm>
+          <a:prstGeom prst="line">
+            <a:avLst/>
+          </a:prstGeom>
+          <a:noFill/>
+          <a:ln w="12700" cap="flat" cmpd="sng" algn="ctr">
+            <a:solidFill>
+              <a:schemeClr val="tx1"/>
+            </a:solidFill>
+            <a:prstDash val="solid"/>
+            <a:round/>
+            <a:headEnd type="none" w="med" len="med"/>
+            <a:tailEnd type="none" w="med" len="med"/>
+          </a:ln>
+          <a:effectLst/>
+        </p:spPr>
+      </p:cxnSp>
+      <p:sp>
+        <p:nvSpPr>
+          <p:cNvPr id="15" name="14 CuadroTexto"/>
+          <p:cNvSpPr txBox="1"/>
+          <p:nvPr/>
+        </p:nvSpPr>
+        <p:spPr>
+          <a:xfrm>
+            <a:off x="1214414" y="2786058"/>
+            <a:ext cx="907621" cy="338554"/>
+          </a:xfrm>
+          <a:prstGeom prst="rect">
+            <a:avLst/>
+          </a:prstGeom>
+          <a:noFill/>
+        </p:spPr>
+        <p:txBody>
+          <a:bodyPr wrap="none" rtlCol="0">
+            <a:spAutoFit/>
+          </a:bodyPr>
+          <a:lstStyle/>
+          <a:p>
+            <a:r>
+              <a:rPr lang="en-GB" sz="800" dirty="0" smtClean="0"/>
+              <a:t>sensorid: int PK</a:t>
+            </a:r>
+          </a:p>
+          <a:p>
+            <a:r>
+              <a:rPr lang="en-GB" sz="800" dirty="0" smtClean="0"/>
+              <a:t>sensorname: st</a:t>
+            </a:r>
+          </a:p>
+        </p:txBody>
+      </p:sp>
+      <p:sp>
+        <p:nvSpPr>
+          <p:cNvPr id="17" name="16 Elipse"/>
+          <p:cNvSpPr/>
+          <p:nvPr/>
+        </p:nvSpPr>
+        <p:spPr>
+          <a:xfrm>
+            <a:off x="4500562" y="1643050"/>
+            <a:ext cx="928694" cy="357190"/>
+          </a:xfrm>
+          <a:prstGeom prst="ellipse">
+            <a:avLst/>
+          </a:prstGeom>
+          <a:noFill/>
+          <a:ln w="12700">
+            <a:solidFill>
+              <a:schemeClr val="tx1"/>
+            </a:solidFill>
+          </a:ln>
+        </p:spPr>
+        <p:style>
+          <a:lnRef idx="2">
+            <a:schemeClr val="accent1">
+              <a:shade val="50000"/>
+            </a:schemeClr>
+          </a:lnRef>
+          <a:fillRef idx="1">
+            <a:schemeClr val="accent1"/>
+          </a:fillRef>
+          <a:effectRef idx="0">
+            <a:schemeClr val="accent1"/>
+          </a:effectRef>
+          <a:fontRef idx="minor">
+            <a:schemeClr val="lt1"/>
+          </a:fontRef>
+        </p:style>
+        <p:txBody>
+          <a:bodyPr rtlCol="0" anchor="ctr"/>
+          <a:lstStyle/>
+          <a:p>
+            <a:pPr algn="ctr"/>
+            <a:endParaRPr lang="en-GB"/>
+          </a:p>
+        </p:txBody>
+      </p:sp>
+      <p:sp>
+        <p:nvSpPr>
+          <p:cNvPr id="18" name="17 CuadroTexto"/>
+          <p:cNvSpPr txBox="1"/>
+          <p:nvPr/>
+        </p:nvSpPr>
+        <p:spPr>
+          <a:xfrm>
+            <a:off x="4572000" y="1643050"/>
+            <a:ext cx="814646" cy="338554"/>
+          </a:xfrm>
+          <a:prstGeom prst="rect">
+            <a:avLst/>
+          </a:prstGeom>
+          <a:noFill/>
+        </p:spPr>
+        <p:txBody>
+          <a:bodyPr wrap="square" rtlCol="0">
+            <a:spAutoFit/>
+          </a:bodyPr>
+          <a:lstStyle/>
+          <a:p>
+            <a:pPr algn="ctr"/>
+            <a:r>
+              <a:rPr lang="en-GB" sz="800" dirty="0" smtClean="0"/>
+              <a:t>WindSpeed</a:t>
+            </a:r>
+          </a:p>
+          <a:p>
+            <a:pPr algn="ctr"/>
+            <a:r>
+              <a:rPr lang="en-GB" sz="800" dirty="0" smtClean="0"/>
+              <a:t>Measurement</a:t>
+            </a:r>
+            <a:endParaRPr lang="en-GB" sz="800" dirty="0"/>
+          </a:p>
+        </p:txBody>
+      </p:sp>
+      <p:sp>
+        <p:nvSpPr>
+          <p:cNvPr id="19" name="18 Elipse"/>
+          <p:cNvSpPr/>
+          <p:nvPr/>
+        </p:nvSpPr>
+        <p:spPr>
+          <a:xfrm>
+            <a:off x="4643438" y="2500306"/>
+            <a:ext cx="642942" cy="214314"/>
+          </a:xfrm>
+          <a:prstGeom prst="ellipse">
+            <a:avLst/>
+          </a:prstGeom>
+          <a:noFill/>
+          <a:ln w="12700">
+            <a:solidFill>
+              <a:schemeClr val="tx1"/>
+            </a:solidFill>
+          </a:ln>
+        </p:spPr>
+        <p:style>
+          <a:lnRef idx="2">
+            <a:schemeClr val="accent1">
+              <a:shade val="50000"/>
+            </a:schemeClr>
+          </a:lnRef>
+          <a:fillRef idx="1">
+            <a:schemeClr val="accent1"/>
+          </a:fillRef>
+          <a:effectRef idx="0">
+            <a:schemeClr val="accent1"/>
+          </a:effectRef>
+          <a:fontRef idx="minor">
+            <a:schemeClr val="lt1"/>
+          </a:fontRef>
+        </p:style>
+        <p:txBody>
+          <a:bodyPr rtlCol="0" anchor="ctr"/>
+          <a:lstStyle/>
+          <a:p>
+            <a:pPr algn="ctr"/>
+            <a:endParaRPr lang="en-GB"/>
+          </a:p>
+        </p:txBody>
+      </p:sp>
+      <p:sp>
+        <p:nvSpPr>
+          <p:cNvPr id="20" name="19 CuadroTexto"/>
+          <p:cNvSpPr txBox="1"/>
+          <p:nvPr/>
+        </p:nvSpPr>
+        <p:spPr>
+          <a:xfrm>
+            <a:off x="4572000" y="2500306"/>
+            <a:ext cx="814646" cy="215444"/>
+          </a:xfrm>
+          <a:prstGeom prst="rect">
+            <a:avLst/>
+          </a:prstGeom>
+          <a:noFill/>
+        </p:spPr>
+        <p:txBody>
+          <a:bodyPr wrap="square" rtlCol="0">
+            <a:spAutoFit/>
+          </a:bodyPr>
+          <a:lstStyle/>
+          <a:p>
+            <a:pPr algn="ctr"/>
+            <a:r>
+              <a:rPr lang="en-GB" sz="800" dirty="0" smtClean="0"/>
+              <a:t>Sensor</a:t>
+            </a:r>
+            <a:endParaRPr lang="en-GB" sz="800" dirty="0"/>
+          </a:p>
+        </p:txBody>
+      </p:sp>
+      <p:cxnSp>
+        <p:nvCxnSpPr>
+          <p:cNvPr id="22" name="21 Conector recto de flecha"/>
+          <p:cNvCxnSpPr>
+            <a:stCxn id="18" idx="2"/>
+            <a:endCxn id="20" idx="0"/>
+          </p:cNvCxnSpPr>
+          <p:nvPr/>
+        </p:nvCxnSpPr>
+        <p:spPr bwMode="auto">
+          <a:xfrm rot="5400000">
+            <a:off x="4719972" y="2240955"/>
+            <a:ext cx="518702" cy="1588"/>
+          </a:xfrm>
+          <a:prstGeom prst="straightConnector1">
+            <a:avLst/>
+          </a:prstGeom>
+          <a:noFill/>
+          <a:ln w="9525" cap="flat" cmpd="sng" algn="ctr">
+            <a:solidFill>
+              <a:schemeClr val="tx1"/>
+            </a:solidFill>
+            <a:prstDash val="solid"/>
+            <a:round/>
+            <a:headEnd type="none" w="med" len="med"/>
+            <a:tailEnd type="arrow"/>
+          </a:ln>
+          <a:effectLst/>
+        </p:spPr>
+      </p:cxnSp>
+      <p:sp>
+        <p:nvSpPr>
+          <p:cNvPr id="23" name="22 CuadroTexto"/>
+          <p:cNvSpPr txBox="1"/>
+          <p:nvPr/>
+        </p:nvSpPr>
+        <p:spPr>
+          <a:xfrm>
+            <a:off x="4214810" y="2071678"/>
+            <a:ext cx="814646" cy="215444"/>
+          </a:xfrm>
+          <a:prstGeom prst="rect">
+            <a:avLst/>
+          </a:prstGeom>
+          <a:noFill/>
+        </p:spPr>
+        <p:txBody>
+          <a:bodyPr wrap="square" rtlCol="0">
+            <a:spAutoFit/>
+          </a:bodyPr>
+          <a:lstStyle/>
+          <a:p>
+            <a:pPr algn="ctr"/>
+            <a:r>
+              <a:rPr lang="en-GB" sz="800" dirty="0" smtClean="0"/>
+              <a:t>isProducedBy</a:t>
+            </a:r>
+            <a:endParaRPr lang="en-GB" sz="800" dirty="0"/>
+          </a:p>
+        </p:txBody>
+      </p:sp>
+      <p:sp>
+        <p:nvSpPr>
+          <p:cNvPr id="25" name="24 Elipse"/>
+          <p:cNvSpPr/>
+          <p:nvPr/>
+        </p:nvSpPr>
+        <p:spPr>
+          <a:xfrm>
+            <a:off x="5214942" y="3000372"/>
+            <a:ext cx="642942" cy="214314"/>
+          </a:xfrm>
+          <a:prstGeom prst="ellipse">
+            <a:avLst/>
+          </a:prstGeom>
+          <a:noFill/>
+          <a:ln w="12700">
+            <a:solidFill>
+              <a:schemeClr val="tx1"/>
+            </a:solidFill>
+          </a:ln>
+        </p:spPr>
+        <p:style>
+          <a:lnRef idx="2">
+            <a:schemeClr val="accent1">
+              <a:shade val="50000"/>
+            </a:schemeClr>
+          </a:lnRef>
+          <a:fillRef idx="1">
+            <a:schemeClr val="accent1"/>
+          </a:fillRef>
+          <a:effectRef idx="0">
+            <a:schemeClr val="accent1"/>
+          </a:effectRef>
+          <a:fontRef idx="minor">
+            <a:schemeClr val="lt1"/>
+          </a:fontRef>
+        </p:style>
+        <p:txBody>
+          <a:bodyPr rtlCol="0" anchor="ctr"/>
+          <a:lstStyle/>
+          <a:p>
+            <a:pPr algn="ctr"/>
+            <a:endParaRPr lang="en-GB"/>
+          </a:p>
+        </p:txBody>
+      </p:sp>
+      <p:sp>
+        <p:nvSpPr>
+          <p:cNvPr id="26" name="25 CuadroTexto"/>
+          <p:cNvSpPr txBox="1"/>
+          <p:nvPr/>
+        </p:nvSpPr>
+        <p:spPr>
+          <a:xfrm>
+            <a:off x="5143504" y="3000372"/>
+            <a:ext cx="814646" cy="215444"/>
+          </a:xfrm>
+          <a:prstGeom prst="rect">
+            <a:avLst/>
+          </a:prstGeom>
+          <a:noFill/>
+        </p:spPr>
+        <p:txBody>
+          <a:bodyPr wrap="square" rtlCol="0">
+            <a:spAutoFit/>
+          </a:bodyPr>
+          <a:lstStyle/>
+          <a:p>
+            <a:pPr algn="ctr"/>
+            <a:r>
+              <a:rPr lang="en-GB" sz="800" dirty="0" smtClean="0"/>
+              <a:t>xsd:int</a:t>
+            </a:r>
+            <a:endParaRPr lang="en-GB" sz="800" dirty="0"/>
+          </a:p>
+        </p:txBody>
+      </p:sp>
+      <p:sp>
+        <p:nvSpPr>
+          <p:cNvPr id="27" name="26 Elipse"/>
+          <p:cNvSpPr/>
+          <p:nvPr/>
+        </p:nvSpPr>
+        <p:spPr>
+          <a:xfrm>
+            <a:off x="5286380" y="2214554"/>
+            <a:ext cx="642942" cy="214314"/>
+          </a:xfrm>
+          <a:prstGeom prst="ellipse">
+            <a:avLst/>
+          </a:prstGeom>
+          <a:noFill/>
+          <a:ln w="12700">
+            <a:solidFill>
+              <a:schemeClr val="tx1"/>
+            </a:solidFill>
+          </a:ln>
+        </p:spPr>
+        <p:style>
+          <a:lnRef idx="2">
+            <a:schemeClr val="accent1">
+              <a:shade val="50000"/>
+            </a:schemeClr>
+          </a:lnRef>
+          <a:fillRef idx="1">
+            <a:schemeClr val="accent1"/>
+          </a:fillRef>
+          <a:effectRef idx="0">
+            <a:schemeClr val="accent1"/>
+          </a:effectRef>
+          <a:fontRef idx="minor">
+            <a:schemeClr val="lt1"/>
+          </a:fontRef>
+        </p:style>
+        <p:txBody>
+          <a:bodyPr rtlCol="0" anchor="ctr"/>
+          <a:lstStyle/>
+          <a:p>
+            <a:pPr algn="ctr"/>
+            <a:endParaRPr lang="en-GB"/>
+          </a:p>
+        </p:txBody>
+      </p:sp>
+      <p:sp>
+        <p:nvSpPr>
+          <p:cNvPr id="28" name="27 CuadroTexto"/>
+          <p:cNvSpPr txBox="1"/>
+          <p:nvPr/>
+        </p:nvSpPr>
+        <p:spPr>
+          <a:xfrm>
+            <a:off x="5286380" y="1928802"/>
+            <a:ext cx="814646" cy="215444"/>
+          </a:xfrm>
+          <a:prstGeom prst="rect">
+            <a:avLst/>
+          </a:prstGeom>
+          <a:noFill/>
+        </p:spPr>
+        <p:txBody>
+          <a:bodyPr wrap="square" rtlCol="0">
+            <a:spAutoFit/>
+          </a:bodyPr>
+          <a:lstStyle/>
+          <a:p>
+            <a:pPr algn="ctr"/>
+            <a:r>
+              <a:rPr lang="en-GB" sz="800" dirty="0" smtClean="0"/>
+              <a:t>hasSpeed</a:t>
+            </a:r>
+            <a:endParaRPr lang="en-GB" sz="800" dirty="0"/>
+          </a:p>
+        </p:txBody>
+      </p:sp>
+      <p:sp>
+        <p:nvSpPr>
+          <p:cNvPr id="37" name="36 CuadroTexto"/>
+          <p:cNvSpPr txBox="1"/>
+          <p:nvPr/>
+        </p:nvSpPr>
+        <p:spPr>
+          <a:xfrm>
+            <a:off x="2285984" y="1571612"/>
+            <a:ext cx="1989647" cy="1754326"/>
+          </a:xfrm>
+          <a:prstGeom prst="rect">
+            <a:avLst/>
+          </a:prstGeom>
+          <a:noFill/>
+        </p:spPr>
+        <p:txBody>
+          <a:bodyPr wrap="none" rtlCol="0">
+            <a:spAutoFit/>
+          </a:bodyPr>
+          <a:lstStyle/>
+          <a:p>
+            <a:r>
+              <a:rPr lang="en-GB" sz="600" b="1" dirty="0" smtClean="0"/>
+              <a:t>conceptmap-def </a:t>
+            </a:r>
+            <a:r>
+              <a:rPr lang="en-GB" sz="600" dirty="0" smtClean="0"/>
+              <a:t>WindSpeedMeasurement </a:t>
+            </a:r>
+          </a:p>
+          <a:p>
+            <a:r>
+              <a:rPr lang="en-GB" sz="600" dirty="0" smtClean="0"/>
+              <a:t>  </a:t>
+            </a:r>
+            <a:r>
+              <a:rPr lang="en-GB" sz="600" b="1" dirty="0" smtClean="0"/>
+              <a:t>virtualStream</a:t>
+            </a:r>
+            <a:r>
+              <a:rPr lang="en-GB" sz="600" dirty="0" smtClean="0"/>
+              <a:t> &lt;http://ssg4env.eu/Readings.srdf&gt; </a:t>
+            </a:r>
+          </a:p>
+          <a:p>
+            <a:r>
+              <a:rPr lang="en-GB" sz="600" dirty="0" smtClean="0"/>
+              <a:t>  </a:t>
+            </a:r>
+            <a:r>
+              <a:rPr lang="en-GB" sz="600" b="1" dirty="0" smtClean="0"/>
+              <a:t>uri-as</a:t>
+            </a:r>
+            <a:r>
+              <a:rPr lang="en-GB" sz="600" dirty="0" smtClean="0"/>
+              <a:t> concat('ssg4env:WindSM_',</a:t>
+            </a:r>
+          </a:p>
+          <a:p>
+            <a:r>
+              <a:rPr lang="en-GB" sz="600" dirty="0" smtClean="0"/>
+              <a:t>             windsamples.sensorid,windsamples.ts) </a:t>
+            </a:r>
+          </a:p>
+          <a:p>
+            <a:r>
+              <a:rPr lang="en-GB" sz="600" b="1" dirty="0" smtClean="0"/>
+              <a:t>  attributemap-def</a:t>
+            </a:r>
+            <a:r>
+              <a:rPr lang="en-GB" sz="600" dirty="0" smtClean="0"/>
+              <a:t> hasSpeed   </a:t>
+            </a:r>
+          </a:p>
+          <a:p>
+            <a:r>
+              <a:rPr lang="en-GB" sz="600" dirty="0" smtClean="0"/>
+              <a:t>     </a:t>
+            </a:r>
+            <a:r>
+              <a:rPr lang="en-GB" sz="600" b="1" dirty="0" smtClean="0"/>
+              <a:t>operation</a:t>
+            </a:r>
+            <a:r>
+              <a:rPr lang="en-GB" sz="600" dirty="0" smtClean="0"/>
+              <a:t> constant     </a:t>
+            </a:r>
+          </a:p>
+          <a:p>
+            <a:r>
+              <a:rPr lang="en-GB" sz="600" dirty="0" smtClean="0"/>
+              <a:t>        </a:t>
+            </a:r>
+            <a:r>
+              <a:rPr lang="en-GB" sz="600" b="1" dirty="0" smtClean="0"/>
+              <a:t>has-column</a:t>
+            </a:r>
+            <a:r>
+              <a:rPr lang="en-GB" sz="600" dirty="0" smtClean="0"/>
+              <a:t> windsamples.speed  </a:t>
+            </a:r>
+          </a:p>
+          <a:p>
+            <a:r>
+              <a:rPr lang="en-GB" sz="600" dirty="0" smtClean="0"/>
+              <a:t>  </a:t>
+            </a:r>
+            <a:r>
+              <a:rPr lang="en-GB" sz="600" b="1" dirty="0" smtClean="0"/>
+              <a:t>dbrelationmap-def</a:t>
+            </a:r>
+            <a:r>
+              <a:rPr lang="en-GB" sz="600" dirty="0" smtClean="0"/>
+              <a:t> isProducedBy </a:t>
+            </a:r>
+          </a:p>
+          <a:p>
+            <a:r>
+              <a:rPr lang="en-GB" sz="600" dirty="0" smtClean="0"/>
+              <a:t>     </a:t>
+            </a:r>
+            <a:r>
+              <a:rPr lang="en-GB" sz="600" b="1" dirty="0" smtClean="0"/>
+              <a:t>toConcept</a:t>
+            </a:r>
+            <a:r>
+              <a:rPr lang="en-GB" sz="600" dirty="0" smtClean="0"/>
+              <a:t> Sensor   </a:t>
+            </a:r>
+          </a:p>
+          <a:p>
+            <a:r>
+              <a:rPr lang="en-GB" sz="600" dirty="0" smtClean="0"/>
+              <a:t>     </a:t>
+            </a:r>
+            <a:r>
+              <a:rPr lang="en-GB" sz="600" b="1" dirty="0" smtClean="0"/>
+              <a:t>joins-via</a:t>
+            </a:r>
+            <a:r>
+              <a:rPr lang="en-GB" sz="600" dirty="0" smtClean="0"/>
+              <a:t> condition equals      </a:t>
+            </a:r>
+          </a:p>
+          <a:p>
+            <a:r>
+              <a:rPr lang="en-GB" sz="600" dirty="0" smtClean="0"/>
+              <a:t>        </a:t>
+            </a:r>
+            <a:r>
+              <a:rPr lang="en-GB" sz="600" b="1" dirty="0" smtClean="0"/>
+              <a:t>has-column</a:t>
+            </a:r>
+            <a:r>
+              <a:rPr lang="en-GB" sz="600" dirty="0" smtClean="0"/>
+              <a:t> sensors.sensorid      </a:t>
+            </a:r>
+          </a:p>
+          <a:p>
+            <a:r>
+              <a:rPr lang="en-GB" sz="600" dirty="0" smtClean="0"/>
+              <a:t>        </a:t>
+            </a:r>
+            <a:r>
+              <a:rPr lang="en-GB" sz="600" b="1" dirty="0" smtClean="0"/>
+              <a:t>has-column</a:t>
+            </a:r>
+            <a:r>
+              <a:rPr lang="en-GB" sz="600" dirty="0" smtClean="0"/>
+              <a:t> windsamples.sensorid</a:t>
+            </a:r>
+          </a:p>
+          <a:p>
+            <a:endParaRPr lang="en-GB" sz="600" dirty="0" smtClean="0"/>
+          </a:p>
+          <a:p>
+            <a:r>
+              <a:rPr lang="en-GB" sz="600" b="1" dirty="0" smtClean="0"/>
+              <a:t>conceptmap-def </a:t>
+            </a:r>
+            <a:r>
+              <a:rPr lang="en-GB" sz="600" dirty="0" smtClean="0"/>
+              <a:t>Sensor </a:t>
+            </a:r>
+          </a:p>
+          <a:p>
+            <a:r>
+              <a:rPr lang="en-GB" sz="600" dirty="0" smtClean="0"/>
+              <a:t>  </a:t>
+            </a:r>
+            <a:r>
+              <a:rPr lang="en-GB" sz="600" b="1" dirty="0" smtClean="0"/>
+              <a:t>uri-as</a:t>
+            </a:r>
+            <a:r>
+              <a:rPr lang="en-GB" sz="600" dirty="0" smtClean="0"/>
+              <a:t> concat('ssg4env:Sensor_',sensors.sensorid) </a:t>
+            </a:r>
+          </a:p>
+          <a:p>
+            <a:r>
+              <a:rPr lang="en-GB" sz="600" b="1" dirty="0" smtClean="0"/>
+              <a:t>  attributemap-def</a:t>
+            </a:r>
+            <a:r>
+              <a:rPr lang="en-GB" sz="600" dirty="0" smtClean="0"/>
+              <a:t> hasSensorid   </a:t>
+            </a:r>
+          </a:p>
+          <a:p>
+            <a:r>
+              <a:rPr lang="en-GB" sz="600" dirty="0" smtClean="0"/>
+              <a:t>    </a:t>
+            </a:r>
+            <a:r>
+              <a:rPr lang="en-GB" sz="600" b="1" dirty="0" smtClean="0"/>
+              <a:t>operation </a:t>
+            </a:r>
+            <a:r>
+              <a:rPr lang="en-GB" sz="600" dirty="0" smtClean="0"/>
+              <a:t>constant     </a:t>
+            </a:r>
+          </a:p>
+          <a:p>
+            <a:r>
+              <a:rPr lang="en-GB" sz="600" dirty="0" smtClean="0"/>
+              <a:t>       </a:t>
+            </a:r>
+            <a:r>
+              <a:rPr lang="en-GB" sz="600" b="1" dirty="0" smtClean="0"/>
+              <a:t>has-column</a:t>
+            </a:r>
+            <a:r>
+              <a:rPr lang="en-GB" sz="600" dirty="0" smtClean="0"/>
+              <a:t> sensors.sensorid</a:t>
+            </a:r>
+            <a:endParaRPr lang="en-GB" sz="600" dirty="0"/>
+          </a:p>
+        </p:txBody>
+      </p:sp>
+      <p:sp>
+        <p:nvSpPr>
+          <p:cNvPr id="40" name="39 CuadroTexto"/>
+          <p:cNvSpPr txBox="1"/>
+          <p:nvPr/>
+        </p:nvSpPr>
+        <p:spPr>
+          <a:xfrm>
+            <a:off x="5214942" y="2214554"/>
+            <a:ext cx="814646" cy="215444"/>
+          </a:xfrm>
+          <a:prstGeom prst="rect">
+            <a:avLst/>
+          </a:prstGeom>
+          <a:noFill/>
+        </p:spPr>
+        <p:txBody>
+          <a:bodyPr wrap="square" rtlCol="0">
+            <a:spAutoFit/>
+          </a:bodyPr>
+          <a:lstStyle/>
+          <a:p>
+            <a:pPr algn="ctr"/>
+            <a:r>
+              <a:rPr lang="en-GB" sz="800" dirty="0" smtClean="0"/>
+              <a:t>xsd:float</a:t>
+            </a:r>
+            <a:endParaRPr lang="en-GB" sz="800" dirty="0"/>
+          </a:p>
+        </p:txBody>
+      </p:sp>
+      <p:cxnSp>
+        <p:nvCxnSpPr>
+          <p:cNvPr id="41" name="40 Conector recto de flecha"/>
+          <p:cNvCxnSpPr/>
+          <p:nvPr/>
+        </p:nvCxnSpPr>
+        <p:spPr bwMode="auto">
+          <a:xfrm rot="16200000" flipH="1">
+            <a:off x="5286380" y="2000240"/>
+            <a:ext cx="285752" cy="142876"/>
+          </a:xfrm>
+          <a:prstGeom prst="straightConnector1">
+            <a:avLst/>
+          </a:prstGeom>
+          <a:noFill/>
+          <a:ln w="9525" cap="flat" cmpd="sng" algn="ctr">
+            <a:solidFill>
+              <a:schemeClr val="tx1"/>
+            </a:solidFill>
+            <a:prstDash val="dash"/>
+            <a:round/>
+            <a:headEnd type="none" w="med" len="med"/>
+            <a:tailEnd type="arrow"/>
+          </a:ln>
+          <a:effectLst/>
+        </p:spPr>
+      </p:cxnSp>
+      <p:cxnSp>
+        <p:nvCxnSpPr>
+          <p:cNvPr id="46" name="45 Conector recto de flecha"/>
+          <p:cNvCxnSpPr/>
+          <p:nvPr/>
+        </p:nvCxnSpPr>
+        <p:spPr bwMode="auto">
+          <a:xfrm rot="16200000" flipH="1">
+            <a:off x="5143504" y="2714620"/>
+            <a:ext cx="285752" cy="285752"/>
+          </a:xfrm>
+          <a:prstGeom prst="straightConnector1">
+            <a:avLst/>
+          </a:prstGeom>
+          <a:noFill/>
+          <a:ln w="9525" cap="flat" cmpd="sng" algn="ctr">
+            <a:solidFill>
+              <a:schemeClr val="tx1"/>
+            </a:solidFill>
+            <a:prstDash val="dash"/>
+            <a:round/>
+            <a:headEnd type="none" w="med" len="med"/>
+            <a:tailEnd type="arrow"/>
+          </a:ln>
+          <a:effectLst/>
+        </p:spPr>
+      </p:cxnSp>
+      <p:sp>
+        <p:nvSpPr>
+          <p:cNvPr id="48" name="47 CuadroTexto"/>
+          <p:cNvSpPr txBox="1"/>
+          <p:nvPr/>
+        </p:nvSpPr>
+        <p:spPr>
+          <a:xfrm>
+            <a:off x="5143504" y="2714620"/>
+            <a:ext cx="814646" cy="215444"/>
+          </a:xfrm>
+          <a:prstGeom prst="rect">
+            <a:avLst/>
+          </a:prstGeom>
+          <a:noFill/>
+        </p:spPr>
+        <p:txBody>
+          <a:bodyPr wrap="square" rtlCol="0">
+            <a:spAutoFit/>
+          </a:bodyPr>
+          <a:lstStyle/>
+          <a:p>
+            <a:pPr algn="ctr"/>
+            <a:r>
+              <a:rPr lang="en-GB" sz="800" dirty="0" smtClean="0"/>
+              <a:t>hasSensorid</a:t>
+            </a:r>
+            <a:endParaRPr lang="en-GB" sz="800" dirty="0"/>
+          </a:p>
+        </p:txBody>
+      </p:sp>
+      <p:sp>
+        <p:nvSpPr>
+          <p:cNvPr id="50" name="49 Flecha izquierda y derecha"/>
+          <p:cNvSpPr/>
+          <p:nvPr/>
+        </p:nvSpPr>
+        <p:spPr>
+          <a:xfrm>
+            <a:off x="2071670" y="2357430"/>
+            <a:ext cx="385762" cy="223854"/>
+          </a:xfrm>
+          <a:prstGeom prst="leftRightArrow">
+            <a:avLst/>
+          </a:prstGeom>
+          <a:solidFill>
+            <a:schemeClr val="bg1">
+              <a:lumMod val="65000"/>
+            </a:schemeClr>
+          </a:solidFill>
+          <a:ln>
+            <a:solidFill>
+              <a:schemeClr val="tx1">
+                <a:lumMod val="65000"/>
+                <a:lumOff val="35000"/>
+              </a:schemeClr>
+            </a:solidFill>
+          </a:ln>
+        </p:spPr>
+        <p:style>
+          <a:lnRef idx="2">
+            <a:schemeClr val="accent1">
+              <a:shade val="50000"/>
+            </a:schemeClr>
+          </a:lnRef>
+          <a:fillRef idx="1">
+            <a:schemeClr val="accent1"/>
+          </a:fillRef>
+          <a:effectRef idx="0">
+            <a:schemeClr val="accent1"/>
+          </a:effectRef>
+          <a:fontRef idx="minor">
+            <a:schemeClr val="lt1"/>
+          </a:fontRef>
+        </p:style>
+        <p:txBody>
+          <a:bodyPr rtlCol="0" anchor="ctr"/>
+          <a:lstStyle/>
+          <a:p>
+            <a:pPr algn="ctr"/>
+            <a:endParaRPr lang="en-GB"/>
+          </a:p>
+        </p:txBody>
+      </p:sp>
+      <p:sp>
+        <p:nvSpPr>
+          <p:cNvPr id="51" name="50 Flecha izquierda y derecha"/>
+          <p:cNvSpPr/>
+          <p:nvPr/>
+        </p:nvSpPr>
+        <p:spPr>
+          <a:xfrm>
+            <a:off x="3857620" y="2357430"/>
+            <a:ext cx="385762" cy="223854"/>
+          </a:xfrm>
+          <a:prstGeom prst="leftRightArrow">
+            <a:avLst/>
+          </a:prstGeom>
+          <a:solidFill>
+            <a:schemeClr val="bg1">
+              <a:lumMod val="65000"/>
+            </a:schemeClr>
+          </a:solidFill>
+          <a:ln>
+            <a:solidFill>
+              <a:schemeClr val="tx1">
+                <a:lumMod val="65000"/>
+                <a:lumOff val="35000"/>
+              </a:schemeClr>
+            </a:solidFill>
+          </a:ln>
+        </p:spPr>
+        <p:style>
+          <a:lnRef idx="2">
+            <a:schemeClr val="accent1">
+              <a:shade val="50000"/>
+            </a:schemeClr>
+          </a:lnRef>
+          <a:fillRef idx="1">
+            <a:schemeClr val="accent1"/>
+          </a:fillRef>
+          <a:effectRef idx="0">
+            <a:schemeClr val="accent1"/>
+          </a:effectRef>
+          <a:fontRef idx="minor">
+            <a:schemeClr val="lt1"/>
+          </a:fontRef>
+        </p:style>
+        <p:txBody>
+          <a:bodyPr rtlCol="0" anchor="ctr"/>
+          <a:lstStyle/>
+          <a:p>
+            <a:pPr algn="ctr"/>
+            <a:endParaRPr lang="en-GB"/>
+          </a:p>
+        </p:txBody>
+      </p:sp>
+      <p:sp>
+        <p:nvSpPr>
+          <p:cNvPr id="52" name="51 CuadroTexto"/>
+          <p:cNvSpPr txBox="1"/>
+          <p:nvPr/>
+        </p:nvSpPr>
+        <p:spPr>
+          <a:xfrm>
+            <a:off x="4500562" y="3214686"/>
+            <a:ext cx="1143008" cy="246221"/>
+          </a:xfrm>
+          <a:prstGeom prst="rect">
+            <a:avLst/>
+          </a:prstGeom>
+          <a:noFill/>
+        </p:spPr>
+        <p:txBody>
+          <a:bodyPr wrap="square" rtlCol="0">
+            <a:spAutoFit/>
+          </a:bodyPr>
+          <a:lstStyle/>
+          <a:p>
+            <a:pPr algn="ctr"/>
+            <a:r>
+              <a:rPr lang="en-GB" sz="1000" dirty="0" smtClean="0"/>
+              <a:t>Ontologies</a:t>
+            </a:r>
+            <a:endParaRPr lang="en-GB" sz="1000" dirty="0"/>
+          </a:p>
+        </p:txBody>
+      </p:sp>
+      <p:sp>
+        <p:nvSpPr>
+          <p:cNvPr id="53" name="52 CuadroTexto"/>
+          <p:cNvSpPr txBox="1"/>
+          <p:nvPr/>
+        </p:nvSpPr>
+        <p:spPr>
+          <a:xfrm>
+            <a:off x="1214414" y="3214686"/>
+            <a:ext cx="814646" cy="246221"/>
+          </a:xfrm>
+          <a:prstGeom prst="rect">
+            <a:avLst/>
+          </a:prstGeom>
+          <a:noFill/>
+        </p:spPr>
+        <p:txBody>
+          <a:bodyPr wrap="square" rtlCol="0">
+            <a:spAutoFit/>
+          </a:bodyPr>
+          <a:lstStyle/>
+          <a:p>
+            <a:pPr algn="ctr"/>
+            <a:r>
+              <a:rPr lang="en-GB" sz="1000" dirty="0" smtClean="0"/>
+              <a:t>Streams</a:t>
+            </a:r>
+            <a:endParaRPr lang="en-GB" sz="1000" dirty="0"/>
+          </a:p>
+        </p:txBody>
+      </p:sp>
+      <p:sp>
+        <p:nvSpPr>
+          <p:cNvPr id="54" name="53 CuadroTexto"/>
+          <p:cNvSpPr txBox="1"/>
+          <p:nvPr/>
+        </p:nvSpPr>
+        <p:spPr>
+          <a:xfrm>
+            <a:off x="2643174" y="3214686"/>
+            <a:ext cx="1143008" cy="246221"/>
+          </a:xfrm>
+          <a:prstGeom prst="rect">
+            <a:avLst/>
+          </a:prstGeom>
+          <a:noFill/>
+        </p:spPr>
+        <p:txBody>
+          <a:bodyPr wrap="square" rtlCol="0">
+            <a:spAutoFit/>
+          </a:bodyPr>
+          <a:lstStyle/>
+          <a:p>
+            <a:pPr algn="ctr"/>
+            <a:r>
+              <a:rPr lang="en-GB" sz="1000" dirty="0" smtClean="0"/>
+              <a:t>S</a:t>
+            </a:r>
+            <a:r>
+              <a:rPr lang="en-GB" sz="1000" baseline="-25000" dirty="0" smtClean="0"/>
+              <a:t>2</a:t>
+            </a:r>
+            <a:r>
+              <a:rPr lang="en-GB" sz="1000" dirty="0" smtClean="0"/>
+              <a:t>O Mapping</a:t>
+            </a:r>
+            <a:endParaRPr lang="en-GB" sz="1000" dirty="0"/>
           </a:p>
         </p:txBody>
       </p:sp>
@@ -9838,6 +11897,13 @@
   <p:clrMapOvr>
     <a:masterClrMapping/>
   </p:clrMapOvr>
+  <p:timing>
+    <p:tnLst>
+      <p:par>
+        <p:cTn id="1" dur="indefinite" restart="never" nodeType="tmRoot"/>
+      </p:par>
+    </p:tnLst>
+  </p:timing>
 </p:sld>
 </file>
 
@@ -10018,30 +12084,10 @@
           <a:lstStyle/>
           <a:p>
             <a:r>
-              <a:rPr lang="es-ES" dirty="0" err="1" smtClean="0"/>
-              <a:t>Thru</a:t>
-            </a:r>
-            <a:r>
-              <a:rPr lang="es-ES" dirty="0" smtClean="0"/>
-              <a:t> </a:t>
-            </a:r>
-            <a:r>
-              <a:rPr lang="es-ES" dirty="0" err="1" smtClean="0"/>
-              <a:t>the</a:t>
-            </a:r>
-            <a:r>
-              <a:rPr lang="es-ES" dirty="0" smtClean="0"/>
-              <a:t> </a:t>
-            </a:r>
-            <a:r>
-              <a:rPr lang="es-ES" dirty="0" err="1" smtClean="0"/>
-              <a:t>example</a:t>
-            </a:r>
-            <a:r>
-              <a:rPr lang="es-ES" dirty="0" smtClean="0"/>
-              <a:t>…</a:t>
-            </a:r>
-            <a:endParaRPr lang="es-ES" dirty="0"/>
+              <a:rPr lang="en-GB" dirty="0" smtClean="0"/>
+              <a:t>Extras</a:t>
+            </a:r>
+            <a:endParaRPr lang="en-GB" dirty="0"/>
           </a:p>
         </p:txBody>
       </p:sp>
@@ -10060,169 +12106,7 @@
           <a:bodyPr/>
           <a:lstStyle/>
           <a:p>
-            <a:r>
-              <a:rPr lang="es-ES" dirty="0" err="1" smtClean="0"/>
-              <a:t>Consider</a:t>
-            </a:r>
-            <a:r>
-              <a:rPr lang="es-ES" dirty="0" smtClean="0"/>
-              <a:t> a simple </a:t>
-            </a:r>
-            <a:r>
-              <a:rPr lang="es-ES" dirty="0" err="1" smtClean="0"/>
-              <a:t>query</a:t>
-            </a:r>
-            <a:r>
-              <a:rPr lang="es-ES" dirty="0" smtClean="0"/>
-              <a:t>: </a:t>
-            </a:r>
-            <a:r>
-              <a:rPr lang="es-ES" dirty="0" err="1" smtClean="0"/>
-              <a:t>obtain</a:t>
-            </a:r>
-            <a:r>
-              <a:rPr lang="es-ES" dirty="0" smtClean="0"/>
-              <a:t> </a:t>
-            </a:r>
-            <a:r>
-              <a:rPr lang="es-ES" dirty="0" err="1" smtClean="0"/>
-              <a:t>the</a:t>
-            </a:r>
-            <a:r>
-              <a:rPr lang="es-ES" dirty="0" smtClean="0"/>
-              <a:t> </a:t>
-            </a:r>
-            <a:r>
-              <a:rPr lang="es-ES" dirty="0" err="1" smtClean="0"/>
-              <a:t>current</a:t>
-            </a:r>
-            <a:r>
-              <a:rPr lang="es-ES" dirty="0" smtClean="0"/>
-              <a:t> </a:t>
-            </a:r>
-            <a:r>
-              <a:rPr lang="es-ES" dirty="0" err="1" smtClean="0"/>
-              <a:t>measured</a:t>
-            </a:r>
-            <a:r>
-              <a:rPr lang="es-ES" dirty="0" smtClean="0"/>
-              <a:t> </a:t>
-            </a:r>
-            <a:r>
-              <a:rPr lang="es-ES" dirty="0" err="1" smtClean="0"/>
-              <a:t>wind</a:t>
-            </a:r>
-            <a:r>
-              <a:rPr lang="es-ES" dirty="0" smtClean="0"/>
-              <a:t> </a:t>
-            </a:r>
-            <a:r>
-              <a:rPr lang="es-ES" dirty="0" err="1" smtClean="0"/>
-              <a:t>speed</a:t>
-            </a:r>
-            <a:r>
-              <a:rPr lang="es-ES" dirty="0" smtClean="0"/>
-              <a:t> and </a:t>
-            </a:r>
-            <a:r>
-              <a:rPr lang="es-ES" dirty="0" err="1" smtClean="0"/>
-              <a:t>direction</a:t>
-            </a:r>
-            <a:r>
-              <a:rPr lang="es-ES" dirty="0" smtClean="0"/>
-              <a:t>, </a:t>
-            </a:r>
-            <a:r>
-              <a:rPr lang="es-ES" dirty="0" err="1" smtClean="0"/>
-              <a:t>measurement</a:t>
-            </a:r>
-            <a:r>
-              <a:rPr lang="es-ES" dirty="0" smtClean="0"/>
-              <a:t> time and sensor </a:t>
-            </a:r>
-            <a:r>
-              <a:rPr lang="es-ES" dirty="0" err="1" smtClean="0"/>
-              <a:t>location</a:t>
-            </a:r>
-            <a:r>
-              <a:rPr lang="es-ES" dirty="0" smtClean="0"/>
-              <a:t>.</a:t>
-            </a:r>
-          </a:p>
-          <a:p>
-            <a:r>
-              <a:rPr lang="es-ES" dirty="0" err="1" smtClean="0"/>
-              <a:t>Speed</a:t>
-            </a:r>
-            <a:r>
-              <a:rPr lang="es-ES" dirty="0" smtClean="0"/>
-              <a:t> and </a:t>
-            </a:r>
-            <a:r>
-              <a:rPr lang="es-ES" dirty="0" err="1" smtClean="0"/>
-              <a:t>direction</a:t>
-            </a:r>
-            <a:r>
-              <a:rPr lang="es-ES" dirty="0" smtClean="0"/>
-              <a:t> </a:t>
-            </a:r>
-            <a:r>
-              <a:rPr lang="es-ES" dirty="0" err="1" smtClean="0"/>
-              <a:t>retrieved</a:t>
-            </a:r>
-            <a:r>
-              <a:rPr lang="es-ES" dirty="0" smtClean="0"/>
-              <a:t> </a:t>
-            </a:r>
-            <a:r>
-              <a:rPr lang="es-ES" dirty="0" err="1" smtClean="0"/>
-              <a:t>from</a:t>
-            </a:r>
-            <a:r>
-              <a:rPr lang="es-ES" dirty="0" smtClean="0"/>
-              <a:t> sensor </a:t>
-            </a:r>
-            <a:r>
-              <a:rPr lang="es-ES" dirty="0" err="1" smtClean="0"/>
-              <a:t>network</a:t>
-            </a:r>
-            <a:r>
-              <a:rPr lang="es-ES" dirty="0" smtClean="0"/>
-              <a:t>. Sensor </a:t>
-            </a:r>
-            <a:r>
-              <a:rPr lang="es-ES" dirty="0" err="1" smtClean="0"/>
-              <a:t>location</a:t>
-            </a:r>
-            <a:r>
-              <a:rPr lang="es-ES" dirty="0" smtClean="0"/>
-              <a:t> </a:t>
-            </a:r>
-            <a:r>
-              <a:rPr lang="es-ES" dirty="0" err="1" smtClean="0"/>
-              <a:t>found</a:t>
-            </a:r>
-            <a:r>
-              <a:rPr lang="es-ES" dirty="0" smtClean="0"/>
-              <a:t> </a:t>
-            </a:r>
-            <a:r>
-              <a:rPr lang="es-ES" dirty="0" err="1" smtClean="0"/>
-              <a:t>on</a:t>
-            </a:r>
-            <a:r>
-              <a:rPr lang="es-ES" dirty="0" smtClean="0"/>
-              <a:t> a </a:t>
-            </a:r>
-            <a:r>
-              <a:rPr lang="es-ES" dirty="0" err="1" smtClean="0"/>
-              <a:t>table</a:t>
-            </a:r>
-            <a:r>
-              <a:rPr lang="es-ES" dirty="0" smtClean="0"/>
-              <a:t>.</a:t>
-            </a:r>
-            <a:endParaRPr lang="es-ES" dirty="0"/>
+            <a:endParaRPr lang="en-GB" dirty="0"/>
           </a:p>
         </p:txBody>
       </p:sp>
@@ -10231,13 +12115,6 @@
   <p:clrMapOvr>
     <a:masterClrMapping/>
   </p:clrMapOvr>
-  <p:timing>
-    <p:tnLst>
-      <p:par>
-        <p:cTn id="1" dur="indefinite" restart="never" nodeType="tmRoot"/>
-      </p:par>
-    </p:tnLst>
-  </p:timing>
 </p:sld>
 </file>
 
@@ -10274,12 +12151,8 @@
           <a:lstStyle/>
           <a:p>
             <a:r>
-              <a:rPr lang="es-ES" dirty="0" smtClean="0"/>
-              <a:t>SPARQL</a:t>
-            </a:r>
-            <a:r>
-              <a:rPr lang="es-ES" baseline="-25000" dirty="0" smtClean="0"/>
-              <a:t>STR</a:t>
+              <a:rPr lang="es-ES" dirty="0" err="1" smtClean="0"/>
+              <a:t>Thru</a:t>
             </a:r>
             <a:r>
               <a:rPr lang="es-ES" dirty="0" smtClean="0"/>
@@ -10287,9 +12160,21 @@
             </a:r>
             <a:r>
               <a:rPr lang="es-ES" dirty="0" err="1" smtClean="0"/>
-              <a:t>Query</a:t>
-            </a:r>
-            <a:endParaRPr lang="es-ES" baseline="-25000" dirty="0"/>
+              <a:t>the</a:t>
+            </a:r>
+            <a:r>
+              <a:rPr lang="es-ES" dirty="0" smtClean="0"/>
+              <a:t> </a:t>
+            </a:r>
+            <a:r>
+              <a:rPr lang="es-ES" dirty="0" err="1" smtClean="0"/>
+              <a:t>example</a:t>
+            </a:r>
+            <a:r>
+              <a:rPr lang="es-ES" dirty="0" smtClean="0"/>
+              <a:t>…</a:t>
+            </a:r>
+            <a:endParaRPr lang="es-ES" dirty="0"/>
           </a:p>
         </p:txBody>
       </p:sp>
@@ -10310,7 +12195,23 @@
           <a:p>
             <a:r>
               <a:rPr lang="es-ES" dirty="0" err="1" smtClean="0"/>
-              <a:t>Not</a:t>
+              <a:t>Consider</a:t>
+            </a:r>
+            <a:r>
+              <a:rPr lang="es-ES" dirty="0" smtClean="0"/>
+              <a:t> a simple </a:t>
+            </a:r>
+            <a:r>
+              <a:rPr lang="es-ES" dirty="0" err="1" smtClean="0"/>
+              <a:t>query</a:t>
+            </a:r>
+            <a:r>
+              <a:rPr lang="es-ES" dirty="0" smtClean="0"/>
+              <a:t>: </a:t>
+            </a:r>
+            <a:r>
+              <a:rPr lang="es-ES" dirty="0" err="1" smtClean="0"/>
+              <a:t>obtain</a:t>
             </a:r>
             <a:r>
               <a:rPr lang="es-ES" dirty="0" smtClean="0"/>
@@ -10318,7 +12219,7 @@
             </a:r>
             <a:r>
               <a:rPr lang="es-ES" dirty="0" err="1" smtClean="0"/>
-              <a:t>restricted</a:t>
+              <a:t>the</a:t>
             </a:r>
             <a:r>
               <a:rPr lang="es-ES" dirty="0" smtClean="0"/>
@@ -10326,15 +12227,7 @@
             </a:r>
             <a:r>
               <a:rPr lang="es-ES" dirty="0" err="1" smtClean="0"/>
-              <a:t>to</a:t>
-            </a:r>
-            <a:r>
-              <a:rPr lang="es-ES" dirty="0" smtClean="0"/>
-              <a:t> C-SPARQL </a:t>
-            </a:r>
-            <a:r>
-              <a:rPr lang="es-ES" dirty="0" err="1" smtClean="0"/>
-              <a:t>or</a:t>
+              <a:t>current</a:t>
             </a:r>
             <a:r>
               <a:rPr lang="es-ES" dirty="0" smtClean="0"/>
@@ -10342,41 +12235,7 @@
             </a:r>
             <a:r>
               <a:rPr lang="es-ES" dirty="0" err="1" smtClean="0"/>
-              <a:t>Streaming</a:t>
-            </a:r>
-            <a:r>
-              <a:rPr lang="es-ES" dirty="0" smtClean="0"/>
-              <a:t> SPARQL </a:t>
-            </a:r>
-            <a:r>
-              <a:rPr lang="es-ES" dirty="0" err="1" smtClean="0"/>
-              <a:t>limitations</a:t>
-            </a:r>
-            <a:r>
-              <a:rPr lang="es-ES" dirty="0" smtClean="0"/>
-              <a:t> (no </a:t>
-            </a:r>
-            <a:r>
-              <a:rPr lang="es-ES" dirty="0" err="1" smtClean="0"/>
-              <a:t>reason</a:t>
-            </a:r>
-            <a:r>
-              <a:rPr lang="es-ES" dirty="0" smtClean="0"/>
-              <a:t>)</a:t>
-            </a:r>
-          </a:p>
-          <a:p>
-            <a:r>
-              <a:rPr lang="es-ES" dirty="0" err="1" smtClean="0"/>
-              <a:t>Join</a:t>
-            </a:r>
-            <a:r>
-              <a:rPr lang="es-ES" dirty="0" smtClean="0"/>
-              <a:t> of </a:t>
-            </a:r>
-            <a:r>
-              <a:rPr lang="es-ES" dirty="0" err="1" smtClean="0"/>
-              <a:t>two</a:t>
+              <a:t>measured</a:t>
             </a:r>
             <a:r>
               <a:rPr lang="es-ES" dirty="0" smtClean="0"/>
@@ -10384,7 +12243,7 @@
             </a:r>
             <a:r>
               <a:rPr lang="es-ES" dirty="0" err="1" smtClean="0"/>
-              <a:t>distributed</a:t>
+              <a:t>wind</a:t>
             </a:r>
             <a:r>
               <a:rPr lang="es-ES" dirty="0" smtClean="0"/>
@@ -10392,22 +12251,7 @@
             </a:r>
             <a:r>
               <a:rPr lang="es-ES" dirty="0" err="1" smtClean="0"/>
-              <a:t>sources</a:t>
-            </a:r>
-            <a:endParaRPr lang="es-ES" dirty="0" smtClean="0"/>
-          </a:p>
-          <a:p>
-            <a:r>
-              <a:rPr lang="es-ES" dirty="0" err="1" smtClean="0"/>
-              <a:t>Join</a:t>
-            </a:r>
-            <a:r>
-              <a:rPr lang="es-ES" dirty="0" smtClean="0"/>
-              <a:t> of </a:t>
-            </a:r>
-            <a:r>
-              <a:rPr lang="es-ES" dirty="0" err="1" smtClean="0"/>
-              <a:t>stream</a:t>
+              <a:t>speed</a:t>
             </a:r>
             <a:r>
               <a:rPr lang="es-ES" dirty="0" smtClean="0"/>
@@ -10415,7 +12259,41 @@
             </a:r>
             <a:r>
               <a:rPr lang="es-ES" dirty="0" err="1" smtClean="0"/>
-              <a:t>stored</a:t>
+              <a:t>direction</a:t>
+            </a:r>
+            <a:r>
+              <a:rPr lang="es-ES" dirty="0" smtClean="0"/>
+              <a:t>, </a:t>
+            </a:r>
+            <a:r>
+              <a:rPr lang="es-ES" dirty="0" err="1" smtClean="0"/>
+              <a:t>measurement</a:t>
+            </a:r>
+            <a:r>
+              <a:rPr lang="es-ES" dirty="0" smtClean="0"/>
+              <a:t> time and sensor </a:t>
+            </a:r>
+            <a:r>
+              <a:rPr lang="es-ES" dirty="0" err="1" smtClean="0"/>
+              <a:t>location</a:t>
+            </a:r>
+            <a:r>
+              <a:rPr lang="es-ES" dirty="0" smtClean="0"/>
+              <a:t>.</a:t>
+            </a:r>
+          </a:p>
+          <a:p>
+            <a:r>
+              <a:rPr lang="es-ES" dirty="0" err="1" smtClean="0"/>
+              <a:t>Speed</a:t>
+            </a:r>
+            <a:r>
+              <a:rPr lang="es-ES" dirty="0" smtClean="0"/>
+              <a:t> and </a:t>
+            </a:r>
+            <a:r>
+              <a:rPr lang="es-ES" dirty="0" err="1" smtClean="0"/>
+              <a:t>direction</a:t>
             </a:r>
             <a:r>
               <a:rPr lang="es-ES" dirty="0" smtClean="0"/>
@@ -10423,237 +12301,60 @@
             </a:r>
             <a:r>
               <a:rPr lang="es-ES" dirty="0" err="1" smtClean="0"/>
-              <a:t>sources</a:t>
-            </a:r>
-            <a:endParaRPr lang="es-ES" dirty="0" smtClean="0"/>
-          </a:p>
-        </p:txBody>
-      </p:sp>
-      <p:sp>
-        <p:nvSpPr>
-          <p:cNvPr id="4" name="3 CuadroTexto"/>
-          <p:cNvSpPr txBox="1"/>
-          <p:nvPr/>
-        </p:nvSpPr>
-        <p:spPr>
-          <a:xfrm>
-            <a:off x="1643042" y="3857628"/>
-            <a:ext cx="5074018" cy="3139321"/>
-          </a:xfrm>
-          <a:prstGeom prst="rect">
-            <a:avLst/>
-          </a:prstGeom>
-          <a:noFill/>
-        </p:spPr>
-        <p:txBody>
-          <a:bodyPr wrap="none" rtlCol="0">
-            <a:spAutoFit/>
-          </a:bodyPr>
-          <a:lstStyle/>
-          <a:p>
+              <a:t>retrieved</a:t>
+            </a:r>
             <a:r>
               <a:rPr lang="es-ES" dirty="0" smtClean="0"/>
-              <a:t>REGISTER …</a:t>
-            </a:r>
-          </a:p>
-          <a:p>
+              <a:t> </a:t>
+            </a:r>
+            <a:r>
+              <a:rPr lang="es-ES" dirty="0" err="1" smtClean="0"/>
+              <a:t>from</a:t>
+            </a:r>
             <a:r>
               <a:rPr lang="es-ES" dirty="0" smtClean="0"/>
-              <a:t>PREFIX </a:t>
+              <a:t> sensor </a:t>
             </a:r>
             <a:r>
               <a:rPr lang="es-ES" dirty="0" err="1" smtClean="0"/>
-              <a:t>fire</a:t>
+              <a:t>network</a:t>
             </a:r>
             <a:r>
               <a:rPr lang="es-ES" dirty="0" smtClean="0"/>
-              <a:t> &lt;http://.../</a:t>
+              <a:t>. Sensor </a:t>
             </a:r>
             <a:r>
               <a:rPr lang="es-ES" dirty="0" err="1" smtClean="0"/>
-              <a:t>integratedOntology</a:t>
+              <a:t>location</a:t>
             </a:r>
             <a:r>
               <a:rPr lang="es-ES" dirty="0" smtClean="0"/>
-              <a:t>&gt;</a:t>
-            </a:r>
-          </a:p>
-          <a:p>
+              <a:t> </a:t>
+            </a:r>
+            <a:r>
+              <a:rPr lang="es-ES" dirty="0" err="1" smtClean="0"/>
+              <a:t>found</a:t>
+            </a:r>
             <a:r>
               <a:rPr lang="es-ES" dirty="0" smtClean="0"/>
-              <a:t>SELECT ?</a:t>
+              <a:t> </a:t>
             </a:r>
             <a:r>
               <a:rPr lang="es-ES" dirty="0" err="1" smtClean="0"/>
-              <a:t>long</a:t>
+              <a:t>on</a:t>
             </a:r>
             <a:r>
               <a:rPr lang="es-ES" dirty="0" smtClean="0"/>
-              <a:t> ?</a:t>
+              <a:t> a </a:t>
             </a:r>
             <a:r>
               <a:rPr lang="es-ES" dirty="0" err="1" smtClean="0"/>
-              <a:t>lat</a:t>
+              <a:t>table</a:t>
             </a:r>
             <a:r>
               <a:rPr lang="es-ES" dirty="0" smtClean="0"/>
-              <a:t> ?</a:t>
-            </a:r>
-            <a:r>
-              <a:rPr lang="es-ES" dirty="0" err="1" smtClean="0"/>
-              <a:t>speed</a:t>
-            </a:r>
-            <a:r>
-              <a:rPr lang="es-ES" dirty="0" smtClean="0"/>
-              <a:t> ?</a:t>
-            </a:r>
-            <a:r>
-              <a:rPr lang="es-ES" dirty="0" err="1" smtClean="0"/>
-              <a:t>dir</a:t>
-            </a:r>
-            <a:r>
-              <a:rPr lang="es-ES" dirty="0" smtClean="0"/>
-              <a:t> ?</a:t>
-            </a:r>
-            <a:r>
-              <a:rPr lang="es-ES" dirty="0" err="1" smtClean="0"/>
-              <a:t>ts</a:t>
-            </a:r>
-            <a:endParaRPr lang="es-ES" dirty="0" smtClean="0"/>
-          </a:p>
-          <a:p>
-            <a:r>
-              <a:rPr lang="es-ES" dirty="0" smtClean="0"/>
-              <a:t>FROM STREAM &lt;</a:t>
-            </a:r>
-            <a:r>
-              <a:rPr lang="es-ES" dirty="0" err="1" smtClean="0"/>
-              <a:t>integratedOntologicalView</a:t>
-            </a:r>
-            <a:r>
-              <a:rPr lang="es-ES" dirty="0" smtClean="0"/>
-              <a:t>&gt; [NOW]</a:t>
-            </a:r>
-          </a:p>
-          <a:p>
-            <a:r>
-              <a:rPr lang="es-ES" dirty="0" smtClean="0"/>
-              <a:t>WHERE { 	?id a </a:t>
-            </a:r>
-            <a:r>
-              <a:rPr lang="es-ES" dirty="0" err="1" smtClean="0"/>
-              <a:t>fire:WindSensor</a:t>
-            </a:r>
-            <a:r>
-              <a:rPr lang="es-ES" dirty="0" smtClean="0"/>
-              <a:t>;</a:t>
-            </a:r>
-          </a:p>
-          <a:p>
-            <a:r>
-              <a:rPr lang="es-ES" dirty="0" smtClean="0"/>
-              <a:t>	</a:t>
-            </a:r>
-            <a:r>
-              <a:rPr lang="es-ES" dirty="0" err="1" smtClean="0"/>
-              <a:t>fire:hasLong</a:t>
-            </a:r>
-            <a:r>
-              <a:rPr lang="es-ES" dirty="0" smtClean="0"/>
-              <a:t> ?</a:t>
-            </a:r>
-            <a:r>
-              <a:rPr lang="es-ES" dirty="0" err="1" smtClean="0"/>
-              <a:t>long</a:t>
-            </a:r>
-            <a:r>
-              <a:rPr lang="es-ES" dirty="0" smtClean="0"/>
-              <a:t>;</a:t>
-            </a:r>
-          </a:p>
-          <a:p>
-            <a:r>
-              <a:rPr lang="es-ES" dirty="0" smtClean="0"/>
-              <a:t>	</a:t>
-            </a:r>
-            <a:r>
-              <a:rPr lang="es-ES" dirty="0" err="1" smtClean="0"/>
-              <a:t>fire:hasLat</a:t>
-            </a:r>
-            <a:r>
-              <a:rPr lang="es-ES" dirty="0" smtClean="0"/>
-              <a:t> ?</a:t>
-            </a:r>
-            <a:r>
-              <a:rPr lang="es-ES" dirty="0" err="1" smtClean="0"/>
-              <a:t>lat</a:t>
-            </a:r>
-            <a:r>
-              <a:rPr lang="es-ES" dirty="0" smtClean="0"/>
-              <a:t>;</a:t>
-            </a:r>
-          </a:p>
-          <a:p>
-            <a:r>
-              <a:rPr lang="es-ES" dirty="0" smtClean="0"/>
-              <a:t>	</a:t>
-            </a:r>
-            <a:r>
-              <a:rPr lang="es-ES" dirty="0" err="1" smtClean="0"/>
-              <a:t>fire:hasSpeed</a:t>
-            </a:r>
-            <a:r>
-              <a:rPr lang="es-ES" dirty="0" smtClean="0"/>
-              <a:t> ?</a:t>
-            </a:r>
-            <a:r>
-              <a:rPr lang="es-ES" dirty="0" err="1" smtClean="0"/>
-              <a:t>speed</a:t>
-            </a:r>
-            <a:endParaRPr lang="es-ES" dirty="0" smtClean="0"/>
-          </a:p>
-          <a:p>
-            <a:r>
-              <a:rPr lang="es-ES" dirty="0" smtClean="0"/>
-              <a:t>	</a:t>
-            </a:r>
-            <a:r>
-              <a:rPr lang="es-ES" dirty="0" err="1" smtClean="0"/>
-              <a:t>fire:hasDir</a:t>
-            </a:r>
-            <a:r>
-              <a:rPr lang="es-ES" dirty="0" smtClean="0"/>
-              <a:t> ?</a:t>
-            </a:r>
-            <a:r>
-              <a:rPr lang="es-ES" dirty="0" err="1" smtClean="0"/>
-              <a:t>dir</a:t>
-            </a:r>
-            <a:endParaRPr lang="es-ES" dirty="0" smtClean="0"/>
-          </a:p>
-          <a:p>
-            <a:r>
-              <a:rPr lang="es-ES" dirty="0" smtClean="0"/>
-              <a:t>	</a:t>
-            </a:r>
-            <a:r>
-              <a:rPr lang="es-ES" dirty="0" err="1" smtClean="0"/>
-              <a:t>fire:hasTS</a:t>
-            </a:r>
-            <a:r>
-              <a:rPr lang="es-ES" dirty="0" smtClean="0"/>
-              <a:t> ?</a:t>
-            </a:r>
-            <a:r>
-              <a:rPr lang="es-ES" dirty="0" err="1" smtClean="0"/>
-              <a:t>ts</a:t>
-            </a:r>
-            <a:r>
-              <a:rPr lang="es-ES" dirty="0" smtClean="0"/>
-              <a:t>. }</a:t>
-            </a:r>
-          </a:p>
-          <a:p>
+              <a:t>.</a:t>
+            </a:r>
             <a:endParaRPr lang="es-ES" dirty="0"/>
           </a:p>
         </p:txBody>
@@ -10719,17 +12420,9 @@
             </a:r>
             <a:r>
               <a:rPr lang="es-ES" dirty="0" err="1" smtClean="0"/>
-              <a:t>on</a:t>
-            </a:r>
-            <a:r>
-              <a:rPr lang="es-ES" dirty="0" smtClean="0"/>
-              <a:t> Local </a:t>
-            </a:r>
-            <a:r>
-              <a:rPr lang="es-ES" dirty="0" err="1" smtClean="0"/>
-              <a:t>Ontologies</a:t>
-            </a:r>
-            <a:endParaRPr lang="es-ES" dirty="0"/>
+              <a:t>Query</a:t>
+            </a:r>
+            <a:endParaRPr lang="es-ES" baseline="-25000" dirty="0"/>
           </a:p>
         </p:txBody>
       </p:sp>
@@ -10748,7 +12441,124 @@
           <a:bodyPr/>
           <a:lstStyle/>
           <a:p>
-            <a:endParaRPr lang="es-ES" dirty="0"/>
+            <a:r>
+              <a:rPr lang="es-ES" dirty="0" err="1" smtClean="0"/>
+              <a:t>Not</a:t>
+            </a:r>
+            <a:r>
+              <a:rPr lang="es-ES" dirty="0" smtClean="0"/>
+              <a:t> </a:t>
+            </a:r>
+            <a:r>
+              <a:rPr lang="es-ES" dirty="0" err="1" smtClean="0"/>
+              <a:t>restricted</a:t>
+            </a:r>
+            <a:r>
+              <a:rPr lang="es-ES" dirty="0" smtClean="0"/>
+              <a:t> </a:t>
+            </a:r>
+            <a:r>
+              <a:rPr lang="es-ES" dirty="0" err="1" smtClean="0"/>
+              <a:t>to</a:t>
+            </a:r>
+            <a:r>
+              <a:rPr lang="es-ES" dirty="0" smtClean="0"/>
+              <a:t> C-SPARQL </a:t>
+            </a:r>
+            <a:r>
+              <a:rPr lang="es-ES" dirty="0" err="1" smtClean="0"/>
+              <a:t>or</a:t>
+            </a:r>
+            <a:r>
+              <a:rPr lang="es-ES" dirty="0" smtClean="0"/>
+              <a:t> </a:t>
+            </a:r>
+            <a:r>
+              <a:rPr lang="es-ES" dirty="0" err="1" smtClean="0"/>
+              <a:t>Streaming</a:t>
+            </a:r>
+            <a:r>
+              <a:rPr lang="es-ES" dirty="0" smtClean="0"/>
+              <a:t> SPARQL </a:t>
+            </a:r>
+            <a:r>
+              <a:rPr lang="es-ES" dirty="0" err="1" smtClean="0"/>
+              <a:t>limitations</a:t>
+            </a:r>
+            <a:r>
+              <a:rPr lang="es-ES" dirty="0" smtClean="0"/>
+              <a:t> (no </a:t>
+            </a:r>
+            <a:r>
+              <a:rPr lang="es-ES" dirty="0" err="1" smtClean="0"/>
+              <a:t>reason</a:t>
+            </a:r>
+            <a:r>
+              <a:rPr lang="es-ES" dirty="0" smtClean="0"/>
+              <a:t>)</a:t>
+            </a:r>
+          </a:p>
+          <a:p>
+            <a:r>
+              <a:rPr lang="es-ES" dirty="0" err="1" smtClean="0"/>
+              <a:t>Join</a:t>
+            </a:r>
+            <a:r>
+              <a:rPr lang="es-ES" dirty="0" smtClean="0"/>
+              <a:t> of </a:t>
+            </a:r>
+            <a:r>
+              <a:rPr lang="es-ES" dirty="0" err="1" smtClean="0"/>
+              <a:t>two</a:t>
+            </a:r>
+            <a:r>
+              <a:rPr lang="es-ES" dirty="0" smtClean="0"/>
+              <a:t> </a:t>
+            </a:r>
+            <a:r>
+              <a:rPr lang="es-ES" dirty="0" err="1" smtClean="0"/>
+              <a:t>distributed</a:t>
+            </a:r>
+            <a:r>
+              <a:rPr lang="es-ES" dirty="0" smtClean="0"/>
+              <a:t> </a:t>
+            </a:r>
+            <a:r>
+              <a:rPr lang="es-ES" dirty="0" err="1" smtClean="0"/>
+              <a:t>sources</a:t>
+            </a:r>
+            <a:endParaRPr lang="es-ES" dirty="0" smtClean="0"/>
+          </a:p>
+          <a:p>
+            <a:r>
+              <a:rPr lang="es-ES" dirty="0" err="1" smtClean="0"/>
+              <a:t>Join</a:t>
+            </a:r>
+            <a:r>
+              <a:rPr lang="es-ES" dirty="0" smtClean="0"/>
+              <a:t> of </a:t>
+            </a:r>
+            <a:r>
+              <a:rPr lang="es-ES" dirty="0" err="1" smtClean="0"/>
+              <a:t>stream</a:t>
+            </a:r>
+            <a:r>
+              <a:rPr lang="es-ES" dirty="0" smtClean="0"/>
+              <a:t> and </a:t>
+            </a:r>
+            <a:r>
+              <a:rPr lang="es-ES" dirty="0" err="1" smtClean="0"/>
+              <a:t>stored</a:t>
+            </a:r>
+            <a:r>
+              <a:rPr lang="es-ES" dirty="0" smtClean="0"/>
+              <a:t> </a:t>
+            </a:r>
+            <a:r>
+              <a:rPr lang="es-ES" dirty="0" err="1" smtClean="0"/>
+              <a:t>sources</a:t>
+            </a:r>
+            <a:endParaRPr lang="es-ES" dirty="0" smtClean="0"/>
           </a:p>
         </p:txBody>
       </p:sp>
@@ -10760,8 +12570,8 @@
         </p:nvSpPr>
         <p:spPr>
           <a:xfrm>
-            <a:off x="2143108" y="2214554"/>
-            <a:ext cx="4714908" cy="3693319"/>
+            <a:off x="1643042" y="3857628"/>
+            <a:ext cx="5074018" cy="3139321"/>
           </a:xfrm>
           <a:prstGeom prst="rect">
             <a:avLst/>
@@ -10769,7 +12579,7 @@
           <a:noFill/>
         </p:spPr>
         <p:txBody>
-          <a:bodyPr wrap="square" rtlCol="0">
+          <a:bodyPr wrap="none" rtlCol="0">
             <a:spAutoFit/>
           </a:bodyPr>
           <a:lstStyle/>
@@ -10786,7 +12596,7 @@
             </a:r>
             <a:r>
               <a:rPr lang="es-ES" dirty="0" err="1" smtClean="0"/>
-              <a:t>wind</a:t>
+              <a:t>fire</a:t>
             </a:r>
             <a:r>
               <a:rPr lang="es-ES" dirty="0" smtClean="0"/>
@@ -10794,7 +12604,7 @@
             </a:r>
             <a:r>
               <a:rPr lang="es-ES" dirty="0" err="1" smtClean="0"/>
-              <a:t>WindOntology</a:t>
+              <a:t>integratedOntology</a:t>
             </a:r>
             <a:r>
               <a:rPr lang="es-ES" dirty="0" smtClean="0"/>
@@ -10804,28 +12614,6 @@
           <a:p>
             <a:r>
               <a:rPr lang="es-ES" dirty="0" smtClean="0"/>
-              <a:t>PREFIX </a:t>
-            </a:r>
-            <a:r>
-              <a:rPr lang="es-ES" dirty="0" err="1" smtClean="0"/>
-              <a:t>loc</a:t>
-            </a:r>
-            <a:r>
-              <a:rPr lang="es-ES" dirty="0" smtClean="0"/>
-              <a:t> &lt;http://.../</a:t>
-            </a:r>
-            <a:r>
-              <a:rPr lang="es-ES" dirty="0" err="1" smtClean="0"/>
-              <a:t>LocationOntology</a:t>
-            </a:r>
-            <a:r>
-              <a:rPr lang="es-ES" dirty="0" smtClean="0"/>
-              <a:t>&gt;</a:t>
-            </a:r>
-          </a:p>
-          <a:p>
-            <a:r>
-              <a:rPr lang="es-ES" dirty="0" smtClean="0"/>
               <a:t>SELECT ?</a:t>
             </a:r>
             <a:r>
@@ -10873,7 +12661,7 @@
             </a:r>
             <a:r>
               <a:rPr lang="es-ES" dirty="0" err="1" smtClean="0"/>
-              <a:t>WindSensor</a:t>
+              <a:t>integratedOntologicalView</a:t>
             </a:r>
             <a:r>
               <a:rPr lang="es-ES" dirty="0" smtClean="0"/>
@@ -10883,19 +12671,11 @@
           <a:p>
             <a:r>
               <a:rPr lang="es-ES" dirty="0" smtClean="0"/>
-              <a:t>WHERE { 	?</a:t>
+              <a:t>WHERE { 	?id a </a:t>
             </a:r>
             <a:r>
               <a:rPr lang="es-ES" dirty="0" err="1" smtClean="0"/>
-              <a:t>wind</a:t>
-            </a:r>
-            <a:r>
-              <a:rPr lang="es-ES" dirty="0" smtClean="0"/>
-              <a:t> a </a:t>
-            </a:r>
-            <a:r>
-              <a:rPr lang="es-ES" dirty="0" err="1" smtClean="0"/>
-              <a:t>wind:Sensor</a:t>
+              <a:t>fire:WindSensor</a:t>
             </a:r>
             <a:r>
               <a:rPr lang="es-ES" dirty="0" smtClean="0"/>
@@ -10909,7 +12689,7 @@
             </a:r>
             <a:r>
               <a:rPr lang="es-ES" dirty="0" err="1" smtClean="0"/>
-              <a:t>wind:hasSpeed</a:t>
+              <a:t>fire:hasLong</a:t>
             </a:r>
             <a:r>
               <a:rPr lang="es-ES" dirty="0" smtClean="0"/>
@@ -10917,7 +12697,7 @@
             </a:r>
             <a:r>
               <a:rPr lang="es-ES" dirty="0" err="1" smtClean="0"/>
-              <a:t>speed</a:t>
+              <a:t>long</a:t>
             </a:r>
             <a:r>
               <a:rPr lang="es-ES" dirty="0" smtClean="0"/>
@@ -10931,7 +12711,7 @@
             </a:r>
             <a:r>
               <a:rPr lang="es-ES" dirty="0" err="1" smtClean="0"/>
-              <a:t>wind:hasDirection</a:t>
+              <a:t>fire:hasLat</a:t>
             </a:r>
             <a:r>
               <a:rPr lang="es-ES" dirty="0" smtClean="0"/>
@@ -10939,9 +12719,12 @@
             </a:r>
             <a:r>
               <a:rPr lang="es-ES" dirty="0" err="1" smtClean="0"/>
-              <a:t>dir;</a:t>
-            </a:r>
-            <a:endParaRPr lang="es-ES" dirty="0" smtClean="0"/>
+              <a:t>lat</a:t>
+            </a:r>
+            <a:r>
+              <a:rPr lang="es-ES" dirty="0" smtClean="0"/>
+              <a:t>;</a:t>
+            </a:r>
           </a:p>
           <a:p>
             <a:r>
@@ -10950,7 +12733,7 @@
             </a:r>
             <a:r>
               <a:rPr lang="es-ES" dirty="0" err="1" smtClean="0"/>
-              <a:t>wind:hasTS</a:t>
+              <a:t>fire:hasSpeed</a:t>
             </a:r>
             <a:r>
               <a:rPr lang="es-ES" dirty="0" smtClean="0"/>
@@ -10958,34 +12741,9 @@
             </a:r>
             <a:r>
               <a:rPr lang="es-ES" dirty="0" err="1" smtClean="0"/>
-              <a:t>ts</a:t>
-            </a:r>
-            <a:r>
-              <a:rPr lang="es-ES" dirty="0" smtClean="0"/>
-              <a:t>.</a:t>
-            </a:r>
-          </a:p>
-          <a:p>
-            <a:r>
-              <a:rPr lang="es-ES" dirty="0" smtClean="0"/>
-              <a:t>	?</a:t>
-            </a:r>
-            <a:r>
-              <a:rPr lang="es-ES" dirty="0" err="1" smtClean="0"/>
-              <a:t>locid</a:t>
-            </a:r>
-            <a:r>
-              <a:rPr lang="es-ES" dirty="0" smtClean="0"/>
-              <a:t> a </a:t>
-            </a:r>
-            <a:r>
-              <a:rPr lang="es-ES" dirty="0" err="1" smtClean="0"/>
-              <a:t>loc:Location</a:t>
-            </a:r>
-            <a:r>
-              <a:rPr lang="es-ES" dirty="0" smtClean="0"/>
-              <a:t>;</a:t>
-            </a:r>
+              <a:t>speed</a:t>
+            </a:r>
+            <a:endParaRPr lang="es-ES" dirty="0" smtClean="0"/>
           </a:p>
           <a:p>
             <a:r>
@@ -10994,7 +12752,7 @@
             </a:r>
             <a:r>
               <a:rPr lang="es-ES" dirty="0" err="1" smtClean="0"/>
-              <a:t>loc:hasLong</a:t>
+              <a:t>fire:hasDir</a:t>
             </a:r>
             <a:r>
               <a:rPr lang="es-ES" dirty="0" smtClean="0"/>
@@ -11002,12 +12760,9 @@
             </a:r>
             <a:r>
               <a:rPr lang="es-ES" dirty="0" err="1" smtClean="0"/>
-              <a:t>long</a:t>
-            </a:r>
-            <a:r>
-              <a:rPr lang="es-ES" dirty="0" smtClean="0"/>
-              <a:t>;</a:t>
-            </a:r>
+              <a:t>dir</a:t>
+            </a:r>
+            <a:endParaRPr lang="es-ES" dirty="0" smtClean="0"/>
           </a:p>
           <a:p>
             <a:r>
@@ -11016,11 +12771,19 @@
             </a:r>
             <a:r>
               <a:rPr lang="es-ES" dirty="0" err="1" smtClean="0"/>
-              <a:t>loc:hasLat</a:t>
+              <a:t>fire:hasTS</a:t>
             </a:r>
             <a:r>
               <a:rPr lang="es-ES" dirty="0" smtClean="0"/>
-              <a:t> ?lat. }</a:t>
+              <a:t> ?</a:t>
+            </a:r>
+            <a:r>
+              <a:rPr lang="es-ES" dirty="0" err="1" smtClean="0"/>
+              <a:t>ts</a:t>
+            </a:r>
+            <a:r>
+              <a:rPr lang="es-ES" dirty="0" smtClean="0"/>
+              <a:t>. }</a:t>
             </a:r>
           </a:p>
           <a:p>
@@ -11044,6 +12807,376 @@
 </file>
 
 <file path=ppt/slides/slide23.xml><?xml version="1.0" encoding="utf-8"?>
+<p:sld xmlns:a="http://schemas.openxmlformats.org/drawingml/2006/main" xmlns:r="http://schemas.openxmlformats.org/officeDocument/2006/relationships" xmlns:p="http://schemas.openxmlformats.org/presentationml/2006/main">
+  <p:cSld>
+    <p:spTree>
+      <p:nvGrpSpPr>
+        <p:cNvPr id="1" name=""/>
+        <p:cNvGrpSpPr/>
+        <p:nvPr/>
+      </p:nvGrpSpPr>
+      <p:grpSpPr>
+        <a:xfrm>
+          <a:off x="0" y="0"/>
+          <a:ext cx="0" cy="0"/>
+          <a:chOff x="0" y="0"/>
+          <a:chExt cx="0" cy="0"/>
+        </a:xfrm>
+      </p:grpSpPr>
+      <p:sp>
+        <p:nvSpPr>
+          <p:cNvPr id="2" name="1 Título"/>
+          <p:cNvSpPr>
+            <a:spLocks noGrp="1"/>
+          </p:cNvSpPr>
+          <p:nvPr>
+            <p:ph type="title"/>
+          </p:nvPr>
+        </p:nvSpPr>
+        <p:spPr/>
+        <p:txBody>
+          <a:bodyPr/>
+          <a:lstStyle/>
+          <a:p>
+            <a:r>
+              <a:rPr lang="es-ES" dirty="0" smtClean="0"/>
+              <a:t>SPARQL</a:t>
+            </a:r>
+            <a:r>
+              <a:rPr lang="es-ES" baseline="-25000" dirty="0" smtClean="0"/>
+              <a:t>STR</a:t>
+            </a:r>
+            <a:r>
+              <a:rPr lang="es-ES" dirty="0" smtClean="0"/>
+              <a:t> </a:t>
+            </a:r>
+            <a:r>
+              <a:rPr lang="es-ES" dirty="0" err="1" smtClean="0"/>
+              <a:t>on</a:t>
+            </a:r>
+            <a:r>
+              <a:rPr lang="es-ES" dirty="0" smtClean="0"/>
+              <a:t> Local </a:t>
+            </a:r>
+            <a:r>
+              <a:rPr lang="es-ES" dirty="0" err="1" smtClean="0"/>
+              <a:t>Ontologies</a:t>
+            </a:r>
+            <a:endParaRPr lang="es-ES" dirty="0"/>
+          </a:p>
+        </p:txBody>
+      </p:sp>
+      <p:sp>
+        <p:nvSpPr>
+          <p:cNvPr id="3" name="2 Marcador de contenido"/>
+          <p:cNvSpPr>
+            <a:spLocks noGrp="1"/>
+          </p:cNvSpPr>
+          <p:nvPr>
+            <p:ph idx="1"/>
+          </p:nvPr>
+        </p:nvSpPr>
+        <p:spPr/>
+        <p:txBody>
+          <a:bodyPr/>
+          <a:lstStyle/>
+          <a:p>
+            <a:endParaRPr lang="es-ES" dirty="0"/>
+          </a:p>
+        </p:txBody>
+      </p:sp>
+      <p:sp>
+        <p:nvSpPr>
+          <p:cNvPr id="4" name="3 CuadroTexto"/>
+          <p:cNvSpPr txBox="1"/>
+          <p:nvPr/>
+        </p:nvSpPr>
+        <p:spPr>
+          <a:xfrm>
+            <a:off x="2143108" y="2214554"/>
+            <a:ext cx="4714908" cy="3693319"/>
+          </a:xfrm>
+          <a:prstGeom prst="rect">
+            <a:avLst/>
+          </a:prstGeom>
+          <a:noFill/>
+        </p:spPr>
+        <p:txBody>
+          <a:bodyPr wrap="square" rtlCol="0">
+            <a:spAutoFit/>
+          </a:bodyPr>
+          <a:lstStyle/>
+          <a:p>
+            <a:r>
+              <a:rPr lang="es-ES" dirty="0" smtClean="0"/>
+              <a:t>REGISTER …</a:t>
+            </a:r>
+          </a:p>
+          <a:p>
+            <a:r>
+              <a:rPr lang="es-ES" dirty="0" smtClean="0"/>
+              <a:t>PREFIX </a:t>
+            </a:r>
+            <a:r>
+              <a:rPr lang="es-ES" dirty="0" err="1" smtClean="0"/>
+              <a:t>wind</a:t>
+            </a:r>
+            <a:r>
+              <a:rPr lang="es-ES" dirty="0" smtClean="0"/>
+              <a:t> &lt;http://.../</a:t>
+            </a:r>
+            <a:r>
+              <a:rPr lang="es-ES" dirty="0" err="1" smtClean="0"/>
+              <a:t>WindOntology</a:t>
+            </a:r>
+            <a:r>
+              <a:rPr lang="es-ES" dirty="0" smtClean="0"/>
+              <a:t>&gt;</a:t>
+            </a:r>
+          </a:p>
+          <a:p>
+            <a:r>
+              <a:rPr lang="es-ES" dirty="0" smtClean="0"/>
+              <a:t>PREFIX </a:t>
+            </a:r>
+            <a:r>
+              <a:rPr lang="es-ES" dirty="0" err="1" smtClean="0"/>
+              <a:t>loc</a:t>
+            </a:r>
+            <a:r>
+              <a:rPr lang="es-ES" dirty="0" smtClean="0"/>
+              <a:t> &lt;http://.../</a:t>
+            </a:r>
+            <a:r>
+              <a:rPr lang="es-ES" dirty="0" err="1" smtClean="0"/>
+              <a:t>LocationOntology</a:t>
+            </a:r>
+            <a:r>
+              <a:rPr lang="es-ES" dirty="0" smtClean="0"/>
+              <a:t>&gt;</a:t>
+            </a:r>
+          </a:p>
+          <a:p>
+            <a:r>
+              <a:rPr lang="es-ES" dirty="0" smtClean="0"/>
+              <a:t>SELECT ?</a:t>
+            </a:r>
+            <a:r>
+              <a:rPr lang="es-ES" dirty="0" err="1" smtClean="0"/>
+              <a:t>long</a:t>
+            </a:r>
+            <a:r>
+              <a:rPr lang="es-ES" dirty="0" smtClean="0"/>
+              <a:t> ?</a:t>
+            </a:r>
+            <a:r>
+              <a:rPr lang="es-ES" dirty="0" err="1" smtClean="0"/>
+              <a:t>lat</a:t>
+            </a:r>
+            <a:r>
+              <a:rPr lang="es-ES" dirty="0" smtClean="0"/>
+              <a:t> ?</a:t>
+            </a:r>
+            <a:r>
+              <a:rPr lang="es-ES" dirty="0" err="1" smtClean="0"/>
+              <a:t>speed</a:t>
+            </a:r>
+            <a:r>
+              <a:rPr lang="es-ES" dirty="0" smtClean="0"/>
+              <a:t> ?</a:t>
+            </a:r>
+            <a:r>
+              <a:rPr lang="es-ES" dirty="0" err="1" smtClean="0"/>
+              <a:t>dir</a:t>
+            </a:r>
+            <a:r>
+              <a:rPr lang="es-ES" dirty="0" smtClean="0"/>
+              <a:t> ?</a:t>
+            </a:r>
+            <a:r>
+              <a:rPr lang="es-ES" dirty="0" err="1" smtClean="0"/>
+              <a:t>ts</a:t>
+            </a:r>
+            <a:endParaRPr lang="es-ES" dirty="0" smtClean="0"/>
+          </a:p>
+          <a:p>
+            <a:r>
+              <a:rPr lang="es-ES" dirty="0" smtClean="0"/>
+              <a:t>FROM STREAM &lt;</a:t>
+            </a:r>
+            <a:r>
+              <a:rPr lang="es-ES" dirty="0" err="1" smtClean="0"/>
+              <a:t>WindSensor</a:t>
+            </a:r>
+            <a:r>
+              <a:rPr lang="es-ES" dirty="0" smtClean="0"/>
+              <a:t>&gt; [NOW]</a:t>
+            </a:r>
+          </a:p>
+          <a:p>
+            <a:r>
+              <a:rPr lang="es-ES" dirty="0" smtClean="0"/>
+              <a:t>WHERE { 	?</a:t>
+            </a:r>
+            <a:r>
+              <a:rPr lang="es-ES" dirty="0" err="1" smtClean="0"/>
+              <a:t>wind</a:t>
+            </a:r>
+            <a:r>
+              <a:rPr lang="es-ES" dirty="0" smtClean="0"/>
+              <a:t> a </a:t>
+            </a:r>
+            <a:r>
+              <a:rPr lang="es-ES" dirty="0" err="1" smtClean="0"/>
+              <a:t>wind:Sensor</a:t>
+            </a:r>
+            <a:r>
+              <a:rPr lang="es-ES" dirty="0" smtClean="0"/>
+              <a:t>;</a:t>
+            </a:r>
+          </a:p>
+          <a:p>
+            <a:r>
+              <a:rPr lang="es-ES" dirty="0" smtClean="0"/>
+              <a:t>	</a:t>
+            </a:r>
+            <a:r>
+              <a:rPr lang="es-ES" dirty="0" err="1" smtClean="0"/>
+              <a:t>wind:hasSpeed</a:t>
+            </a:r>
+            <a:r>
+              <a:rPr lang="es-ES" dirty="0" smtClean="0"/>
+              <a:t> ?</a:t>
+            </a:r>
+            <a:r>
+              <a:rPr lang="es-ES" dirty="0" err="1" smtClean="0"/>
+              <a:t>speed</a:t>
+            </a:r>
+            <a:r>
+              <a:rPr lang="es-ES" dirty="0" smtClean="0"/>
+              <a:t>;</a:t>
+            </a:r>
+          </a:p>
+          <a:p>
+            <a:r>
+              <a:rPr lang="es-ES" dirty="0" smtClean="0"/>
+              <a:t>	</a:t>
+            </a:r>
+            <a:r>
+              <a:rPr lang="es-ES" dirty="0" err="1" smtClean="0"/>
+              <a:t>wind:hasDirection</a:t>
+            </a:r>
+            <a:r>
+              <a:rPr lang="es-ES" dirty="0" smtClean="0"/>
+              <a:t> ?</a:t>
+            </a:r>
+            <a:r>
+              <a:rPr lang="es-ES" dirty="0" err="1" smtClean="0"/>
+              <a:t>dir;</a:t>
+            </a:r>
+            <a:endParaRPr lang="es-ES" dirty="0" smtClean="0"/>
+          </a:p>
+          <a:p>
+            <a:r>
+              <a:rPr lang="es-ES" dirty="0" smtClean="0"/>
+              <a:t>	</a:t>
+            </a:r>
+            <a:r>
+              <a:rPr lang="es-ES" dirty="0" err="1" smtClean="0"/>
+              <a:t>wind:hasTS</a:t>
+            </a:r>
+            <a:r>
+              <a:rPr lang="es-ES" dirty="0" smtClean="0"/>
+              <a:t> ?</a:t>
+            </a:r>
+            <a:r>
+              <a:rPr lang="es-ES" dirty="0" err="1" smtClean="0"/>
+              <a:t>ts</a:t>
+            </a:r>
+            <a:r>
+              <a:rPr lang="es-ES" dirty="0" smtClean="0"/>
+              <a:t>.</a:t>
+            </a:r>
+          </a:p>
+          <a:p>
+            <a:r>
+              <a:rPr lang="es-ES" dirty="0" smtClean="0"/>
+              <a:t>	?</a:t>
+            </a:r>
+            <a:r>
+              <a:rPr lang="es-ES" dirty="0" err="1" smtClean="0"/>
+              <a:t>locid</a:t>
+            </a:r>
+            <a:r>
+              <a:rPr lang="es-ES" dirty="0" smtClean="0"/>
+              <a:t> a </a:t>
+            </a:r>
+            <a:r>
+              <a:rPr lang="es-ES" dirty="0" err="1" smtClean="0"/>
+              <a:t>loc:Location</a:t>
+            </a:r>
+            <a:r>
+              <a:rPr lang="es-ES" dirty="0" smtClean="0"/>
+              <a:t>;</a:t>
+            </a:r>
+          </a:p>
+          <a:p>
+            <a:r>
+              <a:rPr lang="es-ES" dirty="0" smtClean="0"/>
+              <a:t>	</a:t>
+            </a:r>
+            <a:r>
+              <a:rPr lang="es-ES" dirty="0" err="1" smtClean="0"/>
+              <a:t>loc:hasLong</a:t>
+            </a:r>
+            <a:r>
+              <a:rPr lang="es-ES" dirty="0" smtClean="0"/>
+              <a:t> ?</a:t>
+            </a:r>
+            <a:r>
+              <a:rPr lang="es-ES" dirty="0" err="1" smtClean="0"/>
+              <a:t>long</a:t>
+            </a:r>
+            <a:r>
+              <a:rPr lang="es-ES" dirty="0" smtClean="0"/>
+              <a:t>;</a:t>
+            </a:r>
+          </a:p>
+          <a:p>
+            <a:r>
+              <a:rPr lang="es-ES" dirty="0" smtClean="0"/>
+              <a:t>	</a:t>
+            </a:r>
+            <a:r>
+              <a:rPr lang="es-ES" dirty="0" err="1" smtClean="0"/>
+              <a:t>loc:hasLat</a:t>
+            </a:r>
+            <a:r>
+              <a:rPr lang="es-ES" dirty="0" smtClean="0"/>
+              <a:t> ?lat. }</a:t>
+            </a:r>
+          </a:p>
+          <a:p>
+            <a:endParaRPr lang="es-ES" dirty="0"/>
+          </a:p>
+        </p:txBody>
+      </p:sp>
+    </p:spTree>
+  </p:cSld>
+  <p:clrMapOvr>
+    <a:masterClrMapping/>
+  </p:clrMapOvr>
+  <p:timing>
+    <p:tnLst>
+      <p:par>
+        <p:cTn id="1" dur="indefinite" restart="never" nodeType="tmRoot"/>
+      </p:par>
+    </p:tnLst>
+  </p:timing>
+</p:sld>
+</file>
+
+<file path=ppt/slides/slide24.xml><?xml version="1.0" encoding="utf-8"?>
 <p:sld xmlns:a="http://schemas.openxmlformats.org/drawingml/2006/main" xmlns:r="http://schemas.openxmlformats.org/officeDocument/2006/relationships" xmlns:p="http://schemas.openxmlformats.org/presentationml/2006/main">
   <p:cSld>
     <p:spTree>
@@ -12516,7 +14649,7 @@
           <p:nvPr/>
         </p:nvPicPr>
         <p:blipFill>
-          <a:blip r:embed="rId2"/>
+          <a:blip r:embed="rId2" cstate="print"/>
           <a:srcRect/>
           <a:stretch>
             <a:fillRect/>
@@ -20054,12 +22187,8 @@
           <a:p>
             <a:pPr algn="ctr"/>
             <a:r>
-              <a:rPr lang="es-ES" sz="1100" dirty="0" err="1" smtClean="0"/>
-              <a:t>Ontology-to-Ontology</a:t>
-            </a:r>
-            <a:r>
               <a:rPr lang="es-ES" sz="1100" dirty="0" smtClean="0"/>
-              <a:t> </a:t>
+              <a:t>Ontology-to-Ontology </a:t>
             </a:r>
             <a:r>
               <a:rPr lang="en-US" sz="1100" dirty="0" smtClean="0"/>
